--- a/Sprint3/EdaWorkshop_Sprint3.pptx
+++ b/Sprint3/EdaWorkshop_Sprint3.pptx
@@ -3067,6 +3067,10 @@
           <a:lstStyle/>
           <a:p>
             <a:r>
+              <a:rPr lang="en-US" dirty="0" smtClean="0"/>
+              <a:t>***</a:t>
+            </a:r>
+            <a:r>
               <a:rPr lang="en-US" dirty="0" err="1" smtClean="0"/>
               <a:t>ToDo</a:t>
             </a:r>
@@ -3090,8 +3094,18 @@
           <a:lstStyle/>
           <a:p>
             <a:r>
+              <a:rPr lang="en-US" smtClean="0"/>
+              <a:t>Arm templates</a:t>
+            </a:r>
+          </a:p>
+          <a:p>
+            <a:r>
               <a:rPr lang="en-US" dirty="0" smtClean="0"/>
-              <a:t>Have Routing Service </a:t>
+              <a:t>Have </a:t>
+            </a:r>
+            <a:r>
+              <a:rPr lang="en-US" dirty="0" smtClean="0"/>
+              <a:t>Routing Service </a:t>
             </a:r>
             <a:r>
               <a:rPr lang="en-US" dirty="0"/>
@@ -3169,11 +3183,7 @@
           <a:p>
             <a:r>
               <a:rPr lang="en-US" dirty="0" smtClean="0"/>
-              <a:t>User Story </a:t>
-            </a:r>
-            <a:r>
-              <a:rPr lang="en-US" dirty="0" smtClean="0"/>
-              <a:t>3-1</a:t>
+              <a:t>User Story 3-1</a:t>
             </a:r>
             <a:endParaRPr lang="en-US" dirty="0"/>
           </a:p>
@@ -3203,7 +3213,6 @@
               <a:rPr lang="en-US" dirty="0" smtClean="0"/>
               <a:t>TODO</a:t>
             </a:r>
-            <a:endParaRPr lang="en-US" dirty="0" smtClean="0"/>
           </a:p>
         </p:txBody>
       </p:sp>
@@ -3284,11 +3293,7 @@
           <a:p>
             <a:r>
               <a:rPr lang="en-US" dirty="0" smtClean="0"/>
-              <a:t>User Story </a:t>
-            </a:r>
-            <a:r>
-              <a:rPr lang="en-US" dirty="0" smtClean="0"/>
-              <a:t>3-1: Design</a:t>
+              <a:t>User Story 3-1: Design</a:t>
             </a:r>
             <a:endParaRPr lang="en-US" dirty="0"/>
           </a:p>
@@ -3318,7 +3323,6 @@
               <a:rPr lang="en-US" dirty="0" smtClean="0"/>
               <a:t>TODO</a:t>
             </a:r>
-            <a:endParaRPr lang="en-US" dirty="0" smtClean="0"/>
           </a:p>
         </p:txBody>
       </p:sp>
@@ -3871,11 +3875,7 @@
             </a:r>
             <a:r>
               <a:rPr lang="en-US" dirty="0" smtClean="0"/>
-              <a:t>ask </a:t>
-            </a:r>
-            <a:r>
-              <a:rPr lang="en-US" dirty="0" smtClean="0"/>
-              <a:t>3-1:</a:t>
+              <a:t>ask 3-1:</a:t>
             </a:r>
             <a:endParaRPr lang="en-US" dirty="0"/>
           </a:p>
@@ -3900,7 +3900,6 @@
               <a:rPr lang="en-US" dirty="0" smtClean="0"/>
               <a:t>TODO</a:t>
             </a:r>
-            <a:endParaRPr lang="en-US" dirty="0" smtClean="0"/>
           </a:p>
         </p:txBody>
       </p:sp>
@@ -3981,11 +3980,7 @@
           <a:p>
             <a:r>
               <a:rPr lang="en-US" dirty="0" smtClean="0"/>
-              <a:t>Sprint </a:t>
-            </a:r>
-            <a:r>
-              <a:rPr lang="en-US" dirty="0" smtClean="0"/>
-              <a:t>3: Retrospective</a:t>
+              <a:t>Sprint 3: Retrospective</a:t>
             </a:r>
             <a:endParaRPr lang="en-US" dirty="0"/>
           </a:p>

--- a/Sprint3/EdaWorkshop_Sprint3.pptx
+++ b/Sprint3/EdaWorkshop_Sprint3.pptx
@@ -3101,11 +3101,7 @@
           <a:p>
             <a:r>
               <a:rPr lang="en-US" dirty="0" smtClean="0"/>
-              <a:t>Have </a:t>
-            </a:r>
-            <a:r>
-              <a:rPr lang="en-US" dirty="0" smtClean="0"/>
-              <a:t>Routing Service </a:t>
+              <a:t>Have Routing Service </a:t>
             </a:r>
             <a:r>
               <a:rPr lang="en-US" dirty="0"/>
@@ -3211,8 +3207,9 @@
             </a:pPr>
             <a:r>
               <a:rPr lang="en-US" dirty="0" smtClean="0"/>
-              <a:t>TODO</a:t>
-            </a:r>
+              <a:t> </a:t>
+            </a:r>
+            <a:endParaRPr lang="en-US" dirty="0" smtClean="0"/>
           </a:p>
         </p:txBody>
       </p:sp>
@@ -3321,8 +3318,9 @@
             </a:pPr>
             <a:r>
               <a:rPr lang="en-US" dirty="0" smtClean="0"/>
-              <a:t>TODO</a:t>
-            </a:r>
+              <a:t> </a:t>
+            </a:r>
+            <a:endParaRPr lang="en-US" dirty="0" smtClean="0"/>
           </a:p>
         </p:txBody>
       </p:sp>
@@ -3350,6 +3348,30 @@
           <a:xfrm>
             <a:off x="9135291" y="292047"/>
             <a:ext cx="2455817" cy="1381224"/>
+          </a:xfrm>
+          <a:prstGeom prst="rect">
+            <a:avLst/>
+          </a:prstGeom>
+        </p:spPr>
+      </p:pic>
+      <p:pic>
+        <p:nvPicPr>
+          <p:cNvPr id="6" name="Picture 5"/>
+          <p:cNvPicPr>
+            <a:picLocks noChangeAspect="1"/>
+          </p:cNvPicPr>
+          <p:nvPr/>
+        </p:nvPicPr>
+        <p:blipFill>
+          <a:blip r:embed="rId3"/>
+          <a:stretch>
+            <a:fillRect/>
+          </a:stretch>
+        </p:blipFill>
+        <p:spPr>
+          <a:xfrm>
+            <a:off x="3838575" y="2253456"/>
+            <a:ext cx="4514850" cy="3495675"/>
           </a:xfrm>
           <a:prstGeom prst="rect">
             <a:avLst/>

--- a/Sprint3/EdaWorkshop_Sprint3.pptx
+++ b/Sprint3/EdaWorkshop_Sprint3.pptx
@@ -10,8 +10,15 @@
     <p:sldId id="309" r:id="rId4"/>
     <p:sldId id="310" r:id="rId5"/>
     <p:sldId id="282" r:id="rId6"/>
-    <p:sldId id="311" r:id="rId7"/>
-    <p:sldId id="312" r:id="rId8"/>
+    <p:sldId id="313" r:id="rId7"/>
+    <p:sldId id="314" r:id="rId8"/>
+    <p:sldId id="316" r:id="rId9"/>
+    <p:sldId id="317" r:id="rId10"/>
+    <p:sldId id="318" r:id="rId11"/>
+    <p:sldId id="319" r:id="rId12"/>
+    <p:sldId id="311" r:id="rId13"/>
+    <p:sldId id="315" r:id="rId14"/>
+    <p:sldId id="312" r:id="rId15"/>
   </p:sldIdLst>
   <p:sldSz cx="12192000" cy="6858000"/>
   <p:notesSz cx="6858000" cy="9144000"/>
@@ -249,7 +256,7 @@
           <a:p>
             <a:fld id="{0B5D536D-AE8C-4EAC-8CEB-B18A64A144B4}" type="datetimeFigureOut">
               <a:rPr lang="en-US" smtClean="0"/>
-              <a:t>9/19/2021</a:t>
+              <a:t>9/25/2021</a:t>
             </a:fld>
             <a:endParaRPr lang="en-US"/>
           </a:p>
@@ -419,7 +426,7 @@
           <a:p>
             <a:fld id="{0B5D536D-AE8C-4EAC-8CEB-B18A64A144B4}" type="datetimeFigureOut">
               <a:rPr lang="en-US" smtClean="0"/>
-              <a:t>9/19/2021</a:t>
+              <a:t>9/25/2021</a:t>
             </a:fld>
             <a:endParaRPr lang="en-US"/>
           </a:p>
@@ -599,7 +606,7 @@
           <a:p>
             <a:fld id="{0B5D536D-AE8C-4EAC-8CEB-B18A64A144B4}" type="datetimeFigureOut">
               <a:rPr lang="en-US" smtClean="0"/>
-              <a:t>9/19/2021</a:t>
+              <a:t>9/25/2021</a:t>
             </a:fld>
             <a:endParaRPr lang="en-US"/>
           </a:p>
@@ -769,7 +776,7 @@
           <a:p>
             <a:fld id="{0B5D536D-AE8C-4EAC-8CEB-B18A64A144B4}" type="datetimeFigureOut">
               <a:rPr lang="en-US" smtClean="0"/>
-              <a:t>9/19/2021</a:t>
+              <a:t>9/25/2021</a:t>
             </a:fld>
             <a:endParaRPr lang="en-US"/>
           </a:p>
@@ -1015,7 +1022,7 @@
           <a:p>
             <a:fld id="{0B5D536D-AE8C-4EAC-8CEB-B18A64A144B4}" type="datetimeFigureOut">
               <a:rPr lang="en-US" smtClean="0"/>
-              <a:t>9/19/2021</a:t>
+              <a:t>9/25/2021</a:t>
             </a:fld>
             <a:endParaRPr lang="en-US"/>
           </a:p>
@@ -1247,7 +1254,7 @@
           <a:p>
             <a:fld id="{0B5D536D-AE8C-4EAC-8CEB-B18A64A144B4}" type="datetimeFigureOut">
               <a:rPr lang="en-US" smtClean="0"/>
-              <a:t>9/19/2021</a:t>
+              <a:t>9/25/2021</a:t>
             </a:fld>
             <a:endParaRPr lang="en-US"/>
           </a:p>
@@ -1614,7 +1621,7 @@
           <a:p>
             <a:fld id="{0B5D536D-AE8C-4EAC-8CEB-B18A64A144B4}" type="datetimeFigureOut">
               <a:rPr lang="en-US" smtClean="0"/>
-              <a:t>9/19/2021</a:t>
+              <a:t>9/25/2021</a:t>
             </a:fld>
             <a:endParaRPr lang="en-US"/>
           </a:p>
@@ -1732,7 +1739,7 @@
           <a:p>
             <a:fld id="{0B5D536D-AE8C-4EAC-8CEB-B18A64A144B4}" type="datetimeFigureOut">
               <a:rPr lang="en-US" smtClean="0"/>
-              <a:t>9/19/2021</a:t>
+              <a:t>9/25/2021</a:t>
             </a:fld>
             <a:endParaRPr lang="en-US"/>
           </a:p>
@@ -1827,7 +1834,7 @@
           <a:p>
             <a:fld id="{0B5D536D-AE8C-4EAC-8CEB-B18A64A144B4}" type="datetimeFigureOut">
               <a:rPr lang="en-US" smtClean="0"/>
-              <a:t>9/19/2021</a:t>
+              <a:t>9/25/2021</a:t>
             </a:fld>
             <a:endParaRPr lang="en-US"/>
           </a:p>
@@ -2104,7 +2111,7 @@
           <a:p>
             <a:fld id="{0B5D536D-AE8C-4EAC-8CEB-B18A64A144B4}" type="datetimeFigureOut">
               <a:rPr lang="en-US" smtClean="0"/>
-              <a:t>9/19/2021</a:t>
+              <a:t>9/25/2021</a:t>
             </a:fld>
             <a:endParaRPr lang="en-US"/>
           </a:p>
@@ -2357,7 +2364,7 @@
           <a:p>
             <a:fld id="{0B5D536D-AE8C-4EAC-8CEB-B18A64A144B4}" type="datetimeFigureOut">
               <a:rPr lang="en-US" smtClean="0"/>
-              <a:t>9/19/2021</a:t>
+              <a:t>9/25/2021</a:t>
             </a:fld>
             <a:endParaRPr lang="en-US"/>
           </a:p>
@@ -2570,7 +2577,7 @@
           <a:p>
             <a:fld id="{0B5D536D-AE8C-4EAC-8CEB-B18A64A144B4}" type="datetimeFigureOut">
               <a:rPr lang="en-US" smtClean="0"/>
-              <a:t>9/19/2021</a:t>
+              <a:t>9/25/2021</a:t>
             </a:fld>
             <a:endParaRPr lang="en-US"/>
           </a:p>
@@ -3014,10 +3021,14 @@
           <a:lstStyle/>
           <a:p>
             <a:r>
-              <a:rPr lang="en-US" dirty="0" smtClean="0"/>
-              <a:t>Routing Service</a:t>
-            </a:r>
-            <a:endParaRPr lang="en-US" dirty="0"/>
+              <a:rPr lang="en-US" dirty="0"/>
+              <a:t>GOAL: </a:t>
+            </a:r>
+            <a:r>
+              <a:rPr lang="en-US" dirty="0" smtClean="0"/>
+              <a:t>Route undecided requests to a physician so they can make a decision on the request</a:t>
+            </a:r>
+            <a:endParaRPr lang="en-US" b="1" dirty="0"/>
           </a:p>
         </p:txBody>
       </p:sp>
@@ -3034,7 +3045,7 @@
 </p:sld>
 </file>
 
-<file path=ppt/slides/slide2.xml><?xml version="1.0" encoding="utf-8"?>
+<file path=ppt/slides/slide10.xml><?xml version="1.0" encoding="utf-8"?>
 <p:sld xmlns:a="http://schemas.openxmlformats.org/drawingml/2006/main" xmlns:r="http://schemas.openxmlformats.org/officeDocument/2006/relationships" xmlns:p="http://schemas.openxmlformats.org/presentationml/2006/main">
   <p:cSld>
     <p:spTree>
@@ -3053,7 +3064,7 @@
       </p:grpSpPr>
       <p:sp>
         <p:nvSpPr>
-          <p:cNvPr id="4" name="Title 3"/>
+          <p:cNvPr id="2" name="Title 1"/>
           <p:cNvSpPr>
             <a:spLocks noGrp="1"/>
           </p:cNvSpPr>
@@ -3068,154 +3079,114 @@
           <a:p>
             <a:r>
               <a:rPr lang="en-US" dirty="0" smtClean="0"/>
-              <a:t>***</a:t>
+              <a:t>Task 3-2: Deploy UI Messaging Items</a:t>
+            </a:r>
+            <a:endParaRPr lang="en-US" dirty="0"/>
+          </a:p>
+        </p:txBody>
+      </p:sp>
+      <p:sp>
+        <p:nvSpPr>
+          <p:cNvPr id="3" name="Content Placeholder 2"/>
+          <p:cNvSpPr>
+            <a:spLocks noGrp="1"/>
+          </p:cNvSpPr>
+          <p:nvPr>
+            <p:ph idx="1"/>
+          </p:nvPr>
+        </p:nvSpPr>
+        <p:spPr/>
+        <p:txBody>
+          <a:bodyPr>
+            <a:normAutofit lnSpcReduction="10000"/>
+          </a:bodyPr>
+          <a:lstStyle/>
+          <a:p>
+            <a:r>
+              <a:rPr lang="en-US" dirty="0"/>
+              <a:t>ARM template: </a:t>
             </a:r>
             <a:r>
               <a:rPr lang="en-US" dirty="0" err="1" smtClean="0"/>
-              <a:t>ToDo</a:t>
+              <a:t>ArmScripts</a:t>
+            </a:r>
+            <a:r>
+              <a:rPr lang="en-US" dirty="0" smtClean="0"/>
+              <a:t>\Sprint3_UIMessagingItems.json</a:t>
             </a:r>
             <a:endParaRPr lang="en-US" dirty="0"/>
           </a:p>
-        </p:txBody>
-      </p:sp>
-      <p:sp>
-        <p:nvSpPr>
-          <p:cNvPr id="5" name="Content Placeholder 4"/>
-          <p:cNvSpPr>
-            <a:spLocks noGrp="1"/>
-          </p:cNvSpPr>
-          <p:nvPr>
-            <p:ph idx="1"/>
-          </p:nvPr>
-        </p:nvSpPr>
-        <p:spPr/>
-        <p:txBody>
-          <a:bodyPr/>
-          <a:lstStyle/>
-          <a:p>
-            <a:r>
-              <a:rPr lang="en-US" smtClean="0"/>
-              <a:t>Arm templates</a:t>
-            </a:r>
-          </a:p>
-          <a:p>
-            <a:r>
-              <a:rPr lang="en-US" dirty="0" smtClean="0"/>
-              <a:t>Have Routing Service </a:t>
-            </a:r>
+          <a:p>
+            <a:pPr lvl="1"/>
             <a:r>
               <a:rPr lang="en-US" dirty="0"/>
-              <a:t>completely pre-packaged</a:t>
+              <a:t>??? Globally unique name???</a:t>
+            </a:r>
+          </a:p>
+          <a:p>
+            <a:endParaRPr lang="en-US" dirty="0" smtClean="0"/>
+          </a:p>
+          <a:p>
+            <a:r>
+              <a:rPr lang="en-US" dirty="0" smtClean="0"/>
+              <a:t>Share Access Policies</a:t>
             </a:r>
           </a:p>
           <a:p>
             <a:pPr lvl="1"/>
             <a:r>
-              <a:rPr lang="en-US" dirty="0" smtClean="0"/>
-              <a:t>Help </a:t>
-            </a:r>
-            <a:r>
-              <a:rPr lang="en-US" dirty="0"/>
-              <a:t>students deploy</a:t>
+              <a:rPr lang="en-US" dirty="0" err="1" smtClean="0"/>
+              <a:t>getRequest</a:t>
+            </a:r>
+            <a:r>
+              <a:rPr lang="en-US" dirty="0" smtClean="0"/>
+              <a:t> sender</a:t>
             </a:r>
           </a:p>
           <a:p>
             <a:pPr lvl="1"/>
             <a:r>
-              <a:rPr lang="en-US" dirty="0" smtClean="0"/>
-              <a:t>Talk </a:t>
-            </a:r>
-            <a:r>
-              <a:rPr lang="en-US" dirty="0"/>
-              <a:t>through logic and key points</a:t>
-            </a:r>
-          </a:p>
-        </p:txBody>
-      </p:sp>
-    </p:spTree>
-    <p:extLst>
-      <p:ext uri="{BB962C8B-B14F-4D97-AF65-F5344CB8AC3E}">
-        <p14:creationId xmlns:p14="http://schemas.microsoft.com/office/powerpoint/2010/main" val="860384324"/>
-      </p:ext>
-    </p:extLst>
-  </p:cSld>
-  <p:clrMapOvr>
-    <a:masterClrMapping/>
-  </p:clrMapOvr>
-</p:sld>
-</file>
-
-<file path=ppt/slides/slide3.xml><?xml version="1.0" encoding="utf-8"?>
-<p:sld xmlns:a="http://schemas.openxmlformats.org/drawingml/2006/main" xmlns:r="http://schemas.openxmlformats.org/officeDocument/2006/relationships" xmlns:p="http://schemas.openxmlformats.org/presentationml/2006/main">
-  <p:cSld>
-    <p:spTree>
-      <p:nvGrpSpPr>
-        <p:cNvPr id="1" name=""/>
-        <p:cNvGrpSpPr/>
-        <p:nvPr/>
-      </p:nvGrpSpPr>
-      <p:grpSpPr>
-        <a:xfrm>
-          <a:off x="0" y="0"/>
-          <a:ext cx="0" cy="0"/>
-          <a:chOff x="0" y="0"/>
-          <a:chExt cx="0" cy="0"/>
-        </a:xfrm>
-      </p:grpSpPr>
-      <p:sp>
-        <p:nvSpPr>
-          <p:cNvPr id="2" name="Title 1"/>
-          <p:cNvSpPr>
-            <a:spLocks noGrp="1"/>
-          </p:cNvSpPr>
-          <p:nvPr>
-            <p:ph type="title"/>
-          </p:nvPr>
-        </p:nvSpPr>
-        <p:spPr/>
-        <p:txBody>
-          <a:bodyPr/>
-          <a:lstStyle/>
-          <a:p>
-            <a:r>
-              <a:rPr lang="en-US" dirty="0" smtClean="0"/>
-              <a:t>User Story 3-1</a:t>
+              <a:rPr lang="en-US" dirty="0" err="1" smtClean="0"/>
+              <a:t>requestAssigned</a:t>
+            </a:r>
+            <a:r>
+              <a:rPr lang="en-US" dirty="0" smtClean="0"/>
+              <a:t> listener</a:t>
+            </a:r>
+          </a:p>
+          <a:p>
+            <a:pPr lvl="1"/>
+            <a:r>
+              <a:rPr lang="en-US" dirty="0" err="1" smtClean="0"/>
+              <a:t>decidedRequests</a:t>
+            </a:r>
+            <a:r>
+              <a:rPr lang="en-US" dirty="0" smtClean="0"/>
+              <a:t> sender</a:t>
+            </a:r>
+          </a:p>
+          <a:p>
+            <a:endParaRPr lang="en-US" dirty="0" smtClean="0"/>
+          </a:p>
+          <a:p>
+            <a:r>
+              <a:rPr lang="en-US" dirty="0" smtClean="0"/>
+              <a:t>Consumer Groups</a:t>
+            </a:r>
+          </a:p>
+          <a:p>
+            <a:pPr lvl="1"/>
+            <a:r>
+              <a:rPr lang="en-US" dirty="0" err="1"/>
+              <a:t>requestAssigned</a:t>
             </a:r>
             <a:endParaRPr lang="en-US" dirty="0"/>
-          </a:p>
-        </p:txBody>
-      </p:sp>
-      <p:sp>
-        <p:nvSpPr>
-          <p:cNvPr id="3" name="Content Placeholder 2"/>
-          <p:cNvSpPr>
-            <a:spLocks noGrp="1"/>
-          </p:cNvSpPr>
-          <p:nvPr>
-            <p:ph idx="1"/>
-          </p:nvPr>
-        </p:nvSpPr>
-        <p:spPr/>
-        <p:txBody>
-          <a:bodyPr>
-            <a:normAutofit/>
-          </a:bodyPr>
-          <a:lstStyle/>
-          <a:p>
-            <a:pPr marL="0" indent="0">
-              <a:buNone/>
-            </a:pPr>
-            <a:r>
-              <a:rPr lang="en-US" dirty="0" smtClean="0"/>
-              <a:t> </a:t>
-            </a:r>
-            <a:endParaRPr lang="en-US" dirty="0" smtClean="0"/>
           </a:p>
         </p:txBody>
       </p:sp>
       <p:pic>
         <p:nvPicPr>
-          <p:cNvPr id="5" name="Picture 4"/>
+          <p:cNvPr id="4" name="Picture 3"/>
           <p:cNvPicPr>
             <a:picLocks noChangeAspect="1"/>
           </p:cNvPicPr>
@@ -3235,7 +3206,7 @@
         </p:blipFill>
         <p:spPr>
           <a:xfrm>
-            <a:off x="9135291" y="292047"/>
+            <a:off x="9135291" y="274630"/>
             <a:ext cx="2455817" cy="1381224"/>
           </a:xfrm>
           <a:prstGeom prst="rect">
@@ -3246,7 +3217,7 @@
     </p:spTree>
     <p:extLst>
       <p:ext uri="{BB962C8B-B14F-4D97-AF65-F5344CB8AC3E}">
-        <p14:creationId xmlns:p14="http://schemas.microsoft.com/office/powerpoint/2010/main" val="1617190605"/>
+        <p14:creationId xmlns:p14="http://schemas.microsoft.com/office/powerpoint/2010/main" val="2855987682"/>
       </p:ext>
     </p:extLst>
   </p:cSld>
@@ -3256,7 +3227,7 @@
 </p:sld>
 </file>
 
-<file path=ppt/slides/slide4.xml><?xml version="1.0" encoding="utf-8"?>
+<file path=ppt/slides/slide11.xml><?xml version="1.0" encoding="utf-8"?>
 <p:sld xmlns:a="http://schemas.openxmlformats.org/drawingml/2006/main" xmlns:r="http://schemas.openxmlformats.org/officeDocument/2006/relationships" xmlns:p="http://schemas.openxmlformats.org/presentationml/2006/main">
   <p:cSld>
     <p:spTree>
@@ -3290,7 +3261,7 @@
           <a:p>
             <a:r>
               <a:rPr lang="en-US" dirty="0" smtClean="0"/>
-              <a:t>User Story 3-1: Design</a:t>
+              <a:t>Task 3-3: Deploy Hub Offset Storage</a:t>
             </a:r>
             <a:endParaRPr lang="en-US" dirty="0"/>
           </a:p>
@@ -3313,20 +3284,41 @@
           </a:bodyPr>
           <a:lstStyle/>
           <a:p>
-            <a:pPr marL="0" indent="0">
+            <a:r>
+              <a:rPr lang="en-US" dirty="0" smtClean="0"/>
+              <a:t>ARM template: </a:t>
+            </a:r>
+            <a:r>
+              <a:rPr lang="en-US" dirty="0" err="1" smtClean="0"/>
+              <a:t>ArmScripts</a:t>
+            </a:r>
+            <a:r>
+              <a:rPr lang="en-US" dirty="0" smtClean="0"/>
+              <a:t>\Sprint3_StorageItems.json</a:t>
+            </a:r>
+          </a:p>
+          <a:p>
+            <a:pPr lvl="1"/>
+            <a:r>
+              <a:rPr lang="en-US" dirty="0" smtClean="0"/>
+              <a:t>Set “Storage Account Name” to your unique name</a:t>
+            </a:r>
+          </a:p>
+          <a:p>
+            <a:pPr marL="457200" lvl="1" indent="0">
               <a:buNone/>
             </a:pPr>
-            <a:r>
-              <a:rPr lang="en-US" dirty="0" smtClean="0"/>
-              <a:t> </a:t>
-            </a:r>
+            <a:endParaRPr lang="en-US" dirty="0"/>
+          </a:p>
+          <a:p>
+            <a:pPr lvl="1"/>
             <a:endParaRPr lang="en-US" dirty="0" smtClean="0"/>
           </a:p>
         </p:txBody>
       </p:sp>
       <p:pic>
         <p:nvPicPr>
-          <p:cNvPr id="5" name="Picture 4"/>
+          <p:cNvPr id="4" name="Picture 3"/>
           <p:cNvPicPr>
             <a:picLocks noChangeAspect="1"/>
           </p:cNvPicPr>
@@ -3346,7 +3338,7 @@
         </p:blipFill>
         <p:spPr>
           <a:xfrm>
-            <a:off x="9135291" y="292047"/>
+            <a:off x="9135291" y="274630"/>
             <a:ext cx="2455817" cy="1381224"/>
           </a:xfrm>
           <a:prstGeom prst="rect">
@@ -3354,34 +3346,381 @@
           </a:prstGeom>
         </p:spPr>
       </p:pic>
-      <p:pic>
-        <p:nvPicPr>
-          <p:cNvPr id="6" name="Picture 5"/>
-          <p:cNvPicPr>
-            <a:picLocks noChangeAspect="1"/>
-          </p:cNvPicPr>
-          <p:nvPr/>
-        </p:nvPicPr>
-        <p:blipFill>
-          <a:blip r:embed="rId3"/>
-          <a:stretch>
-            <a:fillRect/>
-          </a:stretch>
-        </p:blipFill>
-        <p:spPr>
-          <a:xfrm>
-            <a:off x="3838575" y="2253456"/>
-            <a:ext cx="4514850" cy="3495675"/>
-          </a:xfrm>
-          <a:prstGeom prst="rect">
-            <a:avLst/>
-          </a:prstGeom>
-        </p:spPr>
-      </p:pic>
+      <p:graphicFrame>
+        <p:nvGraphicFramePr>
+          <p:cNvPr id="5" name="Table 4"/>
+          <p:cNvGraphicFramePr>
+            <a:graphicFrameLocks noGrp="1"/>
+          </p:cNvGraphicFramePr>
+          <p:nvPr>
+            <p:extLst>
+              <p:ext uri="{D42A27DB-BD31-4B8C-83A1-F6EECF244321}">
+                <p14:modId xmlns:p14="http://schemas.microsoft.com/office/powerpoint/2010/main" val="2054173490"/>
+              </p:ext>
+            </p:extLst>
+          </p:nvPr>
+        </p:nvGraphicFramePr>
+        <p:xfrm>
+          <a:off x="2032000" y="3475796"/>
+          <a:ext cx="8127999" cy="1849120"/>
+        </p:xfrm>
+        <a:graphic>
+          <a:graphicData uri="http://schemas.openxmlformats.org/drawingml/2006/table">
+            <a:tbl>
+              <a:tblPr firstRow="1" bandRow="1">
+                <a:tableStyleId>{5C22544A-7EE6-4342-B048-85BDC9FD1C3A}</a:tableStyleId>
+              </a:tblPr>
+              <a:tblGrid>
+                <a:gridCol w="1675476">
+                  <a:extLst>
+                    <a:ext uri="{9D8B030D-6E8A-4147-A177-3AD203B41FA5}">
+                      <a16:colId xmlns:a16="http://schemas.microsoft.com/office/drawing/2014/main" val="76634278"/>
+                    </a:ext>
+                  </a:extLst>
+                </a:gridCol>
+                <a:gridCol w="2019993">
+                  <a:extLst>
+                    <a:ext uri="{9D8B030D-6E8A-4147-A177-3AD203B41FA5}">
+                      <a16:colId xmlns:a16="http://schemas.microsoft.com/office/drawing/2014/main" val="3634572273"/>
+                    </a:ext>
+                  </a:extLst>
+                </a:gridCol>
+                <a:gridCol w="4432530">
+                  <a:extLst>
+                    <a:ext uri="{9D8B030D-6E8A-4147-A177-3AD203B41FA5}">
+                      <a16:colId xmlns:a16="http://schemas.microsoft.com/office/drawing/2014/main" val="2093564943"/>
+                    </a:ext>
+                  </a:extLst>
+                </a:gridCol>
+              </a:tblGrid>
+              <a:tr h="0">
+                <a:tc>
+                  <a:txBody>
+                    <a:bodyPr/>
+                    <a:lstStyle/>
+                    <a:p>
+                      <a:pPr algn="ctr"/>
+                      <a:r>
+                        <a:rPr lang="en-US" dirty="0" smtClean="0"/>
+                        <a:t>Component</a:t>
+                      </a:r>
+                      <a:endParaRPr lang="en-US" dirty="0"/>
+                    </a:p>
+                  </a:txBody>
+                  <a:tcPr/>
+                </a:tc>
+                <a:tc>
+                  <a:txBody>
+                    <a:bodyPr/>
+                    <a:lstStyle/>
+                    <a:p>
+                      <a:pPr algn="ctr"/>
+                      <a:r>
+                        <a:rPr lang="en-US" dirty="0" smtClean="0"/>
+                        <a:t>Hub</a:t>
+                      </a:r>
+                      <a:endParaRPr lang="en-US" dirty="0"/>
+                    </a:p>
+                  </a:txBody>
+                  <a:tcPr/>
+                </a:tc>
+                <a:tc>
+                  <a:txBody>
+                    <a:bodyPr/>
+                    <a:lstStyle/>
+                    <a:p>
+                      <a:pPr algn="ctr"/>
+                      <a:r>
+                        <a:rPr lang="en-US" dirty="0" smtClean="0"/>
+                        <a:t>Blob</a:t>
+                      </a:r>
+                      <a:r>
+                        <a:rPr lang="en-US" baseline="0" dirty="0" smtClean="0"/>
+                        <a:t> Container</a:t>
+                      </a:r>
+                      <a:endParaRPr lang="en-US" dirty="0"/>
+                    </a:p>
+                  </a:txBody>
+                  <a:tcPr/>
+                </a:tc>
+                <a:extLst>
+                  <a:ext uri="{0D108BD9-81ED-4DB2-BD59-A6C34878D82A}">
+                    <a16:rowId xmlns:a16="http://schemas.microsoft.com/office/drawing/2014/main" val="3345596082"/>
+                  </a:ext>
+                </a:extLst>
+              </a:tr>
+              <a:tr h="370840">
+                <a:tc>
+                  <a:txBody>
+                    <a:bodyPr/>
+                    <a:lstStyle/>
+                    <a:p>
+                      <a:r>
+                        <a:rPr lang="en-US" dirty="0" smtClean="0"/>
+                        <a:t>Routing Service</a:t>
+                      </a:r>
+                      <a:endParaRPr lang="en-US" dirty="0"/>
+                    </a:p>
+                  </a:txBody>
+                  <a:tcPr/>
+                </a:tc>
+                <a:tc>
+                  <a:txBody>
+                    <a:bodyPr/>
+                    <a:lstStyle/>
+                    <a:p>
+                      <a:r>
+                        <a:rPr lang="en-US" dirty="0" err="1" smtClean="0"/>
+                        <a:t>notAutoApproved</a:t>
+                      </a:r>
+                      <a:endParaRPr lang="en-US" dirty="0"/>
+                    </a:p>
+                  </a:txBody>
+                  <a:tcPr/>
+                </a:tc>
+                <a:tc>
+                  <a:txBody>
+                    <a:bodyPr/>
+                    <a:lstStyle/>
+                    <a:p>
+                      <a:pPr marL="0" marR="0" lvl="0" indent="0" algn="l" defTabSz="914400" rtl="0" eaLnBrk="1" fontAlgn="auto" latinLnBrk="0" hangingPunct="1">
+                        <a:lnSpc>
+                          <a:spcPct val="100000"/>
+                        </a:lnSpc>
+                        <a:spcBef>
+                          <a:spcPts val="0"/>
+                        </a:spcBef>
+                        <a:spcAft>
+                          <a:spcPts val="0"/>
+                        </a:spcAft>
+                        <a:buClrTx/>
+                        <a:buSzTx/>
+                        <a:buFontTx/>
+                        <a:buNone/>
+                        <a:tabLst/>
+                        <a:defRPr/>
+                      </a:pPr>
+                      <a:r>
+                        <a:rPr lang="en-US" i="1" dirty="0" err="1" smtClean="0"/>
+                        <a:t>routingNotAutoApprovedConsumer</a:t>
+                      </a:r>
+                      <a:endParaRPr lang="en-US" i="1" dirty="0" smtClean="0"/>
+                    </a:p>
+                  </a:txBody>
+                  <a:tcPr/>
+                </a:tc>
+                <a:extLst>
+                  <a:ext uri="{0D108BD9-81ED-4DB2-BD59-A6C34878D82A}">
+                    <a16:rowId xmlns:a16="http://schemas.microsoft.com/office/drawing/2014/main" val="2452536506"/>
+                  </a:ext>
+                </a:extLst>
+              </a:tr>
+              <a:tr h="370840">
+                <a:tc>
+                  <a:txBody>
+                    <a:bodyPr/>
+                    <a:lstStyle/>
+                    <a:p>
+                      <a:r>
+                        <a:rPr lang="en-US" dirty="0" smtClean="0"/>
+                        <a:t>Routing Service</a:t>
+                      </a:r>
+                      <a:endParaRPr lang="en-US" dirty="0"/>
+                    </a:p>
+                  </a:txBody>
+                  <a:tcPr/>
+                </a:tc>
+                <a:tc>
+                  <a:txBody>
+                    <a:bodyPr/>
+                    <a:lstStyle/>
+                    <a:p>
+                      <a:r>
+                        <a:rPr lang="en-US" dirty="0" err="1" smtClean="0"/>
+                        <a:t>requestDecided</a:t>
+                      </a:r>
+                      <a:endParaRPr lang="en-US" dirty="0"/>
+                    </a:p>
+                  </a:txBody>
+                  <a:tcPr/>
+                </a:tc>
+                <a:tc>
+                  <a:txBody>
+                    <a:bodyPr/>
+                    <a:lstStyle/>
+                    <a:p>
+                      <a:pPr marL="0" marR="0" lvl="0" indent="0" algn="l" defTabSz="914400" rtl="0" eaLnBrk="1" fontAlgn="auto" latinLnBrk="0" hangingPunct="1">
+                        <a:lnSpc>
+                          <a:spcPct val="100000"/>
+                        </a:lnSpc>
+                        <a:spcBef>
+                          <a:spcPts val="0"/>
+                        </a:spcBef>
+                        <a:spcAft>
+                          <a:spcPts val="0"/>
+                        </a:spcAft>
+                        <a:buClrTx/>
+                        <a:buSzTx/>
+                        <a:buFontTx/>
+                        <a:buNone/>
+                        <a:tabLst/>
+                        <a:defRPr/>
+                      </a:pPr>
+                      <a:r>
+                        <a:rPr lang="en-US" i="1" dirty="0" err="1" smtClean="0"/>
+                        <a:t>routingRequestDecidedConsumer</a:t>
+                      </a:r>
+                      <a:endParaRPr lang="en-US" i="1" dirty="0" smtClean="0"/>
+                    </a:p>
+                  </a:txBody>
+                  <a:tcPr/>
+                </a:tc>
+                <a:extLst>
+                  <a:ext uri="{0D108BD9-81ED-4DB2-BD59-A6C34878D82A}">
+                    <a16:rowId xmlns:a16="http://schemas.microsoft.com/office/drawing/2014/main" val="2429902908"/>
+                  </a:ext>
+                </a:extLst>
+              </a:tr>
+              <a:tr h="370840">
+                <a:tc>
+                  <a:txBody>
+                    <a:bodyPr/>
+                    <a:lstStyle/>
+                    <a:p>
+                      <a:r>
+                        <a:rPr lang="en-US" dirty="0" smtClean="0"/>
+                        <a:t>Routing Service</a:t>
+                      </a:r>
+                      <a:endParaRPr lang="en-US" dirty="0"/>
+                    </a:p>
+                  </a:txBody>
+                  <a:tcPr/>
+                </a:tc>
+                <a:tc>
+                  <a:txBody>
+                    <a:bodyPr/>
+                    <a:lstStyle/>
+                    <a:p>
+                      <a:r>
+                        <a:rPr lang="en-US" dirty="0" err="1" smtClean="0"/>
+                        <a:t>getRequest</a:t>
+                      </a:r>
+                      <a:endParaRPr lang="en-US" dirty="0"/>
+                    </a:p>
+                  </a:txBody>
+                  <a:tcPr/>
+                </a:tc>
+                <a:tc>
+                  <a:txBody>
+                    <a:bodyPr/>
+                    <a:lstStyle/>
+                    <a:p>
+                      <a:pPr marL="0" marR="0" lvl="0" indent="0" algn="l" defTabSz="914400" rtl="0" eaLnBrk="1" fontAlgn="auto" latinLnBrk="0" hangingPunct="1">
+                        <a:lnSpc>
+                          <a:spcPct val="100000"/>
+                        </a:lnSpc>
+                        <a:spcBef>
+                          <a:spcPts val="0"/>
+                        </a:spcBef>
+                        <a:spcAft>
+                          <a:spcPts val="0"/>
+                        </a:spcAft>
+                        <a:buClrTx/>
+                        <a:buSzTx/>
+                        <a:buFontTx/>
+                        <a:buNone/>
+                        <a:tabLst/>
+                        <a:defRPr/>
+                      </a:pPr>
+                      <a:r>
+                        <a:rPr lang="en-US" i="1" dirty="0" err="1" smtClean="0"/>
+                        <a:t>routingGetRequestConsumer</a:t>
+                      </a:r>
+                      <a:endParaRPr lang="en-US" i="1" dirty="0" smtClean="0"/>
+                    </a:p>
+                  </a:txBody>
+                  <a:tcPr/>
+                </a:tc>
+                <a:extLst>
+                  <a:ext uri="{0D108BD9-81ED-4DB2-BD59-A6C34878D82A}">
+                    <a16:rowId xmlns:a16="http://schemas.microsoft.com/office/drawing/2014/main" val="1041458577"/>
+                  </a:ext>
+                </a:extLst>
+              </a:tr>
+              <a:tr h="370840">
+                <a:tc>
+                  <a:txBody>
+                    <a:bodyPr/>
+                    <a:lstStyle/>
+                    <a:p>
+                      <a:r>
+                        <a:rPr lang="en-US" dirty="0" smtClean="0"/>
+                        <a:t>UI</a:t>
+                      </a:r>
+                      <a:endParaRPr lang="en-US" dirty="0"/>
+                    </a:p>
+                  </a:txBody>
+                  <a:tcPr/>
+                </a:tc>
+                <a:tc>
+                  <a:txBody>
+                    <a:bodyPr/>
+                    <a:lstStyle/>
+                    <a:p>
+                      <a:r>
+                        <a:rPr lang="en-US" dirty="0" err="1" smtClean="0"/>
+                        <a:t>requestAssigned</a:t>
+                      </a:r>
+                      <a:endParaRPr lang="en-US" dirty="0"/>
+                    </a:p>
+                  </a:txBody>
+                  <a:tcPr/>
+                </a:tc>
+                <a:tc>
+                  <a:txBody>
+                    <a:bodyPr/>
+                    <a:lstStyle/>
+                    <a:p>
+                      <a:pPr marL="0" marR="0" lvl="0" indent="0" algn="l" defTabSz="914400" rtl="0" eaLnBrk="1" fontAlgn="auto" latinLnBrk="0" hangingPunct="1">
+                        <a:lnSpc>
+                          <a:spcPct val="100000"/>
+                        </a:lnSpc>
+                        <a:spcBef>
+                          <a:spcPts val="0"/>
+                        </a:spcBef>
+                        <a:spcAft>
+                          <a:spcPts val="0"/>
+                        </a:spcAft>
+                        <a:buClrTx/>
+                        <a:buSzTx/>
+                        <a:buFontTx/>
+                        <a:buNone/>
+                        <a:tabLst/>
+                        <a:defRPr/>
+                      </a:pPr>
+                      <a:r>
+                        <a:rPr lang="en-US" i="1" dirty="0" err="1" smtClean="0"/>
+                        <a:t>uiRequestAssignedConsumer</a:t>
+                      </a:r>
+                      <a:endParaRPr lang="en-US" i="1" dirty="0" smtClean="0"/>
+                    </a:p>
+                  </a:txBody>
+                  <a:tcPr/>
+                </a:tc>
+                <a:extLst>
+                  <a:ext uri="{0D108BD9-81ED-4DB2-BD59-A6C34878D82A}">
+                    <a16:rowId xmlns:a16="http://schemas.microsoft.com/office/drawing/2014/main" val="1423649718"/>
+                  </a:ext>
+                </a:extLst>
+              </a:tr>
+            </a:tbl>
+          </a:graphicData>
+        </a:graphic>
+      </p:graphicFrame>
     </p:spTree>
     <p:extLst>
       <p:ext uri="{BB962C8B-B14F-4D97-AF65-F5344CB8AC3E}">
-        <p14:creationId xmlns:p14="http://schemas.microsoft.com/office/powerpoint/2010/main" val="3197243627"/>
+        <p14:creationId xmlns:p14="http://schemas.microsoft.com/office/powerpoint/2010/main" val="949609438"/>
       </p:ext>
     </p:extLst>
   </p:cSld>
@@ -3391,7 +3730,7 @@
 </p:sld>
 </file>
 
-<file path=ppt/slides/slide5.xml><?xml version="1.0" encoding="utf-8"?>
+<file path=ppt/slides/slide12.xml><?xml version="1.0" encoding="utf-8"?>
 <p:sld xmlns:a="http://schemas.openxmlformats.org/drawingml/2006/main" xmlns:r="http://schemas.openxmlformats.org/officeDocument/2006/relationships" xmlns:p="http://schemas.openxmlformats.org/presentationml/2006/main">
   <p:cSld>
     <p:spTree>
@@ -3410,474 +3749,6 @@
       </p:grpSpPr>
       <p:sp>
         <p:nvSpPr>
-          <p:cNvPr id="4" name="Title 3"/>
-          <p:cNvSpPr>
-            <a:spLocks noGrp="1"/>
-          </p:cNvSpPr>
-          <p:nvPr>
-            <p:ph type="title"/>
-          </p:nvPr>
-        </p:nvSpPr>
-        <p:spPr/>
-        <p:txBody>
-          <a:bodyPr/>
-          <a:lstStyle/>
-          <a:p>
-            <a:r>
-              <a:rPr lang="en-US" dirty="0" smtClean="0"/>
-              <a:t>Request Routing Service</a:t>
-            </a:r>
-            <a:endParaRPr lang="en-US" dirty="0"/>
-          </a:p>
-        </p:txBody>
-      </p:sp>
-      <p:sp>
-        <p:nvSpPr>
-          <p:cNvPr id="5" name="Content Placeholder 4"/>
-          <p:cNvSpPr>
-            <a:spLocks noGrp="1"/>
-          </p:cNvSpPr>
-          <p:nvPr>
-            <p:ph idx="1"/>
-          </p:nvPr>
-        </p:nvSpPr>
-        <p:spPr/>
-        <p:txBody>
-          <a:bodyPr>
-            <a:normAutofit fontScale="70000" lnSpcReduction="20000"/>
-          </a:bodyPr>
-          <a:lstStyle/>
-          <a:p>
-            <a:r>
-              <a:rPr lang="en-US" dirty="0" smtClean="0"/>
-              <a:t>When users request work, this service routes a request to the user based on user’s role, request type, request priority, and request status</a:t>
-            </a:r>
-          </a:p>
-          <a:p>
-            <a:endParaRPr lang="en-US" dirty="0" smtClean="0"/>
-          </a:p>
-          <a:p>
-            <a:r>
-              <a:rPr lang="en-US" dirty="0" smtClean="0"/>
-              <a:t>Also maintains the state of each request as they are received and worked by users</a:t>
-            </a:r>
-          </a:p>
-          <a:p>
-            <a:pPr lvl="1"/>
-            <a:r>
-              <a:rPr lang="en-US" dirty="0" smtClean="0"/>
-              <a:t>Needs review</a:t>
-            </a:r>
-          </a:p>
-          <a:p>
-            <a:pPr lvl="1"/>
-            <a:r>
-              <a:rPr lang="en-US" dirty="0" smtClean="0"/>
-              <a:t>Assigned to user</a:t>
-            </a:r>
-          </a:p>
-          <a:p>
-            <a:pPr lvl="1"/>
-            <a:r>
-              <a:rPr lang="en-US" dirty="0" smtClean="0"/>
-              <a:t>Needs additional documentation???</a:t>
-            </a:r>
-          </a:p>
-          <a:p>
-            <a:pPr lvl="1"/>
-            <a:r>
-              <a:rPr lang="en-US" dirty="0" smtClean="0"/>
-              <a:t>Approved</a:t>
-            </a:r>
-          </a:p>
-          <a:p>
-            <a:pPr lvl="1"/>
-            <a:r>
-              <a:rPr lang="en-US" dirty="0" smtClean="0"/>
-              <a:t>Denied</a:t>
-            </a:r>
-          </a:p>
-          <a:p>
-            <a:pPr lvl="1"/>
-            <a:endParaRPr lang="en-US" dirty="0" smtClean="0"/>
-          </a:p>
-          <a:p>
-            <a:r>
-              <a:rPr lang="en-US" dirty="0" smtClean="0"/>
-              <a:t>Receives incoming requests for service from the </a:t>
-            </a:r>
-            <a:r>
-              <a:rPr lang="en-US" i="1" dirty="0" err="1" smtClean="0"/>
-              <a:t>RequestNotApproved</a:t>
-            </a:r>
-            <a:r>
-              <a:rPr lang="en-US" dirty="0" smtClean="0"/>
-              <a:t> topic</a:t>
-            </a:r>
-          </a:p>
-          <a:p>
-            <a:pPr lvl="1"/>
-            <a:r>
-              <a:rPr lang="en-US" dirty="0" smtClean="0"/>
-              <a:t>Auto approved request don’t need routing so this service doesn’t need to subscribe to those</a:t>
-            </a:r>
-          </a:p>
-          <a:p>
-            <a:pPr lvl="1"/>
-            <a:endParaRPr lang="en-US" dirty="0" smtClean="0"/>
-          </a:p>
-          <a:p>
-            <a:r>
-              <a:rPr lang="en-US" dirty="0" smtClean="0"/>
-              <a:t>Implemented as an </a:t>
-            </a:r>
-            <a:r>
-              <a:rPr lang="en-US" dirty="0" err="1" smtClean="0"/>
-              <a:t>Asp.Net</a:t>
-            </a:r>
-            <a:r>
-              <a:rPr lang="en-US" dirty="0" smtClean="0"/>
-              <a:t> Core Web API deployed as an Azure App Service</a:t>
-            </a:r>
-          </a:p>
-          <a:p>
-            <a:pPr lvl="1"/>
-            <a:r>
-              <a:rPr lang="en-US" dirty="0" smtClean="0"/>
-              <a:t>For this workshop, requests will only be stored in memory. Normally the requests would be saved to persistent storage, such as Cosmos DB or Azure SQL</a:t>
-            </a:r>
-          </a:p>
-          <a:p>
-            <a:pPr lvl="1"/>
-            <a:endParaRPr lang="en-US" dirty="0" smtClean="0"/>
-          </a:p>
-        </p:txBody>
-      </p:sp>
-      <p:sp>
-        <p:nvSpPr>
-          <p:cNvPr id="6" name="Rectangle 5"/>
-          <p:cNvSpPr/>
-          <p:nvPr/>
-        </p:nvSpPr>
-        <p:spPr>
-          <a:xfrm>
-            <a:off x="8611985" y="477981"/>
-            <a:ext cx="3108959" cy="2664229"/>
-          </a:xfrm>
-          <a:prstGeom prst="rect">
-            <a:avLst/>
-          </a:prstGeom>
-          <a:solidFill>
-            <a:srgbClr val="FFFF00"/>
-          </a:solidFill>
-        </p:spPr>
-        <p:style>
-          <a:lnRef idx="2">
-            <a:schemeClr val="accent1">
-              <a:shade val="50000"/>
-            </a:schemeClr>
-          </a:lnRef>
-          <a:fillRef idx="1">
-            <a:schemeClr val="accent1"/>
-          </a:fillRef>
-          <a:effectRef idx="0">
-            <a:schemeClr val="accent1"/>
-          </a:effectRef>
-          <a:fontRef idx="minor">
-            <a:schemeClr val="lt1"/>
-          </a:fontRef>
-        </p:style>
-        <p:txBody>
-          <a:bodyPr rtlCol="0" anchor="t" anchorCtr="0"/>
-          <a:lstStyle/>
-          <a:p>
-            <a:r>
-              <a:rPr lang="en-US" sz="1100" dirty="0" smtClean="0">
-                <a:solidFill>
-                  <a:schemeClr val="tx1"/>
-                </a:solidFill>
-              </a:rPr>
-              <a:t>Prep</a:t>
-            </a:r>
-          </a:p>
-          <a:p>
-            <a:pPr marL="285750" indent="-285750">
-              <a:buFontTx/>
-              <a:buChar char="-"/>
-            </a:pPr>
-            <a:r>
-              <a:rPr lang="en-US" sz="1100" dirty="0" smtClean="0">
-                <a:solidFill>
-                  <a:schemeClr val="tx1"/>
-                </a:solidFill>
-              </a:rPr>
-              <a:t>Request class from generator</a:t>
-            </a:r>
-          </a:p>
-          <a:p>
-            <a:pPr marL="285750" indent="-285750">
-              <a:buFontTx/>
-              <a:buChar char="-"/>
-            </a:pPr>
-            <a:r>
-              <a:rPr lang="en-US" sz="1100" dirty="0" smtClean="0">
-                <a:solidFill>
-                  <a:schemeClr val="tx1"/>
-                </a:solidFill>
-              </a:rPr>
-              <a:t>Router class</a:t>
-            </a:r>
-          </a:p>
-          <a:p>
-            <a:pPr marL="285750" indent="-285750">
-              <a:buFontTx/>
-              <a:buChar char="-"/>
-            </a:pPr>
-            <a:r>
-              <a:rPr lang="en-US" sz="1100" dirty="0" smtClean="0">
-                <a:solidFill>
-                  <a:schemeClr val="tx1"/>
-                </a:solidFill>
-              </a:rPr>
-              <a:t>Get stats by specialty and state???</a:t>
-            </a:r>
-          </a:p>
-          <a:p>
-            <a:pPr marL="285750" indent="-285750">
-              <a:buFontTx/>
-              <a:buChar char="-"/>
-            </a:pPr>
-            <a:endParaRPr lang="en-US" sz="1100" dirty="0">
-              <a:solidFill>
-                <a:schemeClr val="tx1"/>
-              </a:solidFill>
-            </a:endParaRPr>
-          </a:p>
-          <a:p>
-            <a:r>
-              <a:rPr lang="en-US" sz="1100" dirty="0" smtClean="0">
-                <a:solidFill>
-                  <a:schemeClr val="tx1"/>
-                </a:solidFill>
-              </a:rPr>
-              <a:t>In class</a:t>
-            </a:r>
-          </a:p>
-          <a:p>
-            <a:pPr marL="171450" indent="-171450">
-              <a:buFontTx/>
-              <a:buChar char="-"/>
-            </a:pPr>
-            <a:r>
-              <a:rPr lang="en-US" sz="1100" dirty="0" smtClean="0">
-                <a:solidFill>
-                  <a:schemeClr val="tx1"/>
-                </a:solidFill>
-              </a:rPr>
-              <a:t>1. Create Web API in VS</a:t>
-            </a:r>
-          </a:p>
-          <a:p>
-            <a:pPr marL="171450" indent="-171450">
-              <a:buFontTx/>
-              <a:buChar char="-"/>
-            </a:pPr>
-            <a:r>
-              <a:rPr lang="en-US" sz="1100" dirty="0" smtClean="0">
-                <a:solidFill>
-                  <a:schemeClr val="tx1"/>
-                </a:solidFill>
-              </a:rPr>
-              <a:t>1. Subscribe to </a:t>
-            </a:r>
-            <a:r>
-              <a:rPr lang="en-US" sz="1100" dirty="0" err="1" smtClean="0">
-                <a:solidFill>
-                  <a:schemeClr val="tx1"/>
-                </a:solidFill>
-              </a:rPr>
-              <a:t>NotApproved</a:t>
-            </a:r>
-            <a:r>
-              <a:rPr lang="en-US" sz="1100" dirty="0" smtClean="0">
-                <a:solidFill>
-                  <a:schemeClr val="tx1"/>
-                </a:solidFill>
-              </a:rPr>
-              <a:t> topic/</a:t>
-            </a:r>
-            <a:r>
-              <a:rPr lang="en-US" sz="1100" dirty="0" err="1" smtClean="0">
-                <a:solidFill>
-                  <a:schemeClr val="tx1"/>
-                </a:solidFill>
-              </a:rPr>
-              <a:t>c#</a:t>
-            </a:r>
-            <a:endParaRPr lang="en-US" sz="1100" dirty="0" smtClean="0">
-              <a:solidFill>
-                <a:schemeClr val="tx1"/>
-              </a:solidFill>
-            </a:endParaRPr>
-          </a:p>
-          <a:p>
-            <a:pPr marL="171450" indent="-171450">
-              <a:buFontTx/>
-              <a:buChar char="-"/>
-            </a:pPr>
-            <a:r>
-              <a:rPr lang="en-US" sz="1100" dirty="0" smtClean="0">
-                <a:solidFill>
-                  <a:schemeClr val="tx1"/>
-                </a:solidFill>
-              </a:rPr>
-              <a:t>1. Store requests in memory</a:t>
-            </a:r>
-          </a:p>
-          <a:p>
-            <a:pPr marL="171450" indent="-171450">
-              <a:buFontTx/>
-              <a:buChar char="-"/>
-            </a:pPr>
-            <a:r>
-              <a:rPr lang="en-US" sz="1100" dirty="0" smtClean="0">
-                <a:solidFill>
-                  <a:schemeClr val="tx1"/>
-                </a:solidFill>
-              </a:rPr>
-              <a:t>1. Deploy to Azure app service</a:t>
-            </a:r>
-          </a:p>
-          <a:p>
-            <a:pPr marL="171450" indent="-171450">
-              <a:buFontTx/>
-              <a:buChar char="-"/>
-            </a:pPr>
-            <a:r>
-              <a:rPr lang="en-US" sz="1100" dirty="0" smtClean="0">
-                <a:solidFill>
-                  <a:schemeClr val="tx1"/>
-                </a:solidFill>
-              </a:rPr>
-              <a:t>2. Subscribe to request command queue</a:t>
-            </a:r>
-          </a:p>
-          <a:p>
-            <a:pPr marL="171450" indent="-171450">
-              <a:buFontTx/>
-              <a:buChar char="-"/>
-            </a:pPr>
-            <a:r>
-              <a:rPr lang="en-US" sz="1100" dirty="0" smtClean="0">
-                <a:solidFill>
-                  <a:schemeClr val="tx1"/>
-                </a:solidFill>
-              </a:rPr>
-              <a:t>2. Get request from router class</a:t>
-            </a:r>
-          </a:p>
-          <a:p>
-            <a:pPr marL="171450" indent="-171450">
-              <a:buFontTx/>
-              <a:buChar char="-"/>
-            </a:pPr>
-            <a:r>
-              <a:rPr lang="en-US" sz="1100" dirty="0" smtClean="0">
-                <a:solidFill>
-                  <a:schemeClr val="tx1"/>
-                </a:solidFill>
-              </a:rPr>
-              <a:t>2. Send request via </a:t>
-            </a:r>
-            <a:r>
-              <a:rPr lang="en-US" sz="1100" dirty="0" err="1" smtClean="0">
-                <a:solidFill>
-                  <a:schemeClr val="tx1"/>
-                </a:solidFill>
-              </a:rPr>
-              <a:t>SignalR</a:t>
-            </a:r>
-            <a:endParaRPr lang="en-US" sz="1100" dirty="0" smtClean="0">
-              <a:solidFill>
-                <a:schemeClr val="tx1"/>
-              </a:solidFill>
-            </a:endParaRPr>
-          </a:p>
-          <a:p>
-            <a:pPr marL="171450" indent="-171450">
-              <a:buFontTx/>
-              <a:buChar char="-"/>
-            </a:pPr>
-            <a:r>
-              <a:rPr lang="en-US" sz="1100" dirty="0" smtClean="0">
-                <a:solidFill>
-                  <a:schemeClr val="tx1"/>
-                </a:solidFill>
-              </a:rPr>
-              <a:t>2. Re-</a:t>
-            </a:r>
-            <a:r>
-              <a:rPr lang="en-US" sz="1100" dirty="0" err="1" smtClean="0">
-                <a:solidFill>
-                  <a:schemeClr val="tx1"/>
-                </a:solidFill>
-              </a:rPr>
-              <a:t>dDeploy</a:t>
-            </a:r>
-            <a:r>
-              <a:rPr lang="en-US" sz="1100" dirty="0" smtClean="0">
-                <a:solidFill>
-                  <a:schemeClr val="tx1"/>
-                </a:solidFill>
-              </a:rPr>
-              <a:t> to Azure app service</a:t>
-            </a:r>
-          </a:p>
-          <a:p>
-            <a:pPr marL="285750" indent="-285750">
-              <a:buFontTx/>
-              <a:buChar char="-"/>
-            </a:pPr>
-            <a:endParaRPr lang="en-US" dirty="0">
-              <a:solidFill>
-                <a:schemeClr val="tx1"/>
-              </a:solidFill>
-            </a:endParaRPr>
-          </a:p>
-        </p:txBody>
-      </p:sp>
-    </p:spTree>
-    <p:extLst>
-      <p:ext uri="{BB962C8B-B14F-4D97-AF65-F5344CB8AC3E}">
-        <p14:creationId xmlns:p14="http://schemas.microsoft.com/office/powerpoint/2010/main" val="589235019"/>
-      </p:ext>
-    </p:extLst>
-  </p:cSld>
-  <p:clrMapOvr>
-    <a:masterClrMapping/>
-  </p:clrMapOvr>
-</p:sld>
-</file>
-
-<file path=ppt/slides/slide6.xml><?xml version="1.0" encoding="utf-8"?>
-<p:sld xmlns:a="http://schemas.openxmlformats.org/drawingml/2006/main" xmlns:r="http://schemas.openxmlformats.org/officeDocument/2006/relationships" xmlns:p="http://schemas.openxmlformats.org/presentationml/2006/main">
-  <p:cSld>
-    <p:spTree>
-      <p:nvGrpSpPr>
-        <p:cNvPr id="1" name=""/>
-        <p:cNvGrpSpPr/>
-        <p:nvPr/>
-      </p:nvGrpSpPr>
-      <p:grpSpPr>
-        <a:xfrm>
-          <a:off x="0" y="0"/>
-          <a:ext cx="0" cy="0"/>
-          <a:chOff x="0" y="0"/>
-          <a:chExt cx="0" cy="0"/>
-        </a:xfrm>
-      </p:grpSpPr>
-      <p:sp>
-        <p:nvSpPr>
           <p:cNvPr id="2" name="Title 1"/>
           <p:cNvSpPr>
             <a:spLocks noGrp="1"/>
@@ -3897,7 +3768,11 @@
             </a:r>
             <a:r>
               <a:rPr lang="en-US" dirty="0" smtClean="0"/>
-              <a:t>ask 3-1:</a:t>
+              <a:t>ask </a:t>
+            </a:r>
+            <a:r>
+              <a:rPr lang="en-US" dirty="0" smtClean="0"/>
+              <a:t>3-4: Deploy Routing Service</a:t>
             </a:r>
             <a:endParaRPr lang="en-US" dirty="0"/>
           </a:p>
@@ -3915,12 +3790,39 @@
         </p:nvSpPr>
         <p:spPr/>
         <p:txBody>
-          <a:bodyPr/>
-          <a:lstStyle/>
-          <a:p>
-            <a:r>
-              <a:rPr lang="en-US" dirty="0" smtClean="0"/>
-              <a:t>TODO</a:t>
+          <a:bodyPr>
+            <a:normAutofit/>
+          </a:bodyPr>
+          <a:lstStyle/>
+          <a:p>
+            <a:r>
+              <a:rPr lang="en-US" dirty="0" smtClean="0"/>
+              <a:t>Update connection strings in the service</a:t>
+            </a:r>
+          </a:p>
+          <a:p>
+            <a:pPr lvl="1"/>
+            <a:endParaRPr lang="en-US" dirty="0"/>
+          </a:p>
+          <a:p>
+            <a:r>
+              <a:rPr lang="en-US" dirty="0" smtClean="0"/>
+              <a:t>Publish Routing Service</a:t>
+            </a:r>
+          </a:p>
+          <a:p>
+            <a:pPr lvl="1"/>
+            <a:r>
+              <a:rPr lang="en-US" dirty="0" smtClean="0"/>
+              <a:t>We’ll use a </a:t>
+            </a:r>
+            <a:r>
+              <a:rPr lang="en-US" i="1" dirty="0" smtClean="0"/>
+              <a:t>shared</a:t>
+            </a:r>
+            <a:r>
+              <a:rPr lang="en-US" dirty="0" smtClean="0"/>
+              <a:t> App Service Plan to save a few pennies since we’re not using additional features in this workshop</a:t>
             </a:r>
           </a:p>
         </p:txBody>
@@ -3968,6 +3870,2874 @@
 </p:sld>
 </file>
 
+<file path=ppt/slides/slide13.xml><?xml version="1.0" encoding="utf-8"?>
+<p:sld xmlns:a="http://schemas.openxmlformats.org/drawingml/2006/main" xmlns:r="http://schemas.openxmlformats.org/officeDocument/2006/relationships" xmlns:p="http://schemas.openxmlformats.org/presentationml/2006/main">
+  <p:cSld>
+    <p:spTree>
+      <p:nvGrpSpPr>
+        <p:cNvPr id="1" name=""/>
+        <p:cNvGrpSpPr/>
+        <p:nvPr/>
+      </p:nvGrpSpPr>
+      <p:grpSpPr>
+        <a:xfrm>
+          <a:off x="0" y="0"/>
+          <a:ext cx="0" cy="0"/>
+          <a:chOff x="0" y="0"/>
+          <a:chExt cx="0" cy="0"/>
+        </a:xfrm>
+      </p:grpSpPr>
+      <p:sp>
+        <p:nvSpPr>
+          <p:cNvPr id="2" name="Title 1"/>
+          <p:cNvSpPr>
+            <a:spLocks noGrp="1"/>
+          </p:cNvSpPr>
+          <p:nvPr>
+            <p:ph type="title"/>
+          </p:nvPr>
+        </p:nvSpPr>
+        <p:spPr/>
+        <p:txBody>
+          <a:bodyPr/>
+          <a:lstStyle/>
+          <a:p>
+            <a:r>
+              <a:rPr lang="en-US" dirty="0"/>
+              <a:t>T</a:t>
+            </a:r>
+            <a:r>
+              <a:rPr lang="en-US" dirty="0" smtClean="0"/>
+              <a:t>ask </a:t>
+            </a:r>
+            <a:r>
+              <a:rPr lang="en-US" dirty="0" smtClean="0"/>
+              <a:t>3-5: Create UI</a:t>
+            </a:r>
+            <a:endParaRPr lang="en-US" dirty="0"/>
+          </a:p>
+        </p:txBody>
+      </p:sp>
+      <p:sp>
+        <p:nvSpPr>
+          <p:cNvPr id="3" name="Content Placeholder 2"/>
+          <p:cNvSpPr>
+            <a:spLocks noGrp="1"/>
+          </p:cNvSpPr>
+          <p:nvPr>
+            <p:ph idx="1"/>
+          </p:nvPr>
+        </p:nvSpPr>
+        <p:spPr/>
+        <p:txBody>
+          <a:bodyPr>
+            <a:normAutofit/>
+          </a:bodyPr>
+          <a:lstStyle/>
+          <a:p>
+            <a:r>
+              <a:rPr lang="en-US" dirty="0" smtClean="0"/>
+              <a:t>Provided but need to deploy</a:t>
+            </a:r>
+          </a:p>
+          <a:p>
+            <a:endParaRPr lang="en-US" dirty="0"/>
+          </a:p>
+          <a:p>
+            <a:r>
+              <a:rPr lang="en-US" dirty="0" smtClean="0"/>
+              <a:t>Add SAS keys???and deploy???</a:t>
+            </a:r>
+            <a:endParaRPr lang="en-US" dirty="0" smtClean="0"/>
+          </a:p>
+          <a:p>
+            <a:pPr lvl="1"/>
+            <a:endParaRPr lang="en-US" dirty="0" smtClean="0"/>
+          </a:p>
+        </p:txBody>
+      </p:sp>
+      <p:pic>
+        <p:nvPicPr>
+          <p:cNvPr id="4" name="Picture 3"/>
+          <p:cNvPicPr>
+            <a:picLocks noChangeAspect="1"/>
+          </p:cNvPicPr>
+          <p:nvPr/>
+        </p:nvPicPr>
+        <p:blipFill>
+          <a:blip r:embed="rId2" cstate="print">
+            <a:extLst>
+              <a:ext uri="{28A0092B-C50C-407E-A947-70E740481C1C}">
+                <a14:useLocalDpi xmlns:a14="http://schemas.microsoft.com/office/drawing/2010/main" val="0"/>
+              </a:ext>
+            </a:extLst>
+          </a:blip>
+          <a:stretch>
+            <a:fillRect/>
+          </a:stretch>
+        </p:blipFill>
+        <p:spPr>
+          <a:xfrm>
+            <a:off x="9135291" y="292047"/>
+            <a:ext cx="2455817" cy="1381224"/>
+          </a:xfrm>
+          <a:prstGeom prst="rect">
+            <a:avLst/>
+          </a:prstGeom>
+        </p:spPr>
+      </p:pic>
+    </p:spTree>
+    <p:extLst>
+      <p:ext uri="{BB962C8B-B14F-4D97-AF65-F5344CB8AC3E}">
+        <p14:creationId xmlns:p14="http://schemas.microsoft.com/office/powerpoint/2010/main" val="2090984446"/>
+      </p:ext>
+    </p:extLst>
+  </p:cSld>
+  <p:clrMapOvr>
+    <a:masterClrMapping/>
+  </p:clrMapOvr>
+</p:sld>
+</file>
+
+<file path=ppt/slides/slide14.xml><?xml version="1.0" encoding="utf-8"?>
+<p:sld xmlns:a="http://schemas.openxmlformats.org/drawingml/2006/main" xmlns:r="http://schemas.openxmlformats.org/officeDocument/2006/relationships" xmlns:p="http://schemas.openxmlformats.org/presentationml/2006/main">
+  <p:cSld>
+    <p:spTree>
+      <p:nvGrpSpPr>
+        <p:cNvPr id="1" name=""/>
+        <p:cNvGrpSpPr/>
+        <p:nvPr/>
+      </p:nvGrpSpPr>
+      <p:grpSpPr>
+        <a:xfrm>
+          <a:off x="0" y="0"/>
+          <a:ext cx="0" cy="0"/>
+          <a:chOff x="0" y="0"/>
+          <a:chExt cx="0" cy="0"/>
+        </a:xfrm>
+      </p:grpSpPr>
+      <p:sp>
+        <p:nvSpPr>
+          <p:cNvPr id="2" name="Title 1"/>
+          <p:cNvSpPr>
+            <a:spLocks noGrp="1"/>
+          </p:cNvSpPr>
+          <p:nvPr>
+            <p:ph type="title"/>
+          </p:nvPr>
+        </p:nvSpPr>
+        <p:spPr/>
+        <p:txBody>
+          <a:bodyPr/>
+          <a:lstStyle/>
+          <a:p>
+            <a:r>
+              <a:rPr lang="en-US" dirty="0" smtClean="0"/>
+              <a:t>Sprint 3: Retrospective</a:t>
+            </a:r>
+            <a:endParaRPr lang="en-US" dirty="0"/>
+          </a:p>
+        </p:txBody>
+      </p:sp>
+      <p:sp>
+        <p:nvSpPr>
+          <p:cNvPr id="3" name="Content Placeholder 2"/>
+          <p:cNvSpPr>
+            <a:spLocks noGrp="1"/>
+          </p:cNvSpPr>
+          <p:nvPr>
+            <p:ph idx="1"/>
+          </p:nvPr>
+        </p:nvSpPr>
+        <p:spPr/>
+        <p:txBody>
+          <a:bodyPr/>
+          <a:lstStyle/>
+          <a:p>
+            <a:r>
+              <a:rPr lang="en-US" dirty="0" smtClean="0"/>
+              <a:t>When compared with Azure Functions, App Services are generally used for larger, heavier, and cohesive set of functionality, but comes with added cost and complexity</a:t>
+            </a:r>
+          </a:p>
+          <a:p>
+            <a:endParaRPr lang="en-US" dirty="0"/>
+          </a:p>
+          <a:p>
+            <a:r>
+              <a:rPr lang="en-US" dirty="0" smtClean="0"/>
+              <a:t>ARM templates can be used to create Azure resources</a:t>
+            </a:r>
+          </a:p>
+          <a:p>
+            <a:endParaRPr lang="en-US" dirty="0" smtClean="0"/>
+          </a:p>
+          <a:p>
+            <a:r>
+              <a:rPr lang="en-US" dirty="0" smtClean="0"/>
+              <a:t>Asynchronous messaging can be used for request/response</a:t>
+            </a:r>
+            <a:endParaRPr lang="en-US" dirty="0" smtClean="0"/>
+          </a:p>
+          <a:p>
+            <a:endParaRPr lang="en-US" dirty="0"/>
+          </a:p>
+          <a:p>
+            <a:r>
+              <a:rPr lang="en-US" dirty="0" smtClean="0"/>
+              <a:t>Event Hubs can be used with a variety of technologies</a:t>
+            </a:r>
+            <a:endParaRPr lang="en-US" dirty="0"/>
+          </a:p>
+        </p:txBody>
+      </p:sp>
+    </p:spTree>
+    <p:extLst>
+      <p:ext uri="{BB962C8B-B14F-4D97-AF65-F5344CB8AC3E}">
+        <p14:creationId xmlns:p14="http://schemas.microsoft.com/office/powerpoint/2010/main" val="1471526909"/>
+      </p:ext>
+    </p:extLst>
+  </p:cSld>
+  <p:clrMapOvr>
+    <a:masterClrMapping/>
+  </p:clrMapOvr>
+</p:sld>
+</file>
+
+<file path=ppt/slides/slide2.xml><?xml version="1.0" encoding="utf-8"?>
+<p:sld xmlns:a="http://schemas.openxmlformats.org/drawingml/2006/main" xmlns:r="http://schemas.openxmlformats.org/officeDocument/2006/relationships" xmlns:p="http://schemas.openxmlformats.org/presentationml/2006/main">
+  <p:cSld>
+    <p:spTree>
+      <p:nvGrpSpPr>
+        <p:cNvPr id="1" name=""/>
+        <p:cNvGrpSpPr/>
+        <p:nvPr/>
+      </p:nvGrpSpPr>
+      <p:grpSpPr>
+        <a:xfrm>
+          <a:off x="0" y="0"/>
+          <a:ext cx="0" cy="0"/>
+          <a:chOff x="0" y="0"/>
+          <a:chExt cx="0" cy="0"/>
+        </a:xfrm>
+      </p:grpSpPr>
+      <p:sp>
+        <p:nvSpPr>
+          <p:cNvPr id="4" name="Title 3"/>
+          <p:cNvSpPr>
+            <a:spLocks noGrp="1"/>
+          </p:cNvSpPr>
+          <p:nvPr>
+            <p:ph type="title"/>
+          </p:nvPr>
+        </p:nvSpPr>
+        <p:spPr/>
+        <p:txBody>
+          <a:bodyPr/>
+          <a:lstStyle/>
+          <a:p>
+            <a:r>
+              <a:rPr lang="en-US" dirty="0" smtClean="0"/>
+              <a:t>***</a:t>
+            </a:r>
+            <a:r>
+              <a:rPr lang="en-US" dirty="0" err="1" smtClean="0"/>
+              <a:t>ToDo</a:t>
+            </a:r>
+            <a:endParaRPr lang="en-US" dirty="0"/>
+          </a:p>
+        </p:txBody>
+      </p:sp>
+      <p:sp>
+        <p:nvSpPr>
+          <p:cNvPr id="5" name="Content Placeholder 4"/>
+          <p:cNvSpPr>
+            <a:spLocks noGrp="1"/>
+          </p:cNvSpPr>
+          <p:nvPr>
+            <p:ph idx="1"/>
+          </p:nvPr>
+        </p:nvSpPr>
+        <p:spPr/>
+        <p:txBody>
+          <a:bodyPr/>
+          <a:lstStyle/>
+          <a:p>
+            <a:r>
+              <a:rPr lang="en-US" smtClean="0"/>
+              <a:t>Arm templates</a:t>
+            </a:r>
+          </a:p>
+          <a:p>
+            <a:r>
+              <a:rPr lang="en-US" dirty="0" smtClean="0"/>
+              <a:t>Have Routing Service </a:t>
+            </a:r>
+            <a:r>
+              <a:rPr lang="en-US" dirty="0"/>
+              <a:t>completely pre-packaged</a:t>
+            </a:r>
+          </a:p>
+          <a:p>
+            <a:pPr lvl="1"/>
+            <a:r>
+              <a:rPr lang="en-US" dirty="0" smtClean="0"/>
+              <a:t>Help </a:t>
+            </a:r>
+            <a:r>
+              <a:rPr lang="en-US" dirty="0"/>
+              <a:t>students deploy</a:t>
+            </a:r>
+          </a:p>
+          <a:p>
+            <a:pPr lvl="1"/>
+            <a:r>
+              <a:rPr lang="en-US" dirty="0" smtClean="0"/>
+              <a:t>Talk </a:t>
+            </a:r>
+            <a:r>
+              <a:rPr lang="en-US" dirty="0"/>
+              <a:t>through logic and key points</a:t>
+            </a:r>
+          </a:p>
+        </p:txBody>
+      </p:sp>
+      <p:sp>
+        <p:nvSpPr>
+          <p:cNvPr id="6" name="Rectangle 5"/>
+          <p:cNvSpPr/>
+          <p:nvPr/>
+        </p:nvSpPr>
+        <p:spPr>
+          <a:xfrm>
+            <a:off x="7139249" y="3366655"/>
+            <a:ext cx="4214551" cy="2743200"/>
+          </a:xfrm>
+          <a:prstGeom prst="rect">
+            <a:avLst/>
+          </a:prstGeom>
+          <a:solidFill>
+            <a:srgbClr val="FFFF00"/>
+          </a:solidFill>
+        </p:spPr>
+        <p:style>
+          <a:lnRef idx="2">
+            <a:schemeClr val="accent1">
+              <a:shade val="50000"/>
+            </a:schemeClr>
+          </a:lnRef>
+          <a:fillRef idx="1">
+            <a:schemeClr val="accent1"/>
+          </a:fillRef>
+          <a:effectRef idx="0">
+            <a:schemeClr val="accent1"/>
+          </a:effectRef>
+          <a:fontRef idx="minor">
+            <a:schemeClr val="lt1"/>
+          </a:fontRef>
+        </p:style>
+        <p:txBody>
+          <a:bodyPr rtlCol="0" anchor="t" anchorCtr="0"/>
+          <a:lstStyle/>
+          <a:p>
+            <a:r>
+              <a:rPr lang="en-US" sz="1100" dirty="0" smtClean="0">
+                <a:solidFill>
+                  <a:schemeClr val="tx1"/>
+                </a:solidFill>
+              </a:rPr>
+              <a:t>Prep</a:t>
+            </a:r>
+          </a:p>
+          <a:p>
+            <a:pPr marL="285750" indent="-285750">
+              <a:buFontTx/>
+              <a:buChar char="-"/>
+            </a:pPr>
+            <a:r>
+              <a:rPr lang="en-US" sz="1100" dirty="0" smtClean="0">
+                <a:solidFill>
+                  <a:schemeClr val="tx1"/>
+                </a:solidFill>
+              </a:rPr>
+              <a:t>Request class from generator</a:t>
+            </a:r>
+          </a:p>
+          <a:p>
+            <a:pPr marL="285750" indent="-285750">
+              <a:buFontTx/>
+              <a:buChar char="-"/>
+            </a:pPr>
+            <a:r>
+              <a:rPr lang="en-US" sz="1100" dirty="0" smtClean="0">
+                <a:solidFill>
+                  <a:schemeClr val="tx1"/>
+                </a:solidFill>
+              </a:rPr>
+              <a:t>Router class</a:t>
+            </a:r>
+          </a:p>
+          <a:p>
+            <a:pPr marL="285750" indent="-285750">
+              <a:buFontTx/>
+              <a:buChar char="-"/>
+            </a:pPr>
+            <a:r>
+              <a:rPr lang="en-US" sz="1100" dirty="0" smtClean="0">
+                <a:solidFill>
+                  <a:schemeClr val="tx1"/>
+                </a:solidFill>
+              </a:rPr>
+              <a:t>Get stats by specialty and state???</a:t>
+            </a:r>
+          </a:p>
+          <a:p>
+            <a:pPr marL="285750" indent="-285750">
+              <a:buFontTx/>
+              <a:buChar char="-"/>
+            </a:pPr>
+            <a:endParaRPr lang="en-US" sz="1100" dirty="0">
+              <a:solidFill>
+                <a:schemeClr val="tx1"/>
+              </a:solidFill>
+            </a:endParaRPr>
+          </a:p>
+          <a:p>
+            <a:r>
+              <a:rPr lang="en-US" sz="1100" dirty="0" smtClean="0">
+                <a:solidFill>
+                  <a:schemeClr val="tx1"/>
+                </a:solidFill>
+              </a:rPr>
+              <a:t>In class</a:t>
+            </a:r>
+          </a:p>
+          <a:p>
+            <a:pPr marL="171450" indent="-171450">
+              <a:buFontTx/>
+              <a:buChar char="-"/>
+            </a:pPr>
+            <a:r>
+              <a:rPr lang="en-US" sz="1100" dirty="0" smtClean="0">
+                <a:solidFill>
+                  <a:schemeClr val="tx1"/>
+                </a:solidFill>
+              </a:rPr>
+              <a:t>1. Create Web API in VS</a:t>
+            </a:r>
+          </a:p>
+          <a:p>
+            <a:pPr marL="171450" indent="-171450">
+              <a:buFontTx/>
+              <a:buChar char="-"/>
+            </a:pPr>
+            <a:r>
+              <a:rPr lang="en-US" sz="1100" dirty="0" smtClean="0">
+                <a:solidFill>
+                  <a:schemeClr val="tx1"/>
+                </a:solidFill>
+              </a:rPr>
+              <a:t>1. Subscribe to </a:t>
+            </a:r>
+            <a:r>
+              <a:rPr lang="en-US" sz="1100" dirty="0" err="1" smtClean="0">
+                <a:solidFill>
+                  <a:schemeClr val="tx1"/>
+                </a:solidFill>
+              </a:rPr>
+              <a:t>NotApproved</a:t>
+            </a:r>
+            <a:r>
+              <a:rPr lang="en-US" sz="1100" dirty="0" smtClean="0">
+                <a:solidFill>
+                  <a:schemeClr val="tx1"/>
+                </a:solidFill>
+              </a:rPr>
+              <a:t> topic/</a:t>
+            </a:r>
+            <a:r>
+              <a:rPr lang="en-US" sz="1100" dirty="0" err="1" smtClean="0">
+                <a:solidFill>
+                  <a:schemeClr val="tx1"/>
+                </a:solidFill>
+              </a:rPr>
+              <a:t>c#</a:t>
+            </a:r>
+            <a:endParaRPr lang="en-US" sz="1100" dirty="0" smtClean="0">
+              <a:solidFill>
+                <a:schemeClr val="tx1"/>
+              </a:solidFill>
+            </a:endParaRPr>
+          </a:p>
+          <a:p>
+            <a:pPr marL="171450" indent="-171450">
+              <a:buFontTx/>
+              <a:buChar char="-"/>
+            </a:pPr>
+            <a:r>
+              <a:rPr lang="en-US" sz="1100" dirty="0" smtClean="0">
+                <a:solidFill>
+                  <a:schemeClr val="tx1"/>
+                </a:solidFill>
+              </a:rPr>
+              <a:t>1. Store requests in memory</a:t>
+            </a:r>
+          </a:p>
+          <a:p>
+            <a:pPr marL="171450" indent="-171450">
+              <a:buFontTx/>
+              <a:buChar char="-"/>
+            </a:pPr>
+            <a:r>
+              <a:rPr lang="en-US" sz="1100" dirty="0" smtClean="0">
+                <a:solidFill>
+                  <a:schemeClr val="tx1"/>
+                </a:solidFill>
+              </a:rPr>
+              <a:t>1. Deploy to Azure app service</a:t>
+            </a:r>
+          </a:p>
+          <a:p>
+            <a:pPr marL="171450" indent="-171450">
+              <a:buFontTx/>
+              <a:buChar char="-"/>
+            </a:pPr>
+            <a:r>
+              <a:rPr lang="en-US" sz="1100" dirty="0" smtClean="0">
+                <a:solidFill>
+                  <a:schemeClr val="tx1"/>
+                </a:solidFill>
+              </a:rPr>
+              <a:t>2. Subscribe to request command queue</a:t>
+            </a:r>
+          </a:p>
+          <a:p>
+            <a:pPr marL="171450" indent="-171450">
+              <a:buFontTx/>
+              <a:buChar char="-"/>
+            </a:pPr>
+            <a:r>
+              <a:rPr lang="en-US" sz="1100" dirty="0" smtClean="0">
+                <a:solidFill>
+                  <a:schemeClr val="tx1"/>
+                </a:solidFill>
+              </a:rPr>
+              <a:t>2. Get request from router class</a:t>
+            </a:r>
+          </a:p>
+          <a:p>
+            <a:pPr marL="171450" indent="-171450">
+              <a:buFontTx/>
+              <a:buChar char="-"/>
+            </a:pPr>
+            <a:r>
+              <a:rPr lang="en-US" sz="1100" dirty="0" smtClean="0">
+                <a:solidFill>
+                  <a:schemeClr val="tx1"/>
+                </a:solidFill>
+              </a:rPr>
+              <a:t>2. Send request via </a:t>
+            </a:r>
+            <a:r>
+              <a:rPr lang="en-US" sz="1100" dirty="0" err="1" smtClean="0">
+                <a:solidFill>
+                  <a:schemeClr val="tx1"/>
+                </a:solidFill>
+              </a:rPr>
+              <a:t>SignalR</a:t>
+            </a:r>
+            <a:endParaRPr lang="en-US" sz="1100" dirty="0" smtClean="0">
+              <a:solidFill>
+                <a:schemeClr val="tx1"/>
+              </a:solidFill>
+            </a:endParaRPr>
+          </a:p>
+          <a:p>
+            <a:pPr marL="171450" indent="-171450">
+              <a:buFontTx/>
+              <a:buChar char="-"/>
+            </a:pPr>
+            <a:r>
+              <a:rPr lang="en-US" sz="1100" dirty="0" smtClean="0">
+                <a:solidFill>
+                  <a:schemeClr val="tx1"/>
+                </a:solidFill>
+              </a:rPr>
+              <a:t>2. Re-</a:t>
+            </a:r>
+            <a:r>
+              <a:rPr lang="en-US" sz="1100" dirty="0" err="1" smtClean="0">
+                <a:solidFill>
+                  <a:schemeClr val="tx1"/>
+                </a:solidFill>
+              </a:rPr>
+              <a:t>dDeploy</a:t>
+            </a:r>
+            <a:r>
+              <a:rPr lang="en-US" sz="1100" dirty="0" smtClean="0">
+                <a:solidFill>
+                  <a:schemeClr val="tx1"/>
+                </a:solidFill>
+              </a:rPr>
+              <a:t> to Azure app service</a:t>
+            </a:r>
+          </a:p>
+          <a:p>
+            <a:pPr marL="285750" indent="-285750">
+              <a:buFontTx/>
+              <a:buChar char="-"/>
+            </a:pPr>
+            <a:endParaRPr lang="en-US" dirty="0">
+              <a:solidFill>
+                <a:schemeClr val="tx1"/>
+              </a:solidFill>
+            </a:endParaRPr>
+          </a:p>
+        </p:txBody>
+      </p:sp>
+    </p:spTree>
+    <p:extLst>
+      <p:ext uri="{BB962C8B-B14F-4D97-AF65-F5344CB8AC3E}">
+        <p14:creationId xmlns:p14="http://schemas.microsoft.com/office/powerpoint/2010/main" val="860384324"/>
+      </p:ext>
+    </p:extLst>
+  </p:cSld>
+  <p:clrMapOvr>
+    <a:masterClrMapping/>
+  </p:clrMapOvr>
+</p:sld>
+</file>
+
+<file path=ppt/slides/slide3.xml><?xml version="1.0" encoding="utf-8"?>
+<p:sld xmlns:a="http://schemas.openxmlformats.org/drawingml/2006/main" xmlns:r="http://schemas.openxmlformats.org/officeDocument/2006/relationships" xmlns:p="http://schemas.openxmlformats.org/presentationml/2006/main">
+  <p:cSld>
+    <p:spTree>
+      <p:nvGrpSpPr>
+        <p:cNvPr id="1" name=""/>
+        <p:cNvGrpSpPr/>
+        <p:nvPr/>
+      </p:nvGrpSpPr>
+      <p:grpSpPr>
+        <a:xfrm>
+          <a:off x="0" y="0"/>
+          <a:ext cx="0" cy="0"/>
+          <a:chOff x="0" y="0"/>
+          <a:chExt cx="0" cy="0"/>
+        </a:xfrm>
+      </p:grpSpPr>
+      <p:sp>
+        <p:nvSpPr>
+          <p:cNvPr id="2" name="Title 1"/>
+          <p:cNvSpPr>
+            <a:spLocks noGrp="1"/>
+          </p:cNvSpPr>
+          <p:nvPr>
+            <p:ph type="title"/>
+          </p:nvPr>
+        </p:nvSpPr>
+        <p:spPr/>
+        <p:txBody>
+          <a:bodyPr/>
+          <a:lstStyle/>
+          <a:p>
+            <a:r>
+              <a:rPr lang="en-US" dirty="0" smtClean="0"/>
+              <a:t>User Story 3-1</a:t>
+            </a:r>
+            <a:endParaRPr lang="en-US" dirty="0"/>
+          </a:p>
+        </p:txBody>
+      </p:sp>
+      <p:sp>
+        <p:nvSpPr>
+          <p:cNvPr id="3" name="Content Placeholder 2"/>
+          <p:cNvSpPr>
+            <a:spLocks noGrp="1"/>
+          </p:cNvSpPr>
+          <p:nvPr>
+            <p:ph idx="1"/>
+          </p:nvPr>
+        </p:nvSpPr>
+        <p:spPr/>
+        <p:txBody>
+          <a:bodyPr>
+            <a:normAutofit/>
+          </a:bodyPr>
+          <a:lstStyle/>
+          <a:p>
+            <a:pPr marL="0" indent="0">
+              <a:buNone/>
+            </a:pPr>
+            <a:r>
+              <a:rPr lang="en-US" dirty="0" smtClean="0"/>
+              <a:t> </a:t>
+            </a:r>
+          </a:p>
+        </p:txBody>
+      </p:sp>
+      <p:pic>
+        <p:nvPicPr>
+          <p:cNvPr id="5" name="Picture 4"/>
+          <p:cNvPicPr>
+            <a:picLocks noChangeAspect="1"/>
+          </p:cNvPicPr>
+          <p:nvPr/>
+        </p:nvPicPr>
+        <p:blipFill>
+          <a:blip r:embed="rId2" cstate="print">
+            <a:extLst>
+              <a:ext uri="{28A0092B-C50C-407E-A947-70E740481C1C}">
+                <a14:useLocalDpi xmlns:a14="http://schemas.microsoft.com/office/drawing/2010/main" val="0"/>
+              </a:ext>
+            </a:extLst>
+          </a:blip>
+          <a:stretch>
+            <a:fillRect/>
+          </a:stretch>
+        </p:blipFill>
+        <p:spPr>
+          <a:xfrm>
+            <a:off x="9135291" y="292047"/>
+            <a:ext cx="2455817" cy="1381224"/>
+          </a:xfrm>
+          <a:prstGeom prst="rect">
+            <a:avLst/>
+          </a:prstGeom>
+        </p:spPr>
+      </p:pic>
+      <p:sp>
+        <p:nvSpPr>
+          <p:cNvPr id="6" name="Content Placeholder 2"/>
+          <p:cNvSpPr txBox="1">
+            <a:spLocks/>
+          </p:cNvSpPr>
+          <p:nvPr/>
+        </p:nvSpPr>
+        <p:spPr>
+          <a:xfrm>
+            <a:off x="990600" y="1978025"/>
+            <a:ext cx="10515600" cy="4351338"/>
+          </a:xfrm>
+          <a:prstGeom prst="rect">
+            <a:avLst/>
+          </a:prstGeom>
+        </p:spPr>
+        <p:txBody>
+          <a:bodyPr vert="horz" lIns="91440" tIns="45720" rIns="91440" bIns="45720" rtlCol="0">
+            <a:normAutofit fontScale="92500" lnSpcReduction="10000"/>
+          </a:bodyPr>
+          <a:lstStyle>
+            <a:lvl1pPr marL="228600" indent="-228600" algn="l" defTabSz="914400" rtl="0" eaLnBrk="1" latinLnBrk="0" hangingPunct="1">
+              <a:lnSpc>
+                <a:spcPct val="90000"/>
+              </a:lnSpc>
+              <a:spcBef>
+                <a:spcPts val="1000"/>
+              </a:spcBef>
+              <a:buFont typeface="Arial" panose="020B0604020202020204" pitchFamily="34" charset="0"/>
+              <a:buChar char="•"/>
+              <a:defRPr sz="2800" kern="1200">
+                <a:solidFill>
+                  <a:schemeClr val="tx1"/>
+                </a:solidFill>
+                <a:latin typeface="+mn-lt"/>
+                <a:ea typeface="+mn-ea"/>
+                <a:cs typeface="+mn-cs"/>
+              </a:defRPr>
+            </a:lvl1pPr>
+            <a:lvl2pPr marL="685800" indent="-228600" algn="l" defTabSz="914400" rtl="0" eaLnBrk="1" latinLnBrk="0" hangingPunct="1">
+              <a:lnSpc>
+                <a:spcPct val="90000"/>
+              </a:lnSpc>
+              <a:spcBef>
+                <a:spcPts val="500"/>
+              </a:spcBef>
+              <a:buFont typeface="Arial" panose="020B0604020202020204" pitchFamily="34" charset="0"/>
+              <a:buChar char="•"/>
+              <a:defRPr sz="2400" kern="1200">
+                <a:solidFill>
+                  <a:schemeClr val="tx1"/>
+                </a:solidFill>
+                <a:latin typeface="+mn-lt"/>
+                <a:ea typeface="+mn-ea"/>
+                <a:cs typeface="+mn-cs"/>
+              </a:defRPr>
+            </a:lvl2pPr>
+            <a:lvl3pPr marL="1143000" indent="-228600" algn="l" defTabSz="914400" rtl="0" eaLnBrk="1" latinLnBrk="0" hangingPunct="1">
+              <a:lnSpc>
+                <a:spcPct val="90000"/>
+              </a:lnSpc>
+              <a:spcBef>
+                <a:spcPts val="500"/>
+              </a:spcBef>
+              <a:buFont typeface="Arial" panose="020B0604020202020204" pitchFamily="34" charset="0"/>
+              <a:buChar char="•"/>
+              <a:defRPr sz="2000" kern="1200">
+                <a:solidFill>
+                  <a:schemeClr val="tx1"/>
+                </a:solidFill>
+                <a:latin typeface="+mn-lt"/>
+                <a:ea typeface="+mn-ea"/>
+                <a:cs typeface="+mn-cs"/>
+              </a:defRPr>
+            </a:lvl3pPr>
+            <a:lvl4pPr marL="1600200" indent="-228600" algn="l" defTabSz="914400" rtl="0" eaLnBrk="1" latinLnBrk="0" hangingPunct="1">
+              <a:lnSpc>
+                <a:spcPct val="90000"/>
+              </a:lnSpc>
+              <a:spcBef>
+                <a:spcPts val="500"/>
+              </a:spcBef>
+              <a:buFont typeface="Arial" panose="020B0604020202020204" pitchFamily="34" charset="0"/>
+              <a:buChar char="•"/>
+              <a:defRPr sz="1800" kern="1200">
+                <a:solidFill>
+                  <a:schemeClr val="tx1"/>
+                </a:solidFill>
+                <a:latin typeface="+mn-lt"/>
+                <a:ea typeface="+mn-ea"/>
+                <a:cs typeface="+mn-cs"/>
+              </a:defRPr>
+            </a:lvl4pPr>
+            <a:lvl5pPr marL="2057400" indent="-228600" algn="l" defTabSz="914400" rtl="0" eaLnBrk="1" latinLnBrk="0" hangingPunct="1">
+              <a:lnSpc>
+                <a:spcPct val="90000"/>
+              </a:lnSpc>
+              <a:spcBef>
+                <a:spcPts val="500"/>
+              </a:spcBef>
+              <a:buFont typeface="Arial" panose="020B0604020202020204" pitchFamily="34" charset="0"/>
+              <a:buChar char="•"/>
+              <a:defRPr sz="1800" kern="1200">
+                <a:solidFill>
+                  <a:schemeClr val="tx1"/>
+                </a:solidFill>
+                <a:latin typeface="+mn-lt"/>
+                <a:ea typeface="+mn-ea"/>
+                <a:cs typeface="+mn-cs"/>
+              </a:defRPr>
+            </a:lvl5pPr>
+            <a:lvl6pPr marL="2514600" indent="-228600" algn="l" defTabSz="914400" rtl="0" eaLnBrk="1" latinLnBrk="0" hangingPunct="1">
+              <a:lnSpc>
+                <a:spcPct val="90000"/>
+              </a:lnSpc>
+              <a:spcBef>
+                <a:spcPts val="500"/>
+              </a:spcBef>
+              <a:buFont typeface="Arial" panose="020B0604020202020204" pitchFamily="34" charset="0"/>
+              <a:buChar char="•"/>
+              <a:defRPr sz="1800" kern="1200">
+                <a:solidFill>
+                  <a:schemeClr val="tx1"/>
+                </a:solidFill>
+                <a:latin typeface="+mn-lt"/>
+                <a:ea typeface="+mn-ea"/>
+                <a:cs typeface="+mn-cs"/>
+              </a:defRPr>
+            </a:lvl6pPr>
+            <a:lvl7pPr marL="2971800" indent="-228600" algn="l" defTabSz="914400" rtl="0" eaLnBrk="1" latinLnBrk="0" hangingPunct="1">
+              <a:lnSpc>
+                <a:spcPct val="90000"/>
+              </a:lnSpc>
+              <a:spcBef>
+                <a:spcPts val="500"/>
+              </a:spcBef>
+              <a:buFont typeface="Arial" panose="020B0604020202020204" pitchFamily="34" charset="0"/>
+              <a:buChar char="•"/>
+              <a:defRPr sz="1800" kern="1200">
+                <a:solidFill>
+                  <a:schemeClr val="tx1"/>
+                </a:solidFill>
+                <a:latin typeface="+mn-lt"/>
+                <a:ea typeface="+mn-ea"/>
+                <a:cs typeface="+mn-cs"/>
+              </a:defRPr>
+            </a:lvl7pPr>
+            <a:lvl8pPr marL="3429000" indent="-228600" algn="l" defTabSz="914400" rtl="0" eaLnBrk="1" latinLnBrk="0" hangingPunct="1">
+              <a:lnSpc>
+                <a:spcPct val="90000"/>
+              </a:lnSpc>
+              <a:spcBef>
+                <a:spcPts val="500"/>
+              </a:spcBef>
+              <a:buFont typeface="Arial" panose="020B0604020202020204" pitchFamily="34" charset="0"/>
+              <a:buChar char="•"/>
+              <a:defRPr sz="1800" kern="1200">
+                <a:solidFill>
+                  <a:schemeClr val="tx1"/>
+                </a:solidFill>
+                <a:latin typeface="+mn-lt"/>
+                <a:ea typeface="+mn-ea"/>
+                <a:cs typeface="+mn-cs"/>
+              </a:defRPr>
+            </a:lvl8pPr>
+            <a:lvl9pPr marL="3886200" indent="-228600" algn="l" defTabSz="914400" rtl="0" eaLnBrk="1" latinLnBrk="0" hangingPunct="1">
+              <a:lnSpc>
+                <a:spcPct val="90000"/>
+              </a:lnSpc>
+              <a:spcBef>
+                <a:spcPts val="500"/>
+              </a:spcBef>
+              <a:buFont typeface="Arial" panose="020B0604020202020204" pitchFamily="34" charset="0"/>
+              <a:buChar char="•"/>
+              <a:defRPr sz="1800" kern="1200">
+                <a:solidFill>
+                  <a:schemeClr val="tx1"/>
+                </a:solidFill>
+                <a:latin typeface="+mn-lt"/>
+                <a:ea typeface="+mn-ea"/>
+                <a:cs typeface="+mn-cs"/>
+              </a:defRPr>
+            </a:lvl9pPr>
+          </a:lstStyle>
+          <a:p>
+            <a:pPr marL="0" indent="0">
+              <a:buFont typeface="Arial" panose="020B0604020202020204" pitchFamily="34" charset="0"/>
+              <a:buNone/>
+            </a:pPr>
+            <a:r>
+              <a:rPr lang="en-US" dirty="0" smtClean="0"/>
+              <a:t>As a TAH physician, I need to be able to view undecided requests for service so that I can decide if they should be approved or disapproved.</a:t>
+            </a:r>
+          </a:p>
+          <a:p>
+            <a:pPr marL="0" indent="0">
+              <a:buFont typeface="Arial" panose="020B0604020202020204" pitchFamily="34" charset="0"/>
+              <a:buNone/>
+            </a:pPr>
+            <a:endParaRPr lang="en-US" dirty="0" smtClean="0"/>
+          </a:p>
+          <a:p>
+            <a:pPr marL="0" indent="0">
+              <a:buFont typeface="Arial" panose="020B0604020202020204" pitchFamily="34" charset="0"/>
+              <a:buNone/>
+            </a:pPr>
+            <a:r>
+              <a:rPr lang="en-US" dirty="0" smtClean="0"/>
+              <a:t>Acceptance Criteria</a:t>
+            </a:r>
+          </a:p>
+          <a:p>
+            <a:pPr marL="457200" indent="-457200">
+              <a:buFont typeface="+mj-lt"/>
+              <a:buAutoNum type="arabicPeriod"/>
+            </a:pPr>
+            <a:r>
+              <a:rPr lang="en-US" dirty="0" smtClean="0"/>
+              <a:t>Retrieve and view an undecided request without need to install an application</a:t>
+            </a:r>
+          </a:p>
+          <a:p>
+            <a:pPr marL="457200" indent="-457200">
+              <a:buFont typeface="+mj-lt"/>
+              <a:buAutoNum type="arabicPeriod"/>
+            </a:pPr>
+            <a:r>
+              <a:rPr lang="en-US" dirty="0" smtClean="0"/>
+              <a:t>Should not be able to retrieve a request that has previously been decided</a:t>
+            </a:r>
+          </a:p>
+          <a:p>
+            <a:pPr marL="457200" indent="-457200">
+              <a:buFont typeface="+mj-lt"/>
+              <a:buAutoNum type="arabicPeriod"/>
+            </a:pPr>
+            <a:r>
+              <a:rPr lang="en-US" dirty="0" smtClean="0"/>
+              <a:t>Should not be able to retrieve a request that has been assigned to another physician</a:t>
+            </a:r>
+          </a:p>
+          <a:p>
+            <a:pPr marL="457200" indent="-457200">
+              <a:buFont typeface="+mj-lt"/>
+              <a:buAutoNum type="arabicPeriod"/>
+            </a:pPr>
+            <a:r>
+              <a:rPr lang="en-US" dirty="0" smtClean="0"/>
+              <a:t>Ability to approve or disapprove retrieved requests</a:t>
+            </a:r>
+          </a:p>
+        </p:txBody>
+      </p:sp>
+    </p:spTree>
+    <p:extLst>
+      <p:ext uri="{BB962C8B-B14F-4D97-AF65-F5344CB8AC3E}">
+        <p14:creationId xmlns:p14="http://schemas.microsoft.com/office/powerpoint/2010/main" val="1617190605"/>
+      </p:ext>
+    </p:extLst>
+  </p:cSld>
+  <p:clrMapOvr>
+    <a:masterClrMapping/>
+  </p:clrMapOvr>
+</p:sld>
+</file>
+
+<file path=ppt/slides/slide4.xml><?xml version="1.0" encoding="utf-8"?>
+<p:sld xmlns:a="http://schemas.openxmlformats.org/drawingml/2006/main" xmlns:r="http://schemas.openxmlformats.org/officeDocument/2006/relationships" xmlns:p="http://schemas.openxmlformats.org/presentationml/2006/main">
+  <p:cSld>
+    <p:spTree>
+      <p:nvGrpSpPr>
+        <p:cNvPr id="1" name=""/>
+        <p:cNvGrpSpPr/>
+        <p:nvPr/>
+      </p:nvGrpSpPr>
+      <p:grpSpPr>
+        <a:xfrm>
+          <a:off x="0" y="0"/>
+          <a:ext cx="0" cy="0"/>
+          <a:chOff x="0" y="0"/>
+          <a:chExt cx="0" cy="0"/>
+        </a:xfrm>
+      </p:grpSpPr>
+      <p:sp>
+        <p:nvSpPr>
+          <p:cNvPr id="2" name="Title 1"/>
+          <p:cNvSpPr>
+            <a:spLocks noGrp="1"/>
+          </p:cNvSpPr>
+          <p:nvPr>
+            <p:ph type="title"/>
+          </p:nvPr>
+        </p:nvSpPr>
+        <p:spPr/>
+        <p:txBody>
+          <a:bodyPr/>
+          <a:lstStyle/>
+          <a:p>
+            <a:r>
+              <a:rPr lang="en-US" dirty="0" smtClean="0"/>
+              <a:t>User Story 3-1: Design</a:t>
+            </a:r>
+            <a:endParaRPr lang="en-US" dirty="0"/>
+          </a:p>
+        </p:txBody>
+      </p:sp>
+      <p:sp>
+        <p:nvSpPr>
+          <p:cNvPr id="3" name="Content Placeholder 2"/>
+          <p:cNvSpPr>
+            <a:spLocks noGrp="1"/>
+          </p:cNvSpPr>
+          <p:nvPr>
+            <p:ph idx="1"/>
+          </p:nvPr>
+        </p:nvSpPr>
+        <p:spPr/>
+        <p:txBody>
+          <a:bodyPr>
+            <a:normAutofit/>
+          </a:bodyPr>
+          <a:lstStyle/>
+          <a:p>
+            <a:pPr marL="0" indent="0">
+              <a:buNone/>
+            </a:pPr>
+            <a:r>
+              <a:rPr lang="en-US" dirty="0" smtClean="0"/>
+              <a:t> </a:t>
+            </a:r>
+          </a:p>
+        </p:txBody>
+      </p:sp>
+      <p:pic>
+        <p:nvPicPr>
+          <p:cNvPr id="5" name="Picture 4"/>
+          <p:cNvPicPr>
+            <a:picLocks noChangeAspect="1"/>
+          </p:cNvPicPr>
+          <p:nvPr/>
+        </p:nvPicPr>
+        <p:blipFill>
+          <a:blip r:embed="rId2" cstate="print">
+            <a:extLst>
+              <a:ext uri="{28A0092B-C50C-407E-A947-70E740481C1C}">
+                <a14:useLocalDpi xmlns:a14="http://schemas.microsoft.com/office/drawing/2010/main" val="0"/>
+              </a:ext>
+            </a:extLst>
+          </a:blip>
+          <a:stretch>
+            <a:fillRect/>
+          </a:stretch>
+        </p:blipFill>
+        <p:spPr>
+          <a:xfrm>
+            <a:off x="9135291" y="274630"/>
+            <a:ext cx="2455817" cy="1381224"/>
+          </a:xfrm>
+          <a:prstGeom prst="rect">
+            <a:avLst/>
+          </a:prstGeom>
+        </p:spPr>
+      </p:pic>
+      <p:sp>
+        <p:nvSpPr>
+          <p:cNvPr id="25" name="Can 24"/>
+          <p:cNvSpPr/>
+          <p:nvPr/>
+        </p:nvSpPr>
+        <p:spPr>
+          <a:xfrm rot="5400000">
+            <a:off x="2962940" y="2381595"/>
+            <a:ext cx="741145" cy="3913522"/>
+          </a:xfrm>
+          <a:prstGeom prst="can">
+            <a:avLst/>
+          </a:prstGeom>
+        </p:spPr>
+        <p:style>
+          <a:lnRef idx="2">
+            <a:schemeClr val="accent1">
+              <a:shade val="50000"/>
+            </a:schemeClr>
+          </a:lnRef>
+          <a:fillRef idx="1">
+            <a:schemeClr val="accent1"/>
+          </a:fillRef>
+          <a:effectRef idx="0">
+            <a:schemeClr val="accent1"/>
+          </a:effectRef>
+          <a:fontRef idx="minor">
+            <a:schemeClr val="lt1"/>
+          </a:fontRef>
+        </p:style>
+        <p:txBody>
+          <a:bodyPr vert="vert270" rtlCol="0" anchor="ctr"/>
+          <a:lstStyle/>
+          <a:p>
+            <a:pPr algn="ctr"/>
+            <a:r>
+              <a:rPr lang="en-US" dirty="0" smtClean="0"/>
+              <a:t>Message Bus</a:t>
+            </a:r>
+            <a:endParaRPr lang="en-US" dirty="0"/>
+          </a:p>
+        </p:txBody>
+      </p:sp>
+      <p:sp>
+        <p:nvSpPr>
+          <p:cNvPr id="26" name="Rectangle 25"/>
+          <p:cNvSpPr/>
+          <p:nvPr/>
+        </p:nvSpPr>
+        <p:spPr>
+          <a:xfrm>
+            <a:off x="2664935" y="2044103"/>
+            <a:ext cx="1212783" cy="933650"/>
+          </a:xfrm>
+          <a:prstGeom prst="rect">
+            <a:avLst/>
+          </a:prstGeom>
+        </p:spPr>
+        <p:style>
+          <a:lnRef idx="2">
+            <a:schemeClr val="accent1">
+              <a:shade val="50000"/>
+            </a:schemeClr>
+          </a:lnRef>
+          <a:fillRef idx="1">
+            <a:schemeClr val="accent1"/>
+          </a:fillRef>
+          <a:effectRef idx="0">
+            <a:schemeClr val="accent1"/>
+          </a:effectRef>
+          <a:fontRef idx="minor">
+            <a:schemeClr val="lt1"/>
+          </a:fontRef>
+        </p:style>
+        <p:txBody>
+          <a:bodyPr rtlCol="0" anchor="ctr"/>
+          <a:lstStyle/>
+          <a:p>
+            <a:pPr algn="ctr"/>
+            <a:r>
+              <a:rPr lang="en-US" dirty="0" smtClean="0"/>
+              <a:t>Routing Service</a:t>
+            </a:r>
+            <a:endParaRPr lang="en-US" dirty="0"/>
+          </a:p>
+        </p:txBody>
+      </p:sp>
+      <p:sp>
+        <p:nvSpPr>
+          <p:cNvPr id="27" name="Rectangle 26"/>
+          <p:cNvSpPr/>
+          <p:nvPr/>
+        </p:nvSpPr>
+        <p:spPr>
+          <a:xfrm>
+            <a:off x="2664503" y="5243313"/>
+            <a:ext cx="1212783" cy="933650"/>
+          </a:xfrm>
+          <a:prstGeom prst="rect">
+            <a:avLst/>
+          </a:prstGeom>
+        </p:spPr>
+        <p:style>
+          <a:lnRef idx="2">
+            <a:schemeClr val="accent1">
+              <a:shade val="50000"/>
+            </a:schemeClr>
+          </a:lnRef>
+          <a:fillRef idx="1">
+            <a:schemeClr val="accent1"/>
+          </a:fillRef>
+          <a:effectRef idx="0">
+            <a:schemeClr val="accent1"/>
+          </a:effectRef>
+          <a:fontRef idx="minor">
+            <a:schemeClr val="lt1"/>
+          </a:fontRef>
+        </p:style>
+        <p:txBody>
+          <a:bodyPr rtlCol="0" anchor="ctr"/>
+          <a:lstStyle/>
+          <a:p>
+            <a:pPr algn="ctr"/>
+            <a:r>
+              <a:rPr lang="en-US" dirty="0" smtClean="0"/>
+              <a:t>User Interface</a:t>
+            </a:r>
+            <a:endParaRPr lang="en-US" dirty="0"/>
+          </a:p>
+        </p:txBody>
+      </p:sp>
+      <p:sp>
+        <p:nvSpPr>
+          <p:cNvPr id="34" name="TextBox 33"/>
+          <p:cNvSpPr txBox="1"/>
+          <p:nvPr/>
+        </p:nvSpPr>
+        <p:spPr>
+          <a:xfrm>
+            <a:off x="1917136" y="2018945"/>
+            <a:ext cx="757877" cy="507831"/>
+          </a:xfrm>
+          <a:prstGeom prst="rect">
+            <a:avLst/>
+          </a:prstGeom>
+          <a:noFill/>
+        </p:spPr>
+        <p:txBody>
+          <a:bodyPr wrap="square" rtlCol="0">
+            <a:spAutoFit/>
+          </a:bodyPr>
+          <a:lstStyle/>
+          <a:p>
+            <a:pPr algn="ctr"/>
+            <a:r>
+              <a:rPr lang="en-US" sz="900" dirty="0" smtClean="0"/>
+              <a:t>Request Not Auto Approved</a:t>
+            </a:r>
+            <a:endParaRPr lang="en-US" sz="900" dirty="0"/>
+          </a:p>
+        </p:txBody>
+      </p:sp>
+      <p:sp>
+        <p:nvSpPr>
+          <p:cNvPr id="35" name="TextBox 34"/>
+          <p:cNvSpPr txBox="1"/>
+          <p:nvPr/>
+        </p:nvSpPr>
+        <p:spPr>
+          <a:xfrm>
+            <a:off x="3622788" y="5122719"/>
+            <a:ext cx="1118606" cy="369332"/>
+          </a:xfrm>
+          <a:prstGeom prst="rect">
+            <a:avLst/>
+          </a:prstGeom>
+          <a:noFill/>
+        </p:spPr>
+        <p:txBody>
+          <a:bodyPr wrap="square" rtlCol="0">
+            <a:spAutoFit/>
+          </a:bodyPr>
+          <a:lstStyle/>
+          <a:p>
+            <a:pPr algn="ctr"/>
+            <a:r>
+              <a:rPr lang="en-US" sz="900" dirty="0" smtClean="0"/>
+              <a:t>Get</a:t>
+            </a:r>
+          </a:p>
+          <a:p>
+            <a:pPr algn="ctr"/>
+            <a:r>
+              <a:rPr lang="en-US" sz="900" dirty="0" smtClean="0"/>
+              <a:t>Request</a:t>
+            </a:r>
+            <a:endParaRPr lang="en-US" sz="900" dirty="0"/>
+          </a:p>
+        </p:txBody>
+      </p:sp>
+      <p:sp>
+        <p:nvSpPr>
+          <p:cNvPr id="36" name="TextBox 35"/>
+          <p:cNvSpPr txBox="1"/>
+          <p:nvPr/>
+        </p:nvSpPr>
+        <p:spPr>
+          <a:xfrm>
+            <a:off x="2297926" y="3295417"/>
+            <a:ext cx="642983" cy="369332"/>
+          </a:xfrm>
+          <a:prstGeom prst="rect">
+            <a:avLst/>
+          </a:prstGeom>
+          <a:noFill/>
+        </p:spPr>
+        <p:txBody>
+          <a:bodyPr wrap="square" rtlCol="0">
+            <a:spAutoFit/>
+          </a:bodyPr>
+          <a:lstStyle/>
+          <a:p>
+            <a:pPr algn="ctr"/>
+            <a:r>
+              <a:rPr lang="en-US" sz="900" dirty="0" smtClean="0"/>
+              <a:t>Get Request</a:t>
+            </a:r>
+            <a:endParaRPr lang="en-US" sz="900" dirty="0"/>
+          </a:p>
+        </p:txBody>
+      </p:sp>
+      <p:cxnSp>
+        <p:nvCxnSpPr>
+          <p:cNvPr id="37" name="Straight Arrow Connector 36"/>
+          <p:cNvCxnSpPr/>
+          <p:nvPr/>
+        </p:nvCxnSpPr>
+        <p:spPr>
+          <a:xfrm flipV="1">
+            <a:off x="3545815" y="2977526"/>
+            <a:ext cx="10960" cy="982139"/>
+          </a:xfrm>
+          <a:prstGeom prst="straightConnector1">
+            <a:avLst/>
+          </a:prstGeom>
+          <a:ln>
+            <a:tailEnd type="triangle"/>
+          </a:ln>
+        </p:spPr>
+        <p:style>
+          <a:lnRef idx="1">
+            <a:schemeClr val="accent1"/>
+          </a:lnRef>
+          <a:fillRef idx="0">
+            <a:schemeClr val="accent1"/>
+          </a:fillRef>
+          <a:effectRef idx="0">
+            <a:schemeClr val="accent1"/>
+          </a:effectRef>
+          <a:fontRef idx="minor">
+            <a:schemeClr val="tx1"/>
+          </a:fontRef>
+        </p:style>
+      </p:cxnSp>
+      <p:sp>
+        <p:nvSpPr>
+          <p:cNvPr id="38" name="TextBox 37"/>
+          <p:cNvSpPr txBox="1"/>
+          <p:nvPr/>
+        </p:nvSpPr>
+        <p:spPr>
+          <a:xfrm>
+            <a:off x="3479861" y="3307408"/>
+            <a:ext cx="642983" cy="369332"/>
+          </a:xfrm>
+          <a:prstGeom prst="rect">
+            <a:avLst/>
+          </a:prstGeom>
+          <a:noFill/>
+        </p:spPr>
+        <p:txBody>
+          <a:bodyPr wrap="square" rtlCol="0">
+            <a:spAutoFit/>
+          </a:bodyPr>
+          <a:lstStyle/>
+          <a:p>
+            <a:pPr algn="ctr"/>
+            <a:r>
+              <a:rPr lang="en-US" sz="900" dirty="0" smtClean="0"/>
+              <a:t>Request Decided</a:t>
+            </a:r>
+            <a:endParaRPr lang="en-US" sz="900" dirty="0"/>
+          </a:p>
+        </p:txBody>
+      </p:sp>
+      <p:sp>
+        <p:nvSpPr>
+          <p:cNvPr id="39" name="TextBox 38"/>
+          <p:cNvSpPr txBox="1"/>
+          <p:nvPr/>
+        </p:nvSpPr>
+        <p:spPr>
+          <a:xfrm>
+            <a:off x="4181814" y="5647703"/>
+            <a:ext cx="1118606" cy="369332"/>
+          </a:xfrm>
+          <a:prstGeom prst="rect">
+            <a:avLst/>
+          </a:prstGeom>
+          <a:noFill/>
+        </p:spPr>
+        <p:txBody>
+          <a:bodyPr wrap="square" rtlCol="0">
+            <a:spAutoFit/>
+          </a:bodyPr>
+          <a:lstStyle/>
+          <a:p>
+            <a:pPr algn="ctr"/>
+            <a:r>
+              <a:rPr lang="en-US" sz="900" dirty="0" smtClean="0"/>
+              <a:t>Request</a:t>
+            </a:r>
+          </a:p>
+          <a:p>
+            <a:pPr algn="ctr"/>
+            <a:r>
+              <a:rPr lang="en-US" sz="900" dirty="0" smtClean="0"/>
+              <a:t>Decided</a:t>
+            </a:r>
+            <a:endParaRPr lang="en-US" sz="900" dirty="0"/>
+          </a:p>
+        </p:txBody>
+      </p:sp>
+      <p:sp>
+        <p:nvSpPr>
+          <p:cNvPr id="40" name="TextBox 39"/>
+          <p:cNvSpPr txBox="1"/>
+          <p:nvPr/>
+        </p:nvSpPr>
+        <p:spPr>
+          <a:xfrm>
+            <a:off x="3668858" y="2173896"/>
+            <a:ext cx="1229098" cy="369332"/>
+          </a:xfrm>
+          <a:prstGeom prst="rect">
+            <a:avLst/>
+          </a:prstGeom>
+          <a:noFill/>
+        </p:spPr>
+        <p:txBody>
+          <a:bodyPr wrap="square" rtlCol="0">
+            <a:spAutoFit/>
+          </a:bodyPr>
+          <a:lstStyle/>
+          <a:p>
+            <a:pPr algn="ctr"/>
+            <a:r>
+              <a:rPr lang="en-US" sz="900" dirty="0" smtClean="0"/>
+              <a:t>Request</a:t>
+            </a:r>
+          </a:p>
+          <a:p>
+            <a:pPr algn="ctr"/>
+            <a:r>
+              <a:rPr lang="en-US" sz="900" dirty="0" smtClean="0"/>
+              <a:t>Assigned</a:t>
+            </a:r>
+            <a:endParaRPr lang="en-US" sz="900" dirty="0"/>
+          </a:p>
+        </p:txBody>
+      </p:sp>
+      <p:cxnSp>
+        <p:nvCxnSpPr>
+          <p:cNvPr id="41" name="Straight Arrow Connector 40"/>
+          <p:cNvCxnSpPr/>
+          <p:nvPr/>
+        </p:nvCxnSpPr>
+        <p:spPr>
+          <a:xfrm flipV="1">
+            <a:off x="2848383" y="2993163"/>
+            <a:ext cx="0" cy="966502"/>
+          </a:xfrm>
+          <a:prstGeom prst="straightConnector1">
+            <a:avLst/>
+          </a:prstGeom>
+          <a:ln>
+            <a:tailEnd type="triangle"/>
+          </a:ln>
+        </p:spPr>
+        <p:style>
+          <a:lnRef idx="1">
+            <a:schemeClr val="accent1"/>
+          </a:lnRef>
+          <a:fillRef idx="0">
+            <a:schemeClr val="accent1"/>
+          </a:fillRef>
+          <a:effectRef idx="0">
+            <a:schemeClr val="accent1"/>
+          </a:effectRef>
+          <a:fontRef idx="minor">
+            <a:schemeClr val="tx1"/>
+          </a:fontRef>
+        </p:style>
+      </p:cxnSp>
+      <p:cxnSp>
+        <p:nvCxnSpPr>
+          <p:cNvPr id="42" name="Elbow Connector 41"/>
+          <p:cNvCxnSpPr>
+            <a:endCxn id="27" idx="1"/>
+          </p:cNvCxnSpPr>
+          <p:nvPr/>
+        </p:nvCxnSpPr>
+        <p:spPr>
+          <a:xfrm rot="16200000" flipH="1">
+            <a:off x="1862319" y="4907954"/>
+            <a:ext cx="985800" cy="618568"/>
+          </a:xfrm>
+          <a:prstGeom prst="bentConnector2">
+            <a:avLst/>
+          </a:prstGeom>
+          <a:ln>
+            <a:tailEnd type="triangle"/>
+          </a:ln>
+        </p:spPr>
+        <p:style>
+          <a:lnRef idx="1">
+            <a:schemeClr val="accent1"/>
+          </a:lnRef>
+          <a:fillRef idx="0">
+            <a:schemeClr val="accent1"/>
+          </a:fillRef>
+          <a:effectRef idx="0">
+            <a:schemeClr val="accent1"/>
+          </a:effectRef>
+          <a:fontRef idx="minor">
+            <a:schemeClr val="tx1"/>
+          </a:fontRef>
+        </p:style>
+      </p:cxnSp>
+      <p:sp>
+        <p:nvSpPr>
+          <p:cNvPr id="43" name="TextBox 42"/>
+          <p:cNvSpPr txBox="1"/>
+          <p:nvPr/>
+        </p:nvSpPr>
+        <p:spPr>
+          <a:xfrm>
+            <a:off x="1709263" y="5363681"/>
+            <a:ext cx="1229098" cy="369332"/>
+          </a:xfrm>
+          <a:prstGeom prst="rect">
+            <a:avLst/>
+          </a:prstGeom>
+          <a:noFill/>
+        </p:spPr>
+        <p:txBody>
+          <a:bodyPr wrap="square" rtlCol="0">
+            <a:spAutoFit/>
+          </a:bodyPr>
+          <a:lstStyle/>
+          <a:p>
+            <a:pPr algn="ctr"/>
+            <a:r>
+              <a:rPr lang="en-US" sz="900" dirty="0" smtClean="0"/>
+              <a:t>Request</a:t>
+            </a:r>
+          </a:p>
+          <a:p>
+            <a:pPr algn="ctr"/>
+            <a:r>
+              <a:rPr lang="en-US" sz="900" dirty="0" smtClean="0"/>
+              <a:t>Assigned</a:t>
+            </a:r>
+            <a:endParaRPr lang="en-US" sz="900" dirty="0"/>
+          </a:p>
+        </p:txBody>
+      </p:sp>
+      <p:cxnSp>
+        <p:nvCxnSpPr>
+          <p:cNvPr id="44" name="Elbow Connector 43"/>
+          <p:cNvCxnSpPr/>
+          <p:nvPr/>
+        </p:nvCxnSpPr>
+        <p:spPr>
+          <a:xfrm rot="5400000" flipH="1" flipV="1">
+            <a:off x="3775857" y="4825769"/>
+            <a:ext cx="821429" cy="618566"/>
+          </a:xfrm>
+          <a:prstGeom prst="bentConnector3">
+            <a:avLst>
+              <a:gd name="adj1" fmla="val 4461"/>
+            </a:avLst>
+          </a:prstGeom>
+          <a:ln>
+            <a:tailEnd type="triangle"/>
+          </a:ln>
+        </p:spPr>
+        <p:style>
+          <a:lnRef idx="1">
+            <a:schemeClr val="accent1"/>
+          </a:lnRef>
+          <a:fillRef idx="0">
+            <a:schemeClr val="accent1"/>
+          </a:fillRef>
+          <a:effectRef idx="0">
+            <a:schemeClr val="accent1"/>
+          </a:effectRef>
+          <a:fontRef idx="minor">
+            <a:schemeClr val="tx1"/>
+          </a:fontRef>
+        </p:style>
+      </p:cxnSp>
+      <p:cxnSp>
+        <p:nvCxnSpPr>
+          <p:cNvPr id="45" name="Elbow Connector 44"/>
+          <p:cNvCxnSpPr/>
+          <p:nvPr/>
+        </p:nvCxnSpPr>
+        <p:spPr>
+          <a:xfrm rot="5400000" flipH="1" flipV="1">
+            <a:off x="3824284" y="4777340"/>
+            <a:ext cx="1210075" cy="1104071"/>
+          </a:xfrm>
+          <a:prstGeom prst="bentConnector3">
+            <a:avLst>
+              <a:gd name="adj1" fmla="val -6331"/>
+            </a:avLst>
+          </a:prstGeom>
+          <a:ln>
+            <a:tailEnd type="triangle"/>
+          </a:ln>
+        </p:spPr>
+        <p:style>
+          <a:lnRef idx="1">
+            <a:schemeClr val="accent1"/>
+          </a:lnRef>
+          <a:fillRef idx="0">
+            <a:schemeClr val="accent1"/>
+          </a:fillRef>
+          <a:effectRef idx="0">
+            <a:schemeClr val="accent1"/>
+          </a:effectRef>
+          <a:fontRef idx="minor">
+            <a:schemeClr val="tx1"/>
+          </a:fontRef>
+        </p:style>
+      </p:cxnSp>
+      <p:cxnSp>
+        <p:nvCxnSpPr>
+          <p:cNvPr id="46" name="Elbow Connector 45"/>
+          <p:cNvCxnSpPr>
+            <a:endCxn id="26" idx="1"/>
+          </p:cNvCxnSpPr>
+          <p:nvPr/>
+        </p:nvCxnSpPr>
+        <p:spPr>
+          <a:xfrm rot="5400000" flipH="1" flipV="1">
+            <a:off x="1616532" y="2919379"/>
+            <a:ext cx="1456854" cy="639952"/>
+          </a:xfrm>
+          <a:prstGeom prst="bentConnector2">
+            <a:avLst/>
+          </a:prstGeom>
+          <a:ln>
+            <a:tailEnd type="triangle"/>
+          </a:ln>
+        </p:spPr>
+        <p:style>
+          <a:lnRef idx="1">
+            <a:schemeClr val="accent1"/>
+          </a:lnRef>
+          <a:fillRef idx="0">
+            <a:schemeClr val="accent1"/>
+          </a:fillRef>
+          <a:effectRef idx="0">
+            <a:schemeClr val="accent1"/>
+          </a:effectRef>
+          <a:fontRef idx="minor">
+            <a:schemeClr val="tx1"/>
+          </a:fontRef>
+        </p:style>
+      </p:cxnSp>
+      <p:cxnSp>
+        <p:nvCxnSpPr>
+          <p:cNvPr id="47" name="Elbow Connector 46"/>
+          <p:cNvCxnSpPr>
+            <a:stCxn id="26" idx="3"/>
+          </p:cNvCxnSpPr>
+          <p:nvPr/>
+        </p:nvCxnSpPr>
+        <p:spPr>
+          <a:xfrm>
+            <a:off x="3877718" y="2510928"/>
+            <a:ext cx="810566" cy="1441444"/>
+          </a:xfrm>
+          <a:prstGeom prst="bentConnector2">
+            <a:avLst/>
+          </a:prstGeom>
+          <a:ln>
+            <a:tailEnd type="triangle"/>
+          </a:ln>
+        </p:spPr>
+        <p:style>
+          <a:lnRef idx="1">
+            <a:schemeClr val="accent1"/>
+          </a:lnRef>
+          <a:fillRef idx="0">
+            <a:schemeClr val="accent1"/>
+          </a:fillRef>
+          <a:effectRef idx="0">
+            <a:schemeClr val="accent1"/>
+          </a:effectRef>
+          <a:fontRef idx="minor">
+            <a:schemeClr val="tx1"/>
+          </a:fontRef>
+        </p:style>
+      </p:cxnSp>
+      <p:sp>
+        <p:nvSpPr>
+          <p:cNvPr id="60" name="Oval 59"/>
+          <p:cNvSpPr/>
+          <p:nvPr/>
+        </p:nvSpPr>
+        <p:spPr>
+          <a:xfrm>
+            <a:off x="3605024" y="3058633"/>
+            <a:ext cx="224444" cy="241069"/>
+          </a:xfrm>
+          <a:prstGeom prst="ellipse">
+            <a:avLst/>
+          </a:prstGeom>
+          <a:solidFill>
+            <a:srgbClr val="C00000"/>
+          </a:solidFill>
+        </p:spPr>
+        <p:style>
+          <a:lnRef idx="2">
+            <a:schemeClr val="accent1">
+              <a:shade val="50000"/>
+            </a:schemeClr>
+          </a:lnRef>
+          <a:fillRef idx="1">
+            <a:schemeClr val="accent1"/>
+          </a:fillRef>
+          <a:effectRef idx="0">
+            <a:schemeClr val="accent1"/>
+          </a:effectRef>
+          <a:fontRef idx="minor">
+            <a:schemeClr val="lt1"/>
+          </a:fontRef>
+        </p:style>
+        <p:txBody>
+          <a:bodyPr rtlCol="0" anchor="ctr"/>
+          <a:lstStyle/>
+          <a:p>
+            <a:pPr algn="ctr"/>
+            <a:r>
+              <a:rPr lang="en-US" sz="1000" dirty="0"/>
+              <a:t>7</a:t>
+            </a:r>
+            <a:endParaRPr lang="en-US" sz="1000" dirty="0"/>
+          </a:p>
+        </p:txBody>
+      </p:sp>
+      <p:sp>
+        <p:nvSpPr>
+          <p:cNvPr id="61" name="Oval 60"/>
+          <p:cNvSpPr/>
+          <p:nvPr/>
+        </p:nvSpPr>
+        <p:spPr>
+          <a:xfrm>
+            <a:off x="5011411" y="5698959"/>
+            <a:ext cx="224444" cy="241069"/>
+          </a:xfrm>
+          <a:prstGeom prst="ellipse">
+            <a:avLst/>
+          </a:prstGeom>
+          <a:solidFill>
+            <a:srgbClr val="C00000"/>
+          </a:solidFill>
+        </p:spPr>
+        <p:style>
+          <a:lnRef idx="2">
+            <a:schemeClr val="accent1">
+              <a:shade val="50000"/>
+            </a:schemeClr>
+          </a:lnRef>
+          <a:fillRef idx="1">
+            <a:schemeClr val="accent1"/>
+          </a:fillRef>
+          <a:effectRef idx="0">
+            <a:schemeClr val="accent1"/>
+          </a:effectRef>
+          <a:fontRef idx="minor">
+            <a:schemeClr val="lt1"/>
+          </a:fontRef>
+        </p:style>
+        <p:txBody>
+          <a:bodyPr rtlCol="0" anchor="ctr"/>
+          <a:lstStyle/>
+          <a:p>
+            <a:pPr algn="ctr"/>
+            <a:r>
+              <a:rPr lang="en-US" sz="1000" dirty="0"/>
+              <a:t>6</a:t>
+            </a:r>
+            <a:endParaRPr lang="en-US" sz="1000" dirty="0"/>
+          </a:p>
+        </p:txBody>
+      </p:sp>
+      <p:sp>
+        <p:nvSpPr>
+          <p:cNvPr id="62" name="Oval 61"/>
+          <p:cNvSpPr/>
+          <p:nvPr/>
+        </p:nvSpPr>
+        <p:spPr>
+          <a:xfrm>
+            <a:off x="1772077" y="5457890"/>
+            <a:ext cx="224444" cy="241069"/>
+          </a:xfrm>
+          <a:prstGeom prst="ellipse">
+            <a:avLst/>
+          </a:prstGeom>
+          <a:solidFill>
+            <a:srgbClr val="C00000"/>
+          </a:solidFill>
+        </p:spPr>
+        <p:style>
+          <a:lnRef idx="2">
+            <a:schemeClr val="accent1">
+              <a:shade val="50000"/>
+            </a:schemeClr>
+          </a:lnRef>
+          <a:fillRef idx="1">
+            <a:schemeClr val="accent1"/>
+          </a:fillRef>
+          <a:effectRef idx="0">
+            <a:schemeClr val="accent1"/>
+          </a:effectRef>
+          <a:fontRef idx="minor">
+            <a:schemeClr val="lt1"/>
+          </a:fontRef>
+        </p:style>
+        <p:txBody>
+          <a:bodyPr rtlCol="0" anchor="ctr"/>
+          <a:lstStyle/>
+          <a:p>
+            <a:pPr algn="ctr"/>
+            <a:r>
+              <a:rPr lang="en-US" sz="1000" dirty="0"/>
+              <a:t>5</a:t>
+            </a:r>
+            <a:endParaRPr lang="en-US" sz="1000" dirty="0"/>
+          </a:p>
+        </p:txBody>
+      </p:sp>
+      <p:sp>
+        <p:nvSpPr>
+          <p:cNvPr id="63" name="Oval 62"/>
+          <p:cNvSpPr/>
+          <p:nvPr/>
+        </p:nvSpPr>
+        <p:spPr>
+          <a:xfrm>
+            <a:off x="4495855" y="2041362"/>
+            <a:ext cx="224444" cy="241069"/>
+          </a:xfrm>
+          <a:prstGeom prst="ellipse">
+            <a:avLst/>
+          </a:prstGeom>
+          <a:solidFill>
+            <a:srgbClr val="C00000"/>
+          </a:solidFill>
+        </p:spPr>
+        <p:style>
+          <a:lnRef idx="2">
+            <a:schemeClr val="accent1">
+              <a:shade val="50000"/>
+            </a:schemeClr>
+          </a:lnRef>
+          <a:fillRef idx="1">
+            <a:schemeClr val="accent1"/>
+          </a:fillRef>
+          <a:effectRef idx="0">
+            <a:schemeClr val="accent1"/>
+          </a:effectRef>
+          <a:fontRef idx="minor">
+            <a:schemeClr val="lt1"/>
+          </a:fontRef>
+        </p:style>
+        <p:txBody>
+          <a:bodyPr rtlCol="0" anchor="ctr"/>
+          <a:lstStyle/>
+          <a:p>
+            <a:pPr algn="ctr"/>
+            <a:r>
+              <a:rPr lang="en-US" sz="1000" dirty="0"/>
+              <a:t>4</a:t>
+            </a:r>
+            <a:endParaRPr lang="en-US" sz="1000" dirty="0"/>
+          </a:p>
+        </p:txBody>
+      </p:sp>
+      <p:sp>
+        <p:nvSpPr>
+          <p:cNvPr id="64" name="Oval 63"/>
+          <p:cNvSpPr/>
+          <p:nvPr/>
+        </p:nvSpPr>
+        <p:spPr>
+          <a:xfrm>
+            <a:off x="2552281" y="3027727"/>
+            <a:ext cx="224444" cy="241069"/>
+          </a:xfrm>
+          <a:prstGeom prst="ellipse">
+            <a:avLst/>
+          </a:prstGeom>
+          <a:solidFill>
+            <a:srgbClr val="C00000"/>
+          </a:solidFill>
+        </p:spPr>
+        <p:style>
+          <a:lnRef idx="2">
+            <a:schemeClr val="accent1">
+              <a:shade val="50000"/>
+            </a:schemeClr>
+          </a:lnRef>
+          <a:fillRef idx="1">
+            <a:schemeClr val="accent1"/>
+          </a:fillRef>
+          <a:effectRef idx="0">
+            <a:schemeClr val="accent1"/>
+          </a:effectRef>
+          <a:fontRef idx="minor">
+            <a:schemeClr val="lt1"/>
+          </a:fontRef>
+        </p:style>
+        <p:txBody>
+          <a:bodyPr rtlCol="0" anchor="ctr"/>
+          <a:lstStyle/>
+          <a:p>
+            <a:pPr algn="ctr"/>
+            <a:r>
+              <a:rPr lang="en-US" sz="1000" dirty="0"/>
+              <a:t>3</a:t>
+            </a:r>
+            <a:endParaRPr lang="en-US" sz="1000" dirty="0"/>
+          </a:p>
+        </p:txBody>
+      </p:sp>
+      <p:sp>
+        <p:nvSpPr>
+          <p:cNvPr id="65" name="Oval 64"/>
+          <p:cNvSpPr/>
+          <p:nvPr/>
+        </p:nvSpPr>
+        <p:spPr>
+          <a:xfrm>
+            <a:off x="4204877" y="4753411"/>
+            <a:ext cx="224444" cy="241069"/>
+          </a:xfrm>
+          <a:prstGeom prst="ellipse">
+            <a:avLst/>
+          </a:prstGeom>
+          <a:solidFill>
+            <a:srgbClr val="C00000"/>
+          </a:solidFill>
+        </p:spPr>
+        <p:style>
+          <a:lnRef idx="2">
+            <a:schemeClr val="accent1">
+              <a:shade val="50000"/>
+            </a:schemeClr>
+          </a:lnRef>
+          <a:fillRef idx="1">
+            <a:schemeClr val="accent1"/>
+          </a:fillRef>
+          <a:effectRef idx="0">
+            <a:schemeClr val="accent1"/>
+          </a:effectRef>
+          <a:fontRef idx="minor">
+            <a:schemeClr val="lt1"/>
+          </a:fontRef>
+        </p:style>
+        <p:txBody>
+          <a:bodyPr rtlCol="0" anchor="ctr"/>
+          <a:lstStyle/>
+          <a:p>
+            <a:pPr algn="ctr"/>
+            <a:r>
+              <a:rPr lang="en-US" sz="1000" dirty="0"/>
+              <a:t>2</a:t>
+            </a:r>
+            <a:endParaRPr lang="en-US" sz="1000" dirty="0"/>
+          </a:p>
+        </p:txBody>
+      </p:sp>
+      <p:sp>
+        <p:nvSpPr>
+          <p:cNvPr id="66" name="Oval 65"/>
+          <p:cNvSpPr/>
+          <p:nvPr/>
+        </p:nvSpPr>
+        <p:spPr>
+          <a:xfrm>
+            <a:off x="1804914" y="2073959"/>
+            <a:ext cx="224444" cy="241069"/>
+          </a:xfrm>
+          <a:prstGeom prst="ellipse">
+            <a:avLst/>
+          </a:prstGeom>
+          <a:solidFill>
+            <a:srgbClr val="C00000"/>
+          </a:solidFill>
+        </p:spPr>
+        <p:style>
+          <a:lnRef idx="2">
+            <a:schemeClr val="accent1">
+              <a:shade val="50000"/>
+            </a:schemeClr>
+          </a:lnRef>
+          <a:fillRef idx="1">
+            <a:schemeClr val="accent1"/>
+          </a:fillRef>
+          <a:effectRef idx="0">
+            <a:schemeClr val="accent1"/>
+          </a:effectRef>
+          <a:fontRef idx="minor">
+            <a:schemeClr val="lt1"/>
+          </a:fontRef>
+        </p:style>
+        <p:txBody>
+          <a:bodyPr rtlCol="0" anchor="ctr"/>
+          <a:lstStyle/>
+          <a:p>
+            <a:pPr algn="ctr"/>
+            <a:r>
+              <a:rPr lang="en-US" sz="1000" dirty="0" smtClean="0"/>
+              <a:t>1</a:t>
+            </a:r>
+            <a:endParaRPr lang="en-US" sz="1000" dirty="0"/>
+          </a:p>
+        </p:txBody>
+      </p:sp>
+      <p:sp>
+        <p:nvSpPr>
+          <p:cNvPr id="67" name="TextBox 66"/>
+          <p:cNvSpPr txBox="1"/>
+          <p:nvPr/>
+        </p:nvSpPr>
+        <p:spPr>
+          <a:xfrm>
+            <a:off x="6229199" y="2161896"/>
+            <a:ext cx="5361909" cy="3108543"/>
+          </a:xfrm>
+          <a:prstGeom prst="rect">
+            <a:avLst/>
+          </a:prstGeom>
+          <a:noFill/>
+        </p:spPr>
+        <p:txBody>
+          <a:bodyPr wrap="square" rtlCol="0">
+            <a:spAutoFit/>
+          </a:bodyPr>
+          <a:lstStyle/>
+          <a:p>
+            <a:pPr marL="342900" indent="-342900">
+              <a:buAutoNum type="arabicPeriod"/>
+            </a:pPr>
+            <a:r>
+              <a:rPr lang="en-US" sz="1400" dirty="0" smtClean="0"/>
+              <a:t>Routing Service consumes requests that were not auto approved</a:t>
+            </a:r>
+          </a:p>
+          <a:p>
+            <a:pPr marL="342900" indent="-342900">
+              <a:buAutoNum type="arabicPeriod"/>
+            </a:pPr>
+            <a:r>
+              <a:rPr lang="en-US" sz="1400" dirty="0" smtClean="0"/>
+              <a:t>User asks for an undecided request to work on</a:t>
+            </a:r>
+          </a:p>
+          <a:p>
+            <a:pPr marL="342900" indent="-342900">
+              <a:buAutoNum type="arabicPeriod"/>
+            </a:pPr>
+            <a:r>
+              <a:rPr lang="en-US" sz="1400" dirty="0" smtClean="0"/>
+              <a:t>Routing Service consumes the request to get a request for the user</a:t>
+            </a:r>
+          </a:p>
+          <a:p>
+            <a:pPr marL="342900" indent="-342900">
+              <a:buAutoNum type="arabicPeriod"/>
+            </a:pPr>
+            <a:r>
+              <a:rPr lang="en-US" sz="1400" dirty="0" smtClean="0"/>
+              <a:t>Routing Service finds an undecided request, assigns it to the user, and sends an event of the assignment</a:t>
+            </a:r>
+          </a:p>
+          <a:p>
+            <a:pPr marL="342900" indent="-342900">
+              <a:buAutoNum type="arabicPeriod"/>
+            </a:pPr>
+            <a:r>
+              <a:rPr lang="en-US" sz="1400" dirty="0" smtClean="0"/>
+              <a:t>UI consumes the assignment event and displays the request to the user</a:t>
+            </a:r>
+          </a:p>
+          <a:p>
+            <a:pPr marL="342900" indent="-342900">
+              <a:buAutoNum type="arabicPeriod"/>
+            </a:pPr>
+            <a:r>
+              <a:rPr lang="en-US" sz="1400" dirty="0" smtClean="0"/>
+              <a:t>User makes a decision on the request and the UI sends an event for the decision</a:t>
+            </a:r>
+          </a:p>
+          <a:p>
+            <a:pPr marL="342900" indent="-342900">
+              <a:buAutoNum type="arabicPeriod"/>
+            </a:pPr>
+            <a:r>
+              <a:rPr lang="en-US" sz="1400" dirty="0" smtClean="0"/>
+              <a:t>Routing Service consumes the decision event and removes the request from its database since it no longer needs to be routed</a:t>
+            </a:r>
+          </a:p>
+          <a:p>
+            <a:endParaRPr lang="en-US" sz="1400" i="1" dirty="0" smtClean="0"/>
+          </a:p>
+          <a:p>
+            <a:r>
+              <a:rPr lang="en-US" sz="1400" i="1" dirty="0" smtClean="0"/>
+              <a:t>Side note: The Provider Transfer Service would also consume the decision event so it can notify the provider.</a:t>
+            </a:r>
+            <a:endParaRPr lang="en-US" sz="1400" i="1" dirty="0"/>
+          </a:p>
+        </p:txBody>
+      </p:sp>
+    </p:spTree>
+    <p:extLst>
+      <p:ext uri="{BB962C8B-B14F-4D97-AF65-F5344CB8AC3E}">
+        <p14:creationId xmlns:p14="http://schemas.microsoft.com/office/powerpoint/2010/main" val="3197243627"/>
+      </p:ext>
+    </p:extLst>
+  </p:cSld>
+  <p:clrMapOvr>
+    <a:masterClrMapping/>
+  </p:clrMapOvr>
+</p:sld>
+</file>
+
+<file path=ppt/slides/slide5.xml><?xml version="1.0" encoding="utf-8"?>
+<p:sld xmlns:a="http://schemas.openxmlformats.org/drawingml/2006/main" xmlns:r="http://schemas.openxmlformats.org/officeDocument/2006/relationships" xmlns:p="http://schemas.openxmlformats.org/presentationml/2006/main">
+  <p:cSld>
+    <p:spTree>
+      <p:nvGrpSpPr>
+        <p:cNvPr id="1" name=""/>
+        <p:cNvGrpSpPr/>
+        <p:nvPr/>
+      </p:nvGrpSpPr>
+      <p:grpSpPr>
+        <a:xfrm>
+          <a:off x="0" y="0"/>
+          <a:ext cx="0" cy="0"/>
+          <a:chOff x="0" y="0"/>
+          <a:chExt cx="0" cy="0"/>
+        </a:xfrm>
+      </p:grpSpPr>
+      <p:sp>
+        <p:nvSpPr>
+          <p:cNvPr id="4" name="Title 3"/>
+          <p:cNvSpPr>
+            <a:spLocks noGrp="1"/>
+          </p:cNvSpPr>
+          <p:nvPr>
+            <p:ph type="title"/>
+          </p:nvPr>
+        </p:nvSpPr>
+        <p:spPr/>
+        <p:txBody>
+          <a:bodyPr/>
+          <a:lstStyle/>
+          <a:p>
+            <a:r>
+              <a:rPr lang="en-US" dirty="0" smtClean="0"/>
+              <a:t>Routing </a:t>
+            </a:r>
+            <a:r>
+              <a:rPr lang="en-US" dirty="0" smtClean="0"/>
+              <a:t>Service</a:t>
+            </a:r>
+            <a:endParaRPr lang="en-US" dirty="0"/>
+          </a:p>
+        </p:txBody>
+      </p:sp>
+      <p:sp>
+        <p:nvSpPr>
+          <p:cNvPr id="5" name="Content Placeholder 4"/>
+          <p:cNvSpPr>
+            <a:spLocks noGrp="1"/>
+          </p:cNvSpPr>
+          <p:nvPr>
+            <p:ph idx="1"/>
+          </p:nvPr>
+        </p:nvSpPr>
+        <p:spPr/>
+        <p:txBody>
+          <a:bodyPr>
+            <a:normAutofit lnSpcReduction="10000"/>
+          </a:bodyPr>
+          <a:lstStyle/>
+          <a:p>
+            <a:r>
+              <a:rPr lang="en-US" dirty="0" smtClean="0"/>
+              <a:t>When users request work, this service </a:t>
+            </a:r>
+            <a:r>
+              <a:rPr lang="en-US" dirty="0" smtClean="0"/>
+              <a:t>assigns </a:t>
+            </a:r>
+            <a:r>
+              <a:rPr lang="en-US" dirty="0" smtClean="0"/>
+              <a:t>a request to the </a:t>
+            </a:r>
+            <a:r>
+              <a:rPr lang="en-US" dirty="0" smtClean="0"/>
+              <a:t>user</a:t>
+            </a:r>
+            <a:endParaRPr lang="en-US" dirty="0" smtClean="0"/>
+          </a:p>
+          <a:p>
+            <a:endParaRPr lang="en-US" dirty="0" smtClean="0"/>
+          </a:p>
+          <a:p>
+            <a:r>
+              <a:rPr lang="en-US" dirty="0" smtClean="0"/>
+              <a:t>Maintains database of routable requests based on whether request is decided or currently assigned </a:t>
+            </a:r>
+          </a:p>
+          <a:p>
+            <a:pPr lvl="1"/>
+            <a:r>
+              <a:rPr lang="en-US" dirty="0" smtClean="0"/>
+              <a:t>No need to store anything already decided</a:t>
+            </a:r>
+          </a:p>
+          <a:p>
+            <a:pPr lvl="1"/>
+            <a:endParaRPr lang="en-US" dirty="0"/>
+          </a:p>
+          <a:p>
+            <a:r>
+              <a:rPr lang="en-US" dirty="0" smtClean="0"/>
+              <a:t>For this workshop, we’re going to store requests in memory</a:t>
+            </a:r>
+          </a:p>
+          <a:p>
+            <a:pPr lvl="1"/>
+            <a:r>
+              <a:rPr lang="en-US" dirty="0" smtClean="0"/>
+              <a:t>Note that this isn’t possible with an Azure Function on the consumption plan</a:t>
+            </a:r>
+          </a:p>
+          <a:p>
+            <a:pPr lvl="1"/>
+            <a:endParaRPr lang="en-US" dirty="0"/>
+          </a:p>
+          <a:p>
+            <a:r>
+              <a:rPr lang="en-US" dirty="0" smtClean="0"/>
+              <a:t>How to host this functionality?</a:t>
+            </a:r>
+          </a:p>
+          <a:p>
+            <a:pPr lvl="1"/>
+            <a:endParaRPr lang="en-US" dirty="0" smtClean="0"/>
+          </a:p>
+        </p:txBody>
+      </p:sp>
+    </p:spTree>
+    <p:extLst>
+      <p:ext uri="{BB962C8B-B14F-4D97-AF65-F5344CB8AC3E}">
+        <p14:creationId xmlns:p14="http://schemas.microsoft.com/office/powerpoint/2010/main" val="589235019"/>
+      </p:ext>
+    </p:extLst>
+  </p:cSld>
+  <p:clrMapOvr>
+    <a:masterClrMapping/>
+  </p:clrMapOvr>
+</p:sld>
+</file>
+
+<file path=ppt/slides/slide6.xml><?xml version="1.0" encoding="utf-8"?>
+<p:sld xmlns:a="http://schemas.openxmlformats.org/drawingml/2006/main" xmlns:r="http://schemas.openxmlformats.org/officeDocument/2006/relationships" xmlns:p="http://schemas.openxmlformats.org/presentationml/2006/main">
+  <p:cSld>
+    <p:spTree>
+      <p:nvGrpSpPr>
+        <p:cNvPr id="1" name=""/>
+        <p:cNvGrpSpPr/>
+        <p:nvPr/>
+      </p:nvGrpSpPr>
+      <p:grpSpPr>
+        <a:xfrm>
+          <a:off x="0" y="0"/>
+          <a:ext cx="0" cy="0"/>
+          <a:chOff x="0" y="0"/>
+          <a:chExt cx="0" cy="0"/>
+        </a:xfrm>
+      </p:grpSpPr>
+      <p:sp>
+        <p:nvSpPr>
+          <p:cNvPr id="2" name="Title 1"/>
+          <p:cNvSpPr>
+            <a:spLocks noGrp="1"/>
+          </p:cNvSpPr>
+          <p:nvPr>
+            <p:ph type="title"/>
+          </p:nvPr>
+        </p:nvSpPr>
+        <p:spPr/>
+        <p:txBody>
+          <a:bodyPr/>
+          <a:lstStyle/>
+          <a:p>
+            <a:r>
+              <a:rPr lang="en-US" dirty="0" smtClean="0"/>
+              <a:t>Azure Function vs App Service</a:t>
+            </a:r>
+            <a:endParaRPr lang="en-US" dirty="0"/>
+          </a:p>
+        </p:txBody>
+      </p:sp>
+      <p:graphicFrame>
+        <p:nvGraphicFramePr>
+          <p:cNvPr id="4" name="Content Placeholder 3"/>
+          <p:cNvGraphicFramePr>
+            <a:graphicFrameLocks noGrp="1"/>
+          </p:cNvGraphicFramePr>
+          <p:nvPr>
+            <p:ph idx="1"/>
+            <p:extLst>
+              <p:ext uri="{D42A27DB-BD31-4B8C-83A1-F6EECF244321}">
+                <p14:modId xmlns:p14="http://schemas.microsoft.com/office/powerpoint/2010/main" val="778077541"/>
+              </p:ext>
+            </p:extLst>
+          </p:nvPr>
+        </p:nvGraphicFramePr>
+        <p:xfrm>
+          <a:off x="838200" y="1825625"/>
+          <a:ext cx="10515600" cy="4861560"/>
+        </p:xfrm>
+        <a:graphic>
+          <a:graphicData uri="http://schemas.openxmlformats.org/drawingml/2006/table">
+            <a:tbl>
+              <a:tblPr firstRow="1" bandRow="1">
+                <a:tableStyleId>{5C22544A-7EE6-4342-B048-85BDC9FD1C3A}</a:tableStyleId>
+              </a:tblPr>
+              <a:tblGrid>
+                <a:gridCol w="1805247">
+                  <a:extLst>
+                    <a:ext uri="{9D8B030D-6E8A-4147-A177-3AD203B41FA5}">
+                      <a16:colId xmlns:a16="http://schemas.microsoft.com/office/drawing/2014/main" val="3668156428"/>
+                    </a:ext>
+                  </a:extLst>
+                </a:gridCol>
+                <a:gridCol w="4048298">
+                  <a:extLst>
+                    <a:ext uri="{9D8B030D-6E8A-4147-A177-3AD203B41FA5}">
+                      <a16:colId xmlns:a16="http://schemas.microsoft.com/office/drawing/2014/main" val="3617346734"/>
+                    </a:ext>
+                  </a:extLst>
+                </a:gridCol>
+                <a:gridCol w="4662055">
+                  <a:extLst>
+                    <a:ext uri="{9D8B030D-6E8A-4147-A177-3AD203B41FA5}">
+                      <a16:colId xmlns:a16="http://schemas.microsoft.com/office/drawing/2014/main" val="1333342582"/>
+                    </a:ext>
+                  </a:extLst>
+                </a:gridCol>
+              </a:tblGrid>
+              <a:tr h="370840">
+                <a:tc>
+                  <a:txBody>
+                    <a:bodyPr/>
+                    <a:lstStyle/>
+                    <a:p>
+                      <a:endParaRPr lang="en-US" dirty="0"/>
+                    </a:p>
+                  </a:txBody>
+                  <a:tcPr/>
+                </a:tc>
+                <a:tc>
+                  <a:txBody>
+                    <a:bodyPr/>
+                    <a:lstStyle/>
+                    <a:p>
+                      <a:r>
+                        <a:rPr lang="en-US" dirty="0" smtClean="0"/>
+                        <a:t>Azure Function (Consumption Plan)</a:t>
+                      </a:r>
+                      <a:endParaRPr lang="en-US" dirty="0"/>
+                    </a:p>
+                  </a:txBody>
+                  <a:tcPr/>
+                </a:tc>
+                <a:tc>
+                  <a:txBody>
+                    <a:bodyPr/>
+                    <a:lstStyle/>
+                    <a:p>
+                      <a:r>
+                        <a:rPr lang="en-US" dirty="0" smtClean="0"/>
+                        <a:t>Azure App Service</a:t>
+                      </a:r>
+                      <a:endParaRPr lang="en-US" dirty="0"/>
+                    </a:p>
+                  </a:txBody>
+                  <a:tcPr/>
+                </a:tc>
+                <a:extLst>
+                  <a:ext uri="{0D108BD9-81ED-4DB2-BD59-A6C34878D82A}">
+                    <a16:rowId xmlns:a16="http://schemas.microsoft.com/office/drawing/2014/main" val="2219796341"/>
+                  </a:ext>
+                </a:extLst>
+              </a:tr>
+              <a:tr h="370840">
+                <a:tc>
+                  <a:txBody>
+                    <a:bodyPr/>
+                    <a:lstStyle/>
+                    <a:p>
+                      <a:r>
+                        <a:rPr lang="en-US" dirty="0" smtClean="0"/>
+                        <a:t>Cost</a:t>
+                      </a:r>
+                      <a:endParaRPr lang="en-US" dirty="0"/>
+                    </a:p>
+                  </a:txBody>
+                  <a:tcPr/>
+                </a:tc>
+                <a:tc>
+                  <a:txBody>
+                    <a:bodyPr/>
+                    <a:lstStyle/>
+                    <a:p>
+                      <a:r>
+                        <a:rPr lang="en-US" dirty="0" smtClean="0"/>
+                        <a:t>Cheaper</a:t>
+                      </a:r>
+                      <a:r>
+                        <a:rPr lang="en-US" baseline="0" dirty="0" smtClean="0"/>
+                        <a:t> for smaller, infrequent workloads. F</a:t>
+                      </a:r>
+                      <a:r>
+                        <a:rPr lang="en-US" sz="1800" b="0" i="0" kern="1200" dirty="0" smtClean="0">
+                          <a:solidFill>
+                            <a:schemeClr val="dk1"/>
+                          </a:solidFill>
+                          <a:effectLst/>
+                          <a:latin typeface="+mn-lt"/>
+                          <a:ea typeface="+mn-ea"/>
+                          <a:cs typeface="+mn-cs"/>
+                        </a:rPr>
+                        <a:t>irst 400,000 GB/s and 1,000,000 executions free.</a:t>
+                      </a:r>
+                      <a:endParaRPr lang="en-US" dirty="0"/>
+                    </a:p>
+                  </a:txBody>
+                  <a:tcPr/>
+                </a:tc>
+                <a:tc>
+                  <a:txBody>
+                    <a:bodyPr/>
+                    <a:lstStyle/>
+                    <a:p>
+                      <a:r>
+                        <a:rPr lang="en-US" dirty="0" smtClean="0"/>
+                        <a:t>Can be cheape</a:t>
+                      </a:r>
+                      <a:r>
+                        <a:rPr lang="en-US" baseline="0" dirty="0" smtClean="0"/>
+                        <a:t>r for larger, frequent workloads. Min for production app about $70/month without any use. Can be </a:t>
+                      </a:r>
+                      <a:r>
+                        <a:rPr lang="en-US" b="1" i="1" baseline="0" dirty="0" smtClean="0"/>
+                        <a:t>much</a:t>
+                      </a:r>
+                      <a:r>
+                        <a:rPr lang="en-US" baseline="0" dirty="0" smtClean="0"/>
+                        <a:t> higher.</a:t>
+                      </a:r>
+                      <a:endParaRPr lang="en-US" dirty="0"/>
+                    </a:p>
+                  </a:txBody>
+                  <a:tcPr/>
+                </a:tc>
+                <a:extLst>
+                  <a:ext uri="{0D108BD9-81ED-4DB2-BD59-A6C34878D82A}">
+                    <a16:rowId xmlns:a16="http://schemas.microsoft.com/office/drawing/2014/main" val="1964244463"/>
+                  </a:ext>
+                </a:extLst>
+              </a:tr>
+              <a:tr h="370840">
+                <a:tc>
+                  <a:txBody>
+                    <a:bodyPr/>
+                    <a:lstStyle/>
+                    <a:p>
+                      <a:r>
+                        <a:rPr lang="en-US" dirty="0" smtClean="0"/>
+                        <a:t>Development Time</a:t>
+                      </a:r>
+                      <a:endParaRPr lang="en-US" dirty="0"/>
+                    </a:p>
+                  </a:txBody>
+                  <a:tcPr/>
+                </a:tc>
+                <a:tc>
+                  <a:txBody>
+                    <a:bodyPr/>
+                    <a:lstStyle/>
+                    <a:p>
+                      <a:r>
+                        <a:rPr lang="en-US" dirty="0" smtClean="0"/>
+                        <a:t>Simple to develop,</a:t>
+                      </a:r>
+                      <a:r>
+                        <a:rPr lang="en-US" baseline="0" dirty="0" smtClean="0"/>
+                        <a:t> debug, and deploy. Can all be done in portal, but not recommended.</a:t>
+                      </a:r>
+                      <a:endParaRPr lang="en-US" dirty="0"/>
+                    </a:p>
+                  </a:txBody>
+                  <a:tcPr/>
+                </a:tc>
+                <a:tc>
+                  <a:txBody>
+                    <a:bodyPr/>
+                    <a:lstStyle/>
+                    <a:p>
+                      <a:r>
+                        <a:rPr lang="en-US" dirty="0" smtClean="0"/>
+                        <a:t>Requires </a:t>
+                      </a:r>
+                      <a:r>
+                        <a:rPr lang="en-US" baseline="0" dirty="0" smtClean="0"/>
+                        <a:t>more time to develop, debug, configure, and deploy</a:t>
+                      </a:r>
+                      <a:endParaRPr lang="en-US" dirty="0"/>
+                    </a:p>
+                  </a:txBody>
+                  <a:tcPr/>
+                </a:tc>
+                <a:extLst>
+                  <a:ext uri="{0D108BD9-81ED-4DB2-BD59-A6C34878D82A}">
+                    <a16:rowId xmlns:a16="http://schemas.microsoft.com/office/drawing/2014/main" val="1880224160"/>
+                  </a:ext>
+                </a:extLst>
+              </a:tr>
+              <a:tr h="370840">
+                <a:tc>
+                  <a:txBody>
+                    <a:bodyPr/>
+                    <a:lstStyle/>
+                    <a:p>
+                      <a:r>
+                        <a:rPr lang="en-US" dirty="0" smtClean="0"/>
+                        <a:t>Execution</a:t>
+                      </a:r>
+                      <a:r>
+                        <a:rPr lang="en-US" baseline="0" dirty="0" smtClean="0"/>
+                        <a:t> Time Limit</a:t>
+                      </a:r>
+                      <a:endParaRPr lang="en-US" dirty="0"/>
+                    </a:p>
+                  </a:txBody>
+                  <a:tcPr/>
+                </a:tc>
+                <a:tc>
+                  <a:txBody>
+                    <a:bodyPr/>
+                    <a:lstStyle/>
+                    <a:p>
+                      <a:r>
+                        <a:rPr lang="en-US" dirty="0" smtClean="0"/>
+                        <a:t>G</a:t>
+                      </a:r>
+                      <a:r>
+                        <a:rPr lang="en-US" baseline="0" dirty="0" smtClean="0"/>
+                        <a:t>enerally </a:t>
+                      </a:r>
+                      <a:r>
+                        <a:rPr lang="en-US" baseline="0" dirty="0" smtClean="0"/>
+                        <a:t>10 minutes, but 230 seconds for HTTP </a:t>
+                      </a:r>
+                      <a:r>
+                        <a:rPr lang="en-US" baseline="0" dirty="0" smtClean="0"/>
+                        <a:t>triggers</a:t>
+                      </a:r>
+                      <a:endParaRPr lang="en-US" dirty="0"/>
+                    </a:p>
+                  </a:txBody>
+                  <a:tcPr/>
+                </a:tc>
+                <a:tc>
+                  <a:txBody>
+                    <a:bodyPr/>
+                    <a:lstStyle/>
+                    <a:p>
+                      <a:r>
+                        <a:rPr lang="en-US" dirty="0" smtClean="0"/>
+                        <a:t>Unlimited</a:t>
+                      </a:r>
+                      <a:endParaRPr lang="en-US" dirty="0"/>
+                    </a:p>
+                  </a:txBody>
+                  <a:tcPr/>
+                </a:tc>
+                <a:extLst>
+                  <a:ext uri="{0D108BD9-81ED-4DB2-BD59-A6C34878D82A}">
+                    <a16:rowId xmlns:a16="http://schemas.microsoft.com/office/drawing/2014/main" val="1655884168"/>
+                  </a:ext>
+                </a:extLst>
+              </a:tr>
+              <a:tr h="370840">
+                <a:tc>
+                  <a:txBody>
+                    <a:bodyPr/>
+                    <a:lstStyle/>
+                    <a:p>
+                      <a:r>
+                        <a:rPr lang="en-US" dirty="0" smtClean="0"/>
+                        <a:t>Scalability</a:t>
+                      </a:r>
+                      <a:endParaRPr lang="en-US" dirty="0"/>
+                    </a:p>
+                  </a:txBody>
+                  <a:tcPr/>
+                </a:tc>
+                <a:tc>
+                  <a:txBody>
+                    <a:bodyPr/>
+                    <a:lstStyle/>
+                    <a:p>
+                      <a:r>
+                        <a:rPr lang="en-US" baseline="0" dirty="0" smtClean="0"/>
+                        <a:t>Scales out well without configuration</a:t>
+                      </a:r>
+                      <a:endParaRPr lang="en-US" dirty="0"/>
+                    </a:p>
+                  </a:txBody>
+                  <a:tcPr/>
+                </a:tc>
+                <a:tc>
+                  <a:txBody>
+                    <a:bodyPr/>
+                    <a:lstStyle/>
+                    <a:p>
+                      <a:r>
+                        <a:rPr lang="en-US" dirty="0" smtClean="0"/>
+                        <a:t>Can be configured to scale out and/or up</a:t>
+                      </a:r>
+                      <a:endParaRPr lang="en-US" dirty="0"/>
+                    </a:p>
+                  </a:txBody>
+                  <a:tcPr/>
+                </a:tc>
+                <a:extLst>
+                  <a:ext uri="{0D108BD9-81ED-4DB2-BD59-A6C34878D82A}">
+                    <a16:rowId xmlns:a16="http://schemas.microsoft.com/office/drawing/2014/main" val="952296628"/>
+                  </a:ext>
+                </a:extLst>
+              </a:tr>
+              <a:tr h="370840">
+                <a:tc>
+                  <a:txBody>
+                    <a:bodyPr/>
+                    <a:lstStyle/>
+                    <a:p>
+                      <a:r>
+                        <a:rPr lang="en-US" dirty="0" smtClean="0"/>
+                        <a:t>Latency</a:t>
+                      </a:r>
+                      <a:endParaRPr lang="en-US" dirty="0"/>
+                    </a:p>
+                  </a:txBody>
+                  <a:tcPr/>
+                </a:tc>
+                <a:tc>
+                  <a:txBody>
+                    <a:bodyPr/>
+                    <a:lstStyle/>
+                    <a:p>
+                      <a:r>
+                        <a:rPr lang="en-US" dirty="0" smtClean="0"/>
+                        <a:t>Can</a:t>
+                      </a:r>
+                      <a:r>
+                        <a:rPr lang="en-US" baseline="0" dirty="0" smtClean="0"/>
+                        <a:t> take 10 – 20 seconds to warm up</a:t>
+                      </a:r>
+                      <a:endParaRPr lang="en-US" dirty="0"/>
+                    </a:p>
+                  </a:txBody>
+                  <a:tcPr/>
+                </a:tc>
+                <a:tc>
+                  <a:txBody>
+                    <a:bodyPr/>
+                    <a:lstStyle/>
+                    <a:p>
+                      <a:r>
+                        <a:rPr lang="en-US" dirty="0" smtClean="0"/>
+                        <a:t>Can be configured as “Always</a:t>
+                      </a:r>
+                      <a:r>
+                        <a:rPr lang="en-US" baseline="0" dirty="0" smtClean="0"/>
+                        <a:t> on” to eliminate cold start</a:t>
+                      </a:r>
+                      <a:endParaRPr lang="en-US" dirty="0"/>
+                    </a:p>
+                  </a:txBody>
+                  <a:tcPr/>
+                </a:tc>
+                <a:extLst>
+                  <a:ext uri="{0D108BD9-81ED-4DB2-BD59-A6C34878D82A}">
+                    <a16:rowId xmlns:a16="http://schemas.microsoft.com/office/drawing/2014/main" val="2322260098"/>
+                  </a:ext>
+                </a:extLst>
+              </a:tr>
+              <a:tr h="370840">
+                <a:tc>
+                  <a:txBody>
+                    <a:bodyPr/>
+                    <a:lstStyle/>
+                    <a:p>
+                      <a:r>
+                        <a:rPr lang="en-US" dirty="0" smtClean="0"/>
+                        <a:t>Maintain</a:t>
+                      </a:r>
+                      <a:r>
+                        <a:rPr lang="en-US" baseline="0" dirty="0" smtClean="0"/>
+                        <a:t> State in Memory</a:t>
+                      </a:r>
+                      <a:endParaRPr lang="en-US" dirty="0"/>
+                    </a:p>
+                  </a:txBody>
+                  <a:tcPr/>
+                </a:tc>
+                <a:tc>
+                  <a:txBody>
+                    <a:bodyPr/>
+                    <a:lstStyle/>
+                    <a:p>
+                      <a:r>
+                        <a:rPr lang="en-US" dirty="0" smtClean="0"/>
+                        <a:t>Not possible</a:t>
+                      </a:r>
+                      <a:endParaRPr lang="en-US" dirty="0"/>
+                    </a:p>
+                  </a:txBody>
+                  <a:tcPr/>
+                </a:tc>
+                <a:tc>
+                  <a:txBody>
+                    <a:bodyPr/>
+                    <a:lstStyle/>
+                    <a:p>
+                      <a:r>
+                        <a:rPr lang="en-US" dirty="0" smtClean="0"/>
+                        <a:t>Technically</a:t>
+                      </a:r>
+                      <a:r>
+                        <a:rPr lang="en-US" baseline="0" dirty="0" smtClean="0"/>
+                        <a:t> possible when always on, but not recommended because it limits scaling out</a:t>
+                      </a:r>
+                      <a:endParaRPr lang="en-US" dirty="0"/>
+                    </a:p>
+                  </a:txBody>
+                  <a:tcPr/>
+                </a:tc>
+                <a:extLst>
+                  <a:ext uri="{0D108BD9-81ED-4DB2-BD59-A6C34878D82A}">
+                    <a16:rowId xmlns:a16="http://schemas.microsoft.com/office/drawing/2014/main" val="2111366119"/>
+                  </a:ext>
+                </a:extLst>
+              </a:tr>
+              <a:tr h="370840">
+                <a:tc>
+                  <a:txBody>
+                    <a:bodyPr/>
+                    <a:lstStyle/>
+                    <a:p>
+                      <a:r>
+                        <a:rPr lang="en-US" dirty="0" smtClean="0"/>
+                        <a:t>General Use</a:t>
+                      </a:r>
+                      <a:r>
+                        <a:rPr lang="en-US" baseline="0" dirty="0" smtClean="0"/>
+                        <a:t> Case</a:t>
+                      </a:r>
+                      <a:endParaRPr lang="en-US" dirty="0"/>
+                    </a:p>
+                  </a:txBody>
+                  <a:tcPr/>
+                </a:tc>
+                <a:tc>
+                  <a:txBody>
+                    <a:bodyPr/>
+                    <a:lstStyle/>
+                    <a:p>
+                      <a:r>
+                        <a:rPr lang="en-US" dirty="0" smtClean="0"/>
+                        <a:t>Small, isolated,</a:t>
+                      </a:r>
+                      <a:r>
+                        <a:rPr lang="en-US" baseline="0" dirty="0" smtClean="0"/>
+                        <a:t> lightweight functionality</a:t>
+                      </a:r>
+                      <a:endParaRPr lang="en-US" dirty="0"/>
+                    </a:p>
+                  </a:txBody>
+                  <a:tcPr/>
+                </a:tc>
+                <a:tc>
+                  <a:txBody>
+                    <a:bodyPr/>
+                    <a:lstStyle/>
+                    <a:p>
+                      <a:r>
+                        <a:rPr lang="en-US" dirty="0" smtClean="0"/>
+                        <a:t>Large</a:t>
+                      </a:r>
+                      <a:r>
+                        <a:rPr lang="en-US" baseline="0" dirty="0" smtClean="0"/>
+                        <a:t>r set of cohesive functionality</a:t>
+                      </a:r>
+                      <a:endParaRPr lang="en-US" dirty="0"/>
+                    </a:p>
+                  </a:txBody>
+                  <a:tcPr/>
+                </a:tc>
+                <a:extLst>
+                  <a:ext uri="{0D108BD9-81ED-4DB2-BD59-A6C34878D82A}">
+                    <a16:rowId xmlns:a16="http://schemas.microsoft.com/office/drawing/2014/main" val="3459902393"/>
+                  </a:ext>
+                </a:extLst>
+              </a:tr>
+            </a:tbl>
+          </a:graphicData>
+        </a:graphic>
+      </p:graphicFrame>
+    </p:spTree>
+    <p:extLst>
+      <p:ext uri="{BB962C8B-B14F-4D97-AF65-F5344CB8AC3E}">
+        <p14:creationId xmlns:p14="http://schemas.microsoft.com/office/powerpoint/2010/main" val="2788603424"/>
+      </p:ext>
+    </p:extLst>
+  </p:cSld>
+  <p:clrMapOvr>
+    <a:masterClrMapping/>
+  </p:clrMapOvr>
+</p:sld>
+</file>
+
 <file path=ppt/slides/slide7.xml><?xml version="1.0" encoding="utf-8"?>
 <p:sld xmlns:a="http://schemas.openxmlformats.org/drawingml/2006/main" xmlns:r="http://schemas.openxmlformats.org/officeDocument/2006/relationships" xmlns:p="http://schemas.openxmlformats.org/presentationml/2006/main">
   <p:cSld>
@@ -4002,7 +6772,7 @@
           <a:p>
             <a:r>
               <a:rPr lang="en-US" dirty="0" smtClean="0"/>
-              <a:t>Sprint 3: Retrospective</a:t>
+              <a:t>User Interface</a:t>
             </a:r>
             <a:endParaRPr lang="en-US" dirty="0"/>
           </a:p>
@@ -4025,7 +6795,24 @@
           <a:p>
             <a:r>
               <a:rPr lang="en-US" dirty="0" smtClean="0"/>
-              <a:t>TODO</a:t>
+              <a:t>Could use almost any web technology since there is a JavaScript Event Hub Client SDK</a:t>
+            </a:r>
+          </a:p>
+          <a:p>
+            <a:endParaRPr lang="en-US" dirty="0"/>
+          </a:p>
+          <a:p>
+            <a:r>
+              <a:rPr lang="en-US" dirty="0" smtClean="0"/>
+              <a:t>Choosing ASP.NET </a:t>
+            </a:r>
+            <a:r>
+              <a:rPr lang="en-US" dirty="0" err="1" smtClean="0"/>
+              <a:t>Blazor</a:t>
+            </a:r>
+            <a:r>
+              <a:rPr lang="en-US" dirty="0" smtClean="0"/>
+              <a:t> to consolidate technologies for the workshop</a:t>
             </a:r>
             <a:endParaRPr lang="en-US" dirty="0"/>
           </a:p>
@@ -4034,7 +6821,376 @@
     </p:spTree>
     <p:extLst>
       <p:ext uri="{BB962C8B-B14F-4D97-AF65-F5344CB8AC3E}">
-        <p14:creationId xmlns:p14="http://schemas.microsoft.com/office/powerpoint/2010/main" val="1471526909"/>
+        <p14:creationId xmlns:p14="http://schemas.microsoft.com/office/powerpoint/2010/main" val="1274145071"/>
+      </p:ext>
+    </p:extLst>
+  </p:cSld>
+  <p:clrMapOvr>
+    <a:masterClrMapping/>
+  </p:clrMapOvr>
+</p:sld>
+</file>
+
+<file path=ppt/slides/slide8.xml><?xml version="1.0" encoding="utf-8"?>
+<p:sld xmlns:a="http://schemas.openxmlformats.org/drawingml/2006/main" xmlns:r="http://schemas.openxmlformats.org/officeDocument/2006/relationships" xmlns:p="http://schemas.openxmlformats.org/presentationml/2006/main">
+  <p:cSld>
+    <p:spTree>
+      <p:nvGrpSpPr>
+        <p:cNvPr id="1" name=""/>
+        <p:cNvGrpSpPr/>
+        <p:nvPr/>
+      </p:nvGrpSpPr>
+      <p:grpSpPr>
+        <a:xfrm>
+          <a:off x="0" y="0"/>
+          <a:ext cx="0" cy="0"/>
+          <a:chOff x="0" y="0"/>
+          <a:chExt cx="0" cy="0"/>
+        </a:xfrm>
+      </p:grpSpPr>
+      <p:sp>
+        <p:nvSpPr>
+          <p:cNvPr id="2" name="Title 1"/>
+          <p:cNvSpPr>
+            <a:spLocks noGrp="1"/>
+          </p:cNvSpPr>
+          <p:nvPr>
+            <p:ph type="title"/>
+          </p:nvPr>
+        </p:nvSpPr>
+        <p:spPr/>
+        <p:txBody>
+          <a:bodyPr/>
+          <a:lstStyle/>
+          <a:p>
+            <a:r>
+              <a:rPr lang="en-US" dirty="0" smtClean="0"/>
+              <a:t>Approach</a:t>
+            </a:r>
+            <a:endParaRPr lang="en-US" dirty="0"/>
+          </a:p>
+        </p:txBody>
+      </p:sp>
+      <p:sp>
+        <p:nvSpPr>
+          <p:cNvPr id="3" name="Content Placeholder 2"/>
+          <p:cNvSpPr>
+            <a:spLocks noGrp="1"/>
+          </p:cNvSpPr>
+          <p:nvPr>
+            <p:ph idx="1"/>
+          </p:nvPr>
+        </p:nvSpPr>
+        <p:spPr/>
+        <p:txBody>
+          <a:bodyPr>
+            <a:normAutofit fontScale="92500" lnSpcReduction="20000"/>
+          </a:bodyPr>
+          <a:lstStyle/>
+          <a:p>
+            <a:r>
+              <a:rPr lang="en-US" dirty="0" smtClean="0"/>
+              <a:t>Routing Service provided and almost ready to deploy</a:t>
+            </a:r>
+          </a:p>
+          <a:p>
+            <a:pPr lvl="1"/>
+            <a:r>
+              <a:rPr lang="en-US" dirty="0" smtClean="0"/>
+              <a:t>Needs some configuration updates as defined in following tasks</a:t>
+            </a:r>
+          </a:p>
+          <a:p>
+            <a:pPr lvl="1"/>
+            <a:endParaRPr lang="en-US" dirty="0" smtClean="0"/>
+          </a:p>
+          <a:p>
+            <a:r>
+              <a:rPr lang="en-US" dirty="0" smtClean="0"/>
+              <a:t>We’ll use Azure Resource Manager (ARM) scripts to generate the new event hubs, shared access policies, and BLOB containers for hub offsets</a:t>
+            </a:r>
+          </a:p>
+          <a:p>
+            <a:pPr lvl="1"/>
+            <a:endParaRPr lang="en-US" dirty="0"/>
+          </a:p>
+          <a:p>
+            <a:r>
+              <a:rPr lang="en-US" dirty="0" smtClean="0"/>
+              <a:t>Using different consumers so each can manage streams independently</a:t>
+            </a:r>
+          </a:p>
+          <a:p>
+            <a:endParaRPr lang="en-US" dirty="0"/>
+          </a:p>
+          <a:p>
+            <a:r>
+              <a:rPr lang="en-US" dirty="0"/>
+              <a:t>Event Hub slightly different than Function with Event Hub trigger</a:t>
+            </a:r>
+          </a:p>
+          <a:p>
+            <a:endParaRPr lang="en-US" dirty="0" smtClean="0"/>
+          </a:p>
+          <a:p>
+            <a:r>
+              <a:rPr lang="en-US" dirty="0" smtClean="0"/>
+              <a:t>We’ll just use the UI locally without deploying</a:t>
+            </a:r>
+            <a:endParaRPr lang="en-US" dirty="0"/>
+          </a:p>
+          <a:p>
+            <a:endParaRPr lang="en-US" dirty="0"/>
+          </a:p>
+        </p:txBody>
+      </p:sp>
+    </p:spTree>
+    <p:extLst>
+      <p:ext uri="{BB962C8B-B14F-4D97-AF65-F5344CB8AC3E}">
+        <p14:creationId xmlns:p14="http://schemas.microsoft.com/office/powerpoint/2010/main" val="2482624167"/>
+      </p:ext>
+    </p:extLst>
+  </p:cSld>
+  <p:clrMapOvr>
+    <a:masterClrMapping/>
+  </p:clrMapOvr>
+</p:sld>
+</file>
+
+<file path=ppt/slides/slide9.xml><?xml version="1.0" encoding="utf-8"?>
+<p:sld xmlns:a="http://schemas.openxmlformats.org/drawingml/2006/main" xmlns:r="http://schemas.openxmlformats.org/officeDocument/2006/relationships" xmlns:p="http://schemas.openxmlformats.org/presentationml/2006/main">
+  <p:cSld>
+    <p:spTree>
+      <p:nvGrpSpPr>
+        <p:cNvPr id="1" name=""/>
+        <p:cNvGrpSpPr/>
+        <p:nvPr/>
+      </p:nvGrpSpPr>
+      <p:grpSpPr>
+        <a:xfrm>
+          <a:off x="0" y="0"/>
+          <a:ext cx="0" cy="0"/>
+          <a:chOff x="0" y="0"/>
+          <a:chExt cx="0" cy="0"/>
+        </a:xfrm>
+      </p:grpSpPr>
+      <p:sp>
+        <p:nvSpPr>
+          <p:cNvPr id="2" name="Title 1"/>
+          <p:cNvSpPr>
+            <a:spLocks noGrp="1"/>
+          </p:cNvSpPr>
+          <p:nvPr>
+            <p:ph type="title"/>
+          </p:nvPr>
+        </p:nvSpPr>
+        <p:spPr/>
+        <p:txBody>
+          <a:bodyPr>
+            <a:normAutofit/>
+          </a:bodyPr>
+          <a:lstStyle/>
+          <a:p>
+            <a:r>
+              <a:rPr lang="en-US" dirty="0" smtClean="0"/>
+              <a:t>Task 3-1: Deploy Routing Service</a:t>
+            </a:r>
+            <a:br>
+              <a:rPr lang="en-US" dirty="0" smtClean="0"/>
+            </a:br>
+            <a:r>
+              <a:rPr lang="en-US" dirty="0" smtClean="0"/>
+              <a:t>Messaging Items</a:t>
+            </a:r>
+            <a:endParaRPr lang="en-US" dirty="0"/>
+          </a:p>
+        </p:txBody>
+      </p:sp>
+      <p:sp>
+        <p:nvSpPr>
+          <p:cNvPr id="3" name="Content Placeholder 2"/>
+          <p:cNvSpPr>
+            <a:spLocks noGrp="1"/>
+          </p:cNvSpPr>
+          <p:nvPr>
+            <p:ph idx="1"/>
+          </p:nvPr>
+        </p:nvSpPr>
+        <p:spPr/>
+        <p:txBody>
+          <a:bodyPr>
+            <a:normAutofit fontScale="55000" lnSpcReduction="20000"/>
+          </a:bodyPr>
+          <a:lstStyle/>
+          <a:p>
+            <a:r>
+              <a:rPr lang="en-US" dirty="0"/>
+              <a:t>ARM template: </a:t>
+            </a:r>
+            <a:r>
+              <a:rPr lang="en-US" dirty="0" err="1"/>
+              <a:t>ArmScripts</a:t>
+            </a:r>
+            <a:r>
+              <a:rPr lang="en-US" dirty="0"/>
+              <a:t>\Sprint3_RoutingServiceMessagingItems.json</a:t>
+            </a:r>
+          </a:p>
+          <a:p>
+            <a:pPr lvl="1"/>
+            <a:r>
+              <a:rPr lang="en-US" dirty="0" smtClean="0"/>
+              <a:t>??? Globally unique name???</a:t>
+            </a:r>
+          </a:p>
+          <a:p>
+            <a:endParaRPr lang="en-US" dirty="0" smtClean="0"/>
+          </a:p>
+          <a:p>
+            <a:r>
+              <a:rPr lang="en-US" dirty="0" smtClean="0"/>
+              <a:t>New hubs</a:t>
+            </a:r>
+          </a:p>
+          <a:p>
+            <a:pPr lvl="1"/>
+            <a:r>
+              <a:rPr lang="en-US" dirty="0" err="1" smtClean="0"/>
+              <a:t>getRequest</a:t>
+            </a:r>
+            <a:endParaRPr lang="en-US" dirty="0" smtClean="0"/>
+          </a:p>
+          <a:p>
+            <a:pPr lvl="1"/>
+            <a:r>
+              <a:rPr lang="en-US" dirty="0" err="1" smtClean="0"/>
+              <a:t>requestAssigned</a:t>
+            </a:r>
+            <a:endParaRPr lang="en-US" dirty="0" smtClean="0"/>
+          </a:p>
+          <a:p>
+            <a:endParaRPr lang="en-US" dirty="0" smtClean="0"/>
+          </a:p>
+          <a:p>
+            <a:r>
+              <a:rPr lang="en-US" dirty="0" smtClean="0"/>
+              <a:t>Share Access Policies</a:t>
+            </a:r>
+          </a:p>
+          <a:p>
+            <a:pPr lvl="1"/>
+            <a:r>
+              <a:rPr lang="en-US" dirty="0" err="1" smtClean="0"/>
+              <a:t>requestNotAutoApproved</a:t>
+            </a:r>
+            <a:r>
+              <a:rPr lang="en-US" dirty="0" smtClean="0"/>
+              <a:t> listener</a:t>
+            </a:r>
+          </a:p>
+          <a:p>
+            <a:pPr lvl="1"/>
+            <a:r>
+              <a:rPr lang="en-US" dirty="0" err="1" smtClean="0"/>
+              <a:t>decidedRequests</a:t>
+            </a:r>
+            <a:r>
+              <a:rPr lang="en-US" dirty="0" smtClean="0"/>
+              <a:t> listener</a:t>
+            </a:r>
+          </a:p>
+          <a:p>
+            <a:pPr lvl="1"/>
+            <a:r>
+              <a:rPr lang="en-US" dirty="0" err="1" smtClean="0"/>
+              <a:t>getRequest</a:t>
+            </a:r>
+            <a:r>
+              <a:rPr lang="en-US" dirty="0" smtClean="0"/>
+              <a:t> listener</a:t>
+            </a:r>
+          </a:p>
+          <a:p>
+            <a:pPr lvl="1"/>
+            <a:r>
+              <a:rPr lang="en-US" dirty="0" err="1" smtClean="0"/>
+              <a:t>requestAssigned</a:t>
+            </a:r>
+            <a:r>
+              <a:rPr lang="en-US" dirty="0" smtClean="0"/>
+              <a:t> sender</a:t>
+            </a:r>
+            <a:endParaRPr lang="en-US" dirty="0"/>
+          </a:p>
+          <a:p>
+            <a:endParaRPr lang="en-US" dirty="0" smtClean="0"/>
+          </a:p>
+          <a:p>
+            <a:r>
+              <a:rPr lang="en-US" dirty="0" smtClean="0"/>
+              <a:t>Consumer Groups</a:t>
+            </a:r>
+          </a:p>
+          <a:p>
+            <a:pPr lvl="1"/>
+            <a:r>
+              <a:rPr lang="en-US" dirty="0" err="1" smtClean="0"/>
+              <a:t>requestNotAutoApproved</a:t>
+            </a:r>
+            <a:endParaRPr lang="en-US" dirty="0"/>
+          </a:p>
+          <a:p>
+            <a:pPr lvl="1"/>
+            <a:r>
+              <a:rPr lang="en-US" dirty="0" err="1" smtClean="0"/>
+              <a:t>decidedRequests</a:t>
+            </a:r>
+            <a:endParaRPr lang="en-US" dirty="0"/>
+          </a:p>
+          <a:p>
+            <a:pPr lvl="1"/>
+            <a:r>
+              <a:rPr lang="en-US" dirty="0" err="1" smtClean="0"/>
+              <a:t>getRequest</a:t>
+            </a:r>
+            <a:endParaRPr lang="en-US" dirty="0"/>
+          </a:p>
+        </p:txBody>
+      </p:sp>
+      <p:pic>
+        <p:nvPicPr>
+          <p:cNvPr id="4" name="Picture 3"/>
+          <p:cNvPicPr>
+            <a:picLocks noChangeAspect="1"/>
+          </p:cNvPicPr>
+          <p:nvPr/>
+        </p:nvPicPr>
+        <p:blipFill>
+          <a:blip r:embed="rId2" cstate="print">
+            <a:extLst>
+              <a:ext uri="{28A0092B-C50C-407E-A947-70E740481C1C}">
+                <a14:useLocalDpi xmlns:a14="http://schemas.microsoft.com/office/drawing/2010/main" val="0"/>
+              </a:ext>
+            </a:extLst>
+          </a:blip>
+          <a:stretch>
+            <a:fillRect/>
+          </a:stretch>
+        </p:blipFill>
+        <p:spPr>
+          <a:xfrm>
+            <a:off x="9135291" y="274630"/>
+            <a:ext cx="2455817" cy="1381224"/>
+          </a:xfrm>
+          <a:prstGeom prst="rect">
+            <a:avLst/>
+          </a:prstGeom>
+        </p:spPr>
+      </p:pic>
+    </p:spTree>
+    <p:extLst>
+      <p:ext uri="{BB962C8B-B14F-4D97-AF65-F5344CB8AC3E}">
+        <p14:creationId xmlns:p14="http://schemas.microsoft.com/office/powerpoint/2010/main" val="792998524"/>
       </p:ext>
     </p:extLst>
   </p:cSld>

--- a/Sprint3/EdaWorkshop_Sprint3.pptx
+++ b/Sprint3/EdaWorkshop_Sprint3.pptx
@@ -6,19 +6,18 @@
   </p:sldMasterIdLst>
   <p:sldIdLst>
     <p:sldId id="281" r:id="rId2"/>
-    <p:sldId id="308" r:id="rId3"/>
-    <p:sldId id="309" r:id="rId4"/>
-    <p:sldId id="310" r:id="rId5"/>
-    <p:sldId id="282" r:id="rId6"/>
-    <p:sldId id="313" r:id="rId7"/>
-    <p:sldId id="314" r:id="rId8"/>
-    <p:sldId id="316" r:id="rId9"/>
-    <p:sldId id="317" r:id="rId10"/>
-    <p:sldId id="318" r:id="rId11"/>
-    <p:sldId id="319" r:id="rId12"/>
-    <p:sldId id="311" r:id="rId13"/>
-    <p:sldId id="315" r:id="rId14"/>
-    <p:sldId id="312" r:id="rId15"/>
+    <p:sldId id="309" r:id="rId3"/>
+    <p:sldId id="310" r:id="rId4"/>
+    <p:sldId id="282" r:id="rId5"/>
+    <p:sldId id="313" r:id="rId6"/>
+    <p:sldId id="314" r:id="rId7"/>
+    <p:sldId id="316" r:id="rId8"/>
+    <p:sldId id="317" r:id="rId9"/>
+    <p:sldId id="318" r:id="rId10"/>
+    <p:sldId id="319" r:id="rId11"/>
+    <p:sldId id="311" r:id="rId12"/>
+    <p:sldId id="315" r:id="rId13"/>
+    <p:sldId id="312" r:id="rId14"/>
   </p:sldIdLst>
   <p:sldSz cx="12192000" cy="6858000"/>
   <p:notesSz cx="6858000" cy="9144000"/>
@@ -256,7 +255,7 @@
           <a:p>
             <a:fld id="{0B5D536D-AE8C-4EAC-8CEB-B18A64A144B4}" type="datetimeFigureOut">
               <a:rPr lang="en-US" smtClean="0"/>
-              <a:t>9/25/2021</a:t>
+              <a:t>9/28/2021</a:t>
             </a:fld>
             <a:endParaRPr lang="en-US"/>
           </a:p>
@@ -426,7 +425,7 @@
           <a:p>
             <a:fld id="{0B5D536D-AE8C-4EAC-8CEB-B18A64A144B4}" type="datetimeFigureOut">
               <a:rPr lang="en-US" smtClean="0"/>
-              <a:t>9/25/2021</a:t>
+              <a:t>9/28/2021</a:t>
             </a:fld>
             <a:endParaRPr lang="en-US"/>
           </a:p>
@@ -606,7 +605,7 @@
           <a:p>
             <a:fld id="{0B5D536D-AE8C-4EAC-8CEB-B18A64A144B4}" type="datetimeFigureOut">
               <a:rPr lang="en-US" smtClean="0"/>
-              <a:t>9/25/2021</a:t>
+              <a:t>9/28/2021</a:t>
             </a:fld>
             <a:endParaRPr lang="en-US"/>
           </a:p>
@@ -776,7 +775,7 @@
           <a:p>
             <a:fld id="{0B5D536D-AE8C-4EAC-8CEB-B18A64A144B4}" type="datetimeFigureOut">
               <a:rPr lang="en-US" smtClean="0"/>
-              <a:t>9/25/2021</a:t>
+              <a:t>9/28/2021</a:t>
             </a:fld>
             <a:endParaRPr lang="en-US"/>
           </a:p>
@@ -1022,7 +1021,7 @@
           <a:p>
             <a:fld id="{0B5D536D-AE8C-4EAC-8CEB-B18A64A144B4}" type="datetimeFigureOut">
               <a:rPr lang="en-US" smtClean="0"/>
-              <a:t>9/25/2021</a:t>
+              <a:t>9/28/2021</a:t>
             </a:fld>
             <a:endParaRPr lang="en-US"/>
           </a:p>
@@ -1254,7 +1253,7 @@
           <a:p>
             <a:fld id="{0B5D536D-AE8C-4EAC-8CEB-B18A64A144B4}" type="datetimeFigureOut">
               <a:rPr lang="en-US" smtClean="0"/>
-              <a:t>9/25/2021</a:t>
+              <a:t>9/28/2021</a:t>
             </a:fld>
             <a:endParaRPr lang="en-US"/>
           </a:p>
@@ -1621,7 +1620,7 @@
           <a:p>
             <a:fld id="{0B5D536D-AE8C-4EAC-8CEB-B18A64A144B4}" type="datetimeFigureOut">
               <a:rPr lang="en-US" smtClean="0"/>
-              <a:t>9/25/2021</a:t>
+              <a:t>9/28/2021</a:t>
             </a:fld>
             <a:endParaRPr lang="en-US"/>
           </a:p>
@@ -1739,7 +1738,7 @@
           <a:p>
             <a:fld id="{0B5D536D-AE8C-4EAC-8CEB-B18A64A144B4}" type="datetimeFigureOut">
               <a:rPr lang="en-US" smtClean="0"/>
-              <a:t>9/25/2021</a:t>
+              <a:t>9/28/2021</a:t>
             </a:fld>
             <a:endParaRPr lang="en-US"/>
           </a:p>
@@ -1834,7 +1833,7 @@
           <a:p>
             <a:fld id="{0B5D536D-AE8C-4EAC-8CEB-B18A64A144B4}" type="datetimeFigureOut">
               <a:rPr lang="en-US" smtClean="0"/>
-              <a:t>9/25/2021</a:t>
+              <a:t>9/28/2021</a:t>
             </a:fld>
             <a:endParaRPr lang="en-US"/>
           </a:p>
@@ -2111,7 +2110,7 @@
           <a:p>
             <a:fld id="{0B5D536D-AE8C-4EAC-8CEB-B18A64A144B4}" type="datetimeFigureOut">
               <a:rPr lang="en-US" smtClean="0"/>
-              <a:t>9/25/2021</a:t>
+              <a:t>9/28/2021</a:t>
             </a:fld>
             <a:endParaRPr lang="en-US"/>
           </a:p>
@@ -2364,7 +2363,7 @@
           <a:p>
             <a:fld id="{0B5D536D-AE8C-4EAC-8CEB-B18A64A144B4}" type="datetimeFigureOut">
               <a:rPr lang="en-US" smtClean="0"/>
-              <a:t>9/25/2021</a:t>
+              <a:t>9/28/2021</a:t>
             </a:fld>
             <a:endParaRPr lang="en-US"/>
           </a:p>
@@ -2577,7 +2576,7 @@
           <a:p>
             <a:fld id="{0B5D536D-AE8C-4EAC-8CEB-B18A64A144B4}" type="datetimeFigureOut">
               <a:rPr lang="en-US" smtClean="0"/>
-              <a:t>9/25/2021</a:t>
+              <a:t>9/28/2021</a:t>
             </a:fld>
             <a:endParaRPr lang="en-US"/>
           </a:p>
@@ -3046,188 +3045,6 @@
 </file>
 
 <file path=ppt/slides/slide10.xml><?xml version="1.0" encoding="utf-8"?>
-<p:sld xmlns:a="http://schemas.openxmlformats.org/drawingml/2006/main" xmlns:r="http://schemas.openxmlformats.org/officeDocument/2006/relationships" xmlns:p="http://schemas.openxmlformats.org/presentationml/2006/main">
-  <p:cSld>
-    <p:spTree>
-      <p:nvGrpSpPr>
-        <p:cNvPr id="1" name=""/>
-        <p:cNvGrpSpPr/>
-        <p:nvPr/>
-      </p:nvGrpSpPr>
-      <p:grpSpPr>
-        <a:xfrm>
-          <a:off x="0" y="0"/>
-          <a:ext cx="0" cy="0"/>
-          <a:chOff x="0" y="0"/>
-          <a:chExt cx="0" cy="0"/>
-        </a:xfrm>
-      </p:grpSpPr>
-      <p:sp>
-        <p:nvSpPr>
-          <p:cNvPr id="2" name="Title 1"/>
-          <p:cNvSpPr>
-            <a:spLocks noGrp="1"/>
-          </p:cNvSpPr>
-          <p:nvPr>
-            <p:ph type="title"/>
-          </p:nvPr>
-        </p:nvSpPr>
-        <p:spPr/>
-        <p:txBody>
-          <a:bodyPr/>
-          <a:lstStyle/>
-          <a:p>
-            <a:r>
-              <a:rPr lang="en-US" dirty="0" smtClean="0"/>
-              <a:t>Task 3-2: Deploy UI Messaging Items</a:t>
-            </a:r>
-            <a:endParaRPr lang="en-US" dirty="0"/>
-          </a:p>
-        </p:txBody>
-      </p:sp>
-      <p:sp>
-        <p:nvSpPr>
-          <p:cNvPr id="3" name="Content Placeholder 2"/>
-          <p:cNvSpPr>
-            <a:spLocks noGrp="1"/>
-          </p:cNvSpPr>
-          <p:nvPr>
-            <p:ph idx="1"/>
-          </p:nvPr>
-        </p:nvSpPr>
-        <p:spPr/>
-        <p:txBody>
-          <a:bodyPr>
-            <a:normAutofit lnSpcReduction="10000"/>
-          </a:bodyPr>
-          <a:lstStyle/>
-          <a:p>
-            <a:r>
-              <a:rPr lang="en-US" dirty="0"/>
-              <a:t>ARM template: </a:t>
-            </a:r>
-            <a:r>
-              <a:rPr lang="en-US" dirty="0" err="1" smtClean="0"/>
-              <a:t>ArmScripts</a:t>
-            </a:r>
-            <a:r>
-              <a:rPr lang="en-US" dirty="0" smtClean="0"/>
-              <a:t>\Sprint3_UIMessagingItems.json</a:t>
-            </a:r>
-            <a:endParaRPr lang="en-US" dirty="0"/>
-          </a:p>
-          <a:p>
-            <a:pPr lvl="1"/>
-            <a:r>
-              <a:rPr lang="en-US" dirty="0"/>
-              <a:t>??? Globally unique name???</a:t>
-            </a:r>
-          </a:p>
-          <a:p>
-            <a:endParaRPr lang="en-US" dirty="0" smtClean="0"/>
-          </a:p>
-          <a:p>
-            <a:r>
-              <a:rPr lang="en-US" dirty="0" smtClean="0"/>
-              <a:t>Share Access Policies</a:t>
-            </a:r>
-          </a:p>
-          <a:p>
-            <a:pPr lvl="1"/>
-            <a:r>
-              <a:rPr lang="en-US" dirty="0" err="1" smtClean="0"/>
-              <a:t>getRequest</a:t>
-            </a:r>
-            <a:r>
-              <a:rPr lang="en-US" dirty="0" smtClean="0"/>
-              <a:t> sender</a:t>
-            </a:r>
-          </a:p>
-          <a:p>
-            <a:pPr lvl="1"/>
-            <a:r>
-              <a:rPr lang="en-US" dirty="0" err="1" smtClean="0"/>
-              <a:t>requestAssigned</a:t>
-            </a:r>
-            <a:r>
-              <a:rPr lang="en-US" dirty="0" smtClean="0"/>
-              <a:t> listener</a:t>
-            </a:r>
-          </a:p>
-          <a:p>
-            <a:pPr lvl="1"/>
-            <a:r>
-              <a:rPr lang="en-US" dirty="0" err="1" smtClean="0"/>
-              <a:t>decidedRequests</a:t>
-            </a:r>
-            <a:r>
-              <a:rPr lang="en-US" dirty="0" smtClean="0"/>
-              <a:t> sender</a:t>
-            </a:r>
-          </a:p>
-          <a:p>
-            <a:endParaRPr lang="en-US" dirty="0" smtClean="0"/>
-          </a:p>
-          <a:p>
-            <a:r>
-              <a:rPr lang="en-US" dirty="0" smtClean="0"/>
-              <a:t>Consumer Groups</a:t>
-            </a:r>
-          </a:p>
-          <a:p>
-            <a:pPr lvl="1"/>
-            <a:r>
-              <a:rPr lang="en-US" dirty="0" err="1"/>
-              <a:t>requestAssigned</a:t>
-            </a:r>
-            <a:endParaRPr lang="en-US" dirty="0"/>
-          </a:p>
-        </p:txBody>
-      </p:sp>
-      <p:pic>
-        <p:nvPicPr>
-          <p:cNvPr id="4" name="Picture 3"/>
-          <p:cNvPicPr>
-            <a:picLocks noChangeAspect="1"/>
-          </p:cNvPicPr>
-          <p:nvPr/>
-        </p:nvPicPr>
-        <p:blipFill>
-          <a:blip r:embed="rId2" cstate="print">
-            <a:extLst>
-              <a:ext uri="{28A0092B-C50C-407E-A947-70E740481C1C}">
-                <a14:useLocalDpi xmlns:a14="http://schemas.microsoft.com/office/drawing/2010/main" val="0"/>
-              </a:ext>
-            </a:extLst>
-          </a:blip>
-          <a:stretch>
-            <a:fillRect/>
-          </a:stretch>
-        </p:blipFill>
-        <p:spPr>
-          <a:xfrm>
-            <a:off x="9135291" y="274630"/>
-            <a:ext cx="2455817" cy="1381224"/>
-          </a:xfrm>
-          <a:prstGeom prst="rect">
-            <a:avLst/>
-          </a:prstGeom>
-        </p:spPr>
-      </p:pic>
-    </p:spTree>
-    <p:extLst>
-      <p:ext uri="{BB962C8B-B14F-4D97-AF65-F5344CB8AC3E}">
-        <p14:creationId xmlns:p14="http://schemas.microsoft.com/office/powerpoint/2010/main" val="2855987682"/>
-      </p:ext>
-    </p:extLst>
-  </p:cSld>
-  <p:clrMapOvr>
-    <a:masterClrMapping/>
-  </p:clrMapOvr>
-</p:sld>
-</file>
-
-<file path=ppt/slides/slide11.xml><?xml version="1.0" encoding="utf-8"?>
 <p:sld xmlns:a="http://schemas.openxmlformats.org/drawingml/2006/main" xmlns:r="http://schemas.openxmlformats.org/officeDocument/2006/relationships" xmlns:p="http://schemas.openxmlformats.org/presentationml/2006/main">
   <p:cSld>
     <p:spTree>
@@ -3730,7 +3547,7 @@
 </p:sld>
 </file>
 
-<file path=ppt/slides/slide12.xml><?xml version="1.0" encoding="utf-8"?>
+<file path=ppt/slides/slide11.xml><?xml version="1.0" encoding="utf-8"?>
 <p:sld xmlns:a="http://schemas.openxmlformats.org/drawingml/2006/main" xmlns:r="http://schemas.openxmlformats.org/officeDocument/2006/relationships" xmlns:p="http://schemas.openxmlformats.org/presentationml/2006/main">
   <p:cSld>
     <p:spTree>
@@ -3768,11 +3585,7 @@
             </a:r>
             <a:r>
               <a:rPr lang="en-US" dirty="0" smtClean="0"/>
-              <a:t>ask </a:t>
-            </a:r>
-            <a:r>
-              <a:rPr lang="en-US" dirty="0" smtClean="0"/>
-              <a:t>3-4: Deploy Routing Service</a:t>
+              <a:t>ask 3-4: Deploy Routing Service</a:t>
             </a:r>
             <a:endParaRPr lang="en-US" dirty="0"/>
           </a:p>
@@ -3870,7 +3683,7 @@
 </p:sld>
 </file>
 
-<file path=ppt/slides/slide13.xml><?xml version="1.0" encoding="utf-8"?>
+<file path=ppt/slides/slide12.xml><?xml version="1.0" encoding="utf-8"?>
 <p:sld xmlns:a="http://schemas.openxmlformats.org/drawingml/2006/main" xmlns:r="http://schemas.openxmlformats.org/officeDocument/2006/relationships" xmlns:p="http://schemas.openxmlformats.org/presentationml/2006/main">
   <p:cSld>
     <p:spTree>
@@ -3908,11 +3721,7 @@
             </a:r>
             <a:r>
               <a:rPr lang="en-US" dirty="0" smtClean="0"/>
-              <a:t>ask </a:t>
-            </a:r>
-            <a:r>
-              <a:rPr lang="en-US" dirty="0" smtClean="0"/>
-              <a:t>3-5: Create UI</a:t>
+              <a:t>ask 3-5: Create UI</a:t>
             </a:r>
             <a:endParaRPr lang="en-US" dirty="0"/>
           </a:p>
@@ -3948,7 +3757,6 @@
               <a:rPr lang="en-US" dirty="0" smtClean="0"/>
               <a:t>Add SAS keys???and deploy???</a:t>
             </a:r>
-            <a:endParaRPr lang="en-US" dirty="0" smtClean="0"/>
           </a:p>
           <a:p>
             <a:pPr lvl="1"/>
@@ -3999,7 +3807,7 @@
 </p:sld>
 </file>
 
-<file path=ppt/slides/slide14.xml><?xml version="1.0" encoding="utf-8"?>
+<file path=ppt/slides/slide13.xml><?xml version="1.0" encoding="utf-8"?>
 <p:sld xmlns:a="http://schemas.openxmlformats.org/drawingml/2006/main" xmlns:r="http://schemas.openxmlformats.org/officeDocument/2006/relationships" xmlns:p="http://schemas.openxmlformats.org/presentationml/2006/main">
   <p:cSld>
     <p:spTree>
@@ -4076,7 +3884,6 @@
               <a:rPr lang="en-US" dirty="0" smtClean="0"/>
               <a:t>Asynchronous messaging can be used for request/response</a:t>
             </a:r>
-            <a:endParaRPr lang="en-US" dirty="0" smtClean="0"/>
           </a:p>
           <a:p>
             <a:endParaRPr lang="en-US" dirty="0"/>
@@ -4104,410 +3911,6 @@
 </file>
 
 <file path=ppt/slides/slide2.xml><?xml version="1.0" encoding="utf-8"?>
-<p:sld xmlns:a="http://schemas.openxmlformats.org/drawingml/2006/main" xmlns:r="http://schemas.openxmlformats.org/officeDocument/2006/relationships" xmlns:p="http://schemas.openxmlformats.org/presentationml/2006/main">
-  <p:cSld>
-    <p:spTree>
-      <p:nvGrpSpPr>
-        <p:cNvPr id="1" name=""/>
-        <p:cNvGrpSpPr/>
-        <p:nvPr/>
-      </p:nvGrpSpPr>
-      <p:grpSpPr>
-        <a:xfrm>
-          <a:off x="0" y="0"/>
-          <a:ext cx="0" cy="0"/>
-          <a:chOff x="0" y="0"/>
-          <a:chExt cx="0" cy="0"/>
-        </a:xfrm>
-      </p:grpSpPr>
-      <p:sp>
-        <p:nvSpPr>
-          <p:cNvPr id="4" name="Title 3"/>
-          <p:cNvSpPr>
-            <a:spLocks noGrp="1"/>
-          </p:cNvSpPr>
-          <p:nvPr>
-            <p:ph type="title"/>
-          </p:nvPr>
-        </p:nvSpPr>
-        <p:spPr/>
-        <p:txBody>
-          <a:bodyPr/>
-          <a:lstStyle/>
-          <a:p>
-            <a:r>
-              <a:rPr lang="en-US" dirty="0" smtClean="0"/>
-              <a:t>***</a:t>
-            </a:r>
-            <a:r>
-              <a:rPr lang="en-US" dirty="0" err="1" smtClean="0"/>
-              <a:t>ToDo</a:t>
-            </a:r>
-            <a:endParaRPr lang="en-US" dirty="0"/>
-          </a:p>
-        </p:txBody>
-      </p:sp>
-      <p:sp>
-        <p:nvSpPr>
-          <p:cNvPr id="5" name="Content Placeholder 4"/>
-          <p:cNvSpPr>
-            <a:spLocks noGrp="1"/>
-          </p:cNvSpPr>
-          <p:nvPr>
-            <p:ph idx="1"/>
-          </p:nvPr>
-        </p:nvSpPr>
-        <p:spPr/>
-        <p:txBody>
-          <a:bodyPr/>
-          <a:lstStyle/>
-          <a:p>
-            <a:r>
-              <a:rPr lang="en-US" smtClean="0"/>
-              <a:t>Arm templates</a:t>
-            </a:r>
-          </a:p>
-          <a:p>
-            <a:r>
-              <a:rPr lang="en-US" dirty="0" smtClean="0"/>
-              <a:t>Have Routing Service </a:t>
-            </a:r>
-            <a:r>
-              <a:rPr lang="en-US" dirty="0"/>
-              <a:t>completely pre-packaged</a:t>
-            </a:r>
-          </a:p>
-          <a:p>
-            <a:pPr lvl="1"/>
-            <a:r>
-              <a:rPr lang="en-US" dirty="0" smtClean="0"/>
-              <a:t>Help </a:t>
-            </a:r>
-            <a:r>
-              <a:rPr lang="en-US" dirty="0"/>
-              <a:t>students deploy</a:t>
-            </a:r>
-          </a:p>
-          <a:p>
-            <a:pPr lvl="1"/>
-            <a:r>
-              <a:rPr lang="en-US" dirty="0" smtClean="0"/>
-              <a:t>Talk </a:t>
-            </a:r>
-            <a:r>
-              <a:rPr lang="en-US" dirty="0"/>
-              <a:t>through logic and key points</a:t>
-            </a:r>
-          </a:p>
-        </p:txBody>
-      </p:sp>
-      <p:sp>
-        <p:nvSpPr>
-          <p:cNvPr id="6" name="Rectangle 5"/>
-          <p:cNvSpPr/>
-          <p:nvPr/>
-        </p:nvSpPr>
-        <p:spPr>
-          <a:xfrm>
-            <a:off x="7139249" y="3366655"/>
-            <a:ext cx="4214551" cy="2743200"/>
-          </a:xfrm>
-          <a:prstGeom prst="rect">
-            <a:avLst/>
-          </a:prstGeom>
-          <a:solidFill>
-            <a:srgbClr val="FFFF00"/>
-          </a:solidFill>
-        </p:spPr>
-        <p:style>
-          <a:lnRef idx="2">
-            <a:schemeClr val="accent1">
-              <a:shade val="50000"/>
-            </a:schemeClr>
-          </a:lnRef>
-          <a:fillRef idx="1">
-            <a:schemeClr val="accent1"/>
-          </a:fillRef>
-          <a:effectRef idx="0">
-            <a:schemeClr val="accent1"/>
-          </a:effectRef>
-          <a:fontRef idx="minor">
-            <a:schemeClr val="lt1"/>
-          </a:fontRef>
-        </p:style>
-        <p:txBody>
-          <a:bodyPr rtlCol="0" anchor="t" anchorCtr="0"/>
-          <a:lstStyle/>
-          <a:p>
-            <a:r>
-              <a:rPr lang="en-US" sz="1100" dirty="0" smtClean="0">
-                <a:solidFill>
-                  <a:schemeClr val="tx1"/>
-                </a:solidFill>
-              </a:rPr>
-              <a:t>Prep</a:t>
-            </a:r>
-          </a:p>
-          <a:p>
-            <a:pPr marL="285750" indent="-285750">
-              <a:buFontTx/>
-              <a:buChar char="-"/>
-            </a:pPr>
-            <a:r>
-              <a:rPr lang="en-US" sz="1100" dirty="0" smtClean="0">
-                <a:solidFill>
-                  <a:schemeClr val="tx1"/>
-                </a:solidFill>
-              </a:rPr>
-              <a:t>Request class from generator</a:t>
-            </a:r>
-          </a:p>
-          <a:p>
-            <a:pPr marL="285750" indent="-285750">
-              <a:buFontTx/>
-              <a:buChar char="-"/>
-            </a:pPr>
-            <a:r>
-              <a:rPr lang="en-US" sz="1100" dirty="0" smtClean="0">
-                <a:solidFill>
-                  <a:schemeClr val="tx1"/>
-                </a:solidFill>
-              </a:rPr>
-              <a:t>Router class</a:t>
-            </a:r>
-          </a:p>
-          <a:p>
-            <a:pPr marL="285750" indent="-285750">
-              <a:buFontTx/>
-              <a:buChar char="-"/>
-            </a:pPr>
-            <a:r>
-              <a:rPr lang="en-US" sz="1100" dirty="0" smtClean="0">
-                <a:solidFill>
-                  <a:schemeClr val="tx1"/>
-                </a:solidFill>
-              </a:rPr>
-              <a:t>Get stats by specialty and state???</a:t>
-            </a:r>
-          </a:p>
-          <a:p>
-            <a:pPr marL="285750" indent="-285750">
-              <a:buFontTx/>
-              <a:buChar char="-"/>
-            </a:pPr>
-            <a:endParaRPr lang="en-US" sz="1100" dirty="0">
-              <a:solidFill>
-                <a:schemeClr val="tx1"/>
-              </a:solidFill>
-            </a:endParaRPr>
-          </a:p>
-          <a:p>
-            <a:r>
-              <a:rPr lang="en-US" sz="1100" dirty="0" smtClean="0">
-                <a:solidFill>
-                  <a:schemeClr val="tx1"/>
-                </a:solidFill>
-              </a:rPr>
-              <a:t>In class</a:t>
-            </a:r>
-          </a:p>
-          <a:p>
-            <a:pPr marL="171450" indent="-171450">
-              <a:buFontTx/>
-              <a:buChar char="-"/>
-            </a:pPr>
-            <a:r>
-              <a:rPr lang="en-US" sz="1100" dirty="0" smtClean="0">
-                <a:solidFill>
-                  <a:schemeClr val="tx1"/>
-                </a:solidFill>
-              </a:rPr>
-              <a:t>1. Create Web API in VS</a:t>
-            </a:r>
-          </a:p>
-          <a:p>
-            <a:pPr marL="171450" indent="-171450">
-              <a:buFontTx/>
-              <a:buChar char="-"/>
-            </a:pPr>
-            <a:r>
-              <a:rPr lang="en-US" sz="1100" dirty="0" smtClean="0">
-                <a:solidFill>
-                  <a:schemeClr val="tx1"/>
-                </a:solidFill>
-              </a:rPr>
-              <a:t>1. Subscribe to </a:t>
-            </a:r>
-            <a:r>
-              <a:rPr lang="en-US" sz="1100" dirty="0" err="1" smtClean="0">
-                <a:solidFill>
-                  <a:schemeClr val="tx1"/>
-                </a:solidFill>
-              </a:rPr>
-              <a:t>NotApproved</a:t>
-            </a:r>
-            <a:r>
-              <a:rPr lang="en-US" sz="1100" dirty="0" smtClean="0">
-                <a:solidFill>
-                  <a:schemeClr val="tx1"/>
-                </a:solidFill>
-              </a:rPr>
-              <a:t> topic/</a:t>
-            </a:r>
-            <a:r>
-              <a:rPr lang="en-US" sz="1100" dirty="0" err="1" smtClean="0">
-                <a:solidFill>
-                  <a:schemeClr val="tx1"/>
-                </a:solidFill>
-              </a:rPr>
-              <a:t>c#</a:t>
-            </a:r>
-            <a:endParaRPr lang="en-US" sz="1100" dirty="0" smtClean="0">
-              <a:solidFill>
-                <a:schemeClr val="tx1"/>
-              </a:solidFill>
-            </a:endParaRPr>
-          </a:p>
-          <a:p>
-            <a:pPr marL="171450" indent="-171450">
-              <a:buFontTx/>
-              <a:buChar char="-"/>
-            </a:pPr>
-            <a:r>
-              <a:rPr lang="en-US" sz="1100" dirty="0" smtClean="0">
-                <a:solidFill>
-                  <a:schemeClr val="tx1"/>
-                </a:solidFill>
-              </a:rPr>
-              <a:t>1. Store requests in memory</a:t>
-            </a:r>
-          </a:p>
-          <a:p>
-            <a:pPr marL="171450" indent="-171450">
-              <a:buFontTx/>
-              <a:buChar char="-"/>
-            </a:pPr>
-            <a:r>
-              <a:rPr lang="en-US" sz="1100" dirty="0" smtClean="0">
-                <a:solidFill>
-                  <a:schemeClr val="tx1"/>
-                </a:solidFill>
-              </a:rPr>
-              <a:t>1. Deploy to Azure app service</a:t>
-            </a:r>
-          </a:p>
-          <a:p>
-            <a:pPr marL="171450" indent="-171450">
-              <a:buFontTx/>
-              <a:buChar char="-"/>
-            </a:pPr>
-            <a:r>
-              <a:rPr lang="en-US" sz="1100" dirty="0" smtClean="0">
-                <a:solidFill>
-                  <a:schemeClr val="tx1"/>
-                </a:solidFill>
-              </a:rPr>
-              <a:t>2. Subscribe to request command queue</a:t>
-            </a:r>
-          </a:p>
-          <a:p>
-            <a:pPr marL="171450" indent="-171450">
-              <a:buFontTx/>
-              <a:buChar char="-"/>
-            </a:pPr>
-            <a:r>
-              <a:rPr lang="en-US" sz="1100" dirty="0" smtClean="0">
-                <a:solidFill>
-                  <a:schemeClr val="tx1"/>
-                </a:solidFill>
-              </a:rPr>
-              <a:t>2. Get request from router class</a:t>
-            </a:r>
-          </a:p>
-          <a:p>
-            <a:pPr marL="171450" indent="-171450">
-              <a:buFontTx/>
-              <a:buChar char="-"/>
-            </a:pPr>
-            <a:r>
-              <a:rPr lang="en-US" sz="1100" dirty="0" smtClean="0">
-                <a:solidFill>
-                  <a:schemeClr val="tx1"/>
-                </a:solidFill>
-              </a:rPr>
-              <a:t>2. Send request via </a:t>
-            </a:r>
-            <a:r>
-              <a:rPr lang="en-US" sz="1100" dirty="0" err="1" smtClean="0">
-                <a:solidFill>
-                  <a:schemeClr val="tx1"/>
-                </a:solidFill>
-              </a:rPr>
-              <a:t>SignalR</a:t>
-            </a:r>
-            <a:endParaRPr lang="en-US" sz="1100" dirty="0" smtClean="0">
-              <a:solidFill>
-                <a:schemeClr val="tx1"/>
-              </a:solidFill>
-            </a:endParaRPr>
-          </a:p>
-          <a:p>
-            <a:pPr marL="171450" indent="-171450">
-              <a:buFontTx/>
-              <a:buChar char="-"/>
-            </a:pPr>
-            <a:r>
-              <a:rPr lang="en-US" sz="1100" dirty="0" smtClean="0">
-                <a:solidFill>
-                  <a:schemeClr val="tx1"/>
-                </a:solidFill>
-              </a:rPr>
-              <a:t>2. Re-</a:t>
-            </a:r>
-            <a:r>
-              <a:rPr lang="en-US" sz="1100" dirty="0" err="1" smtClean="0">
-                <a:solidFill>
-                  <a:schemeClr val="tx1"/>
-                </a:solidFill>
-              </a:rPr>
-              <a:t>dDeploy</a:t>
-            </a:r>
-            <a:r>
-              <a:rPr lang="en-US" sz="1100" dirty="0" smtClean="0">
-                <a:solidFill>
-                  <a:schemeClr val="tx1"/>
-                </a:solidFill>
-              </a:rPr>
-              <a:t> to Azure app service</a:t>
-            </a:r>
-          </a:p>
-          <a:p>
-            <a:pPr marL="285750" indent="-285750">
-              <a:buFontTx/>
-              <a:buChar char="-"/>
-            </a:pPr>
-            <a:endParaRPr lang="en-US" dirty="0">
-              <a:solidFill>
-                <a:schemeClr val="tx1"/>
-              </a:solidFill>
-            </a:endParaRPr>
-          </a:p>
-        </p:txBody>
-      </p:sp>
-    </p:spTree>
-    <p:extLst>
-      <p:ext uri="{BB962C8B-B14F-4D97-AF65-F5344CB8AC3E}">
-        <p14:creationId xmlns:p14="http://schemas.microsoft.com/office/powerpoint/2010/main" val="860384324"/>
-      </p:ext>
-    </p:extLst>
-  </p:cSld>
-  <p:clrMapOvr>
-    <a:masterClrMapping/>
-  </p:clrMapOvr>
-</p:sld>
-</file>
-
-<file path=ppt/slides/slide3.xml><?xml version="1.0" encoding="utf-8"?>
 <p:sld xmlns:a="http://schemas.openxmlformats.org/drawingml/2006/main" xmlns:r="http://schemas.openxmlformats.org/officeDocument/2006/relationships" xmlns:p="http://schemas.openxmlformats.org/presentationml/2006/main">
   <p:cSld>
     <p:spTree>
@@ -4796,8 +4199,13 @@
             </a:pPr>
             <a:r>
               <a:rPr lang="en-US" dirty="0" smtClean="0"/>
-              <a:t>As a TAH physician, I need to be able to view undecided requests for service so that I can decide if they should be approved or disapproved.</a:t>
-            </a:r>
+              <a:t>As a TAH physician, I need to be able to view undecided requests for service so that I can decide if they should be approved or </a:t>
+            </a:r>
+            <a:r>
+              <a:rPr lang="en-US" dirty="0" smtClean="0"/>
+              <a:t>deny.</a:t>
+            </a:r>
+            <a:endParaRPr lang="en-US" dirty="0" smtClean="0"/>
           </a:p>
           <a:p>
             <a:pPr marL="0" indent="0">
@@ -4853,7 +4261,15 @@
             </a:pPr>
             <a:r>
               <a:rPr lang="en-US" dirty="0" smtClean="0"/>
-              <a:t>Ability to approve or disapprove retrieved requests</a:t>
+              <a:t>Ability to approve or </a:t>
+            </a:r>
+            <a:r>
+              <a:rPr lang="en-US" dirty="0" smtClean="0"/>
+              <a:t>deny </a:t>
+            </a:r>
+            <a:r>
+              <a:rPr lang="en-US" dirty="0" smtClean="0"/>
+              <a:t>a request I’m viewing</a:t>
             </a:r>
           </a:p>
         </p:txBody>
@@ -4871,7 +4287,7 @@
 </p:sld>
 </file>
 
-<file path=ppt/slides/slide4.xml><?xml version="1.0" encoding="utf-8"?>
+<file path=ppt/slides/slide3.xml><?xml version="1.0" encoding="utf-8"?>
 <p:sld xmlns:a="http://schemas.openxmlformats.org/drawingml/2006/main" xmlns:r="http://schemas.openxmlformats.org/officeDocument/2006/relationships" xmlns:p="http://schemas.openxmlformats.org/presentationml/2006/main">
   <p:cSld>
     <p:spTree>
@@ -5629,7 +5045,6 @@
               <a:rPr lang="en-US" sz="1000" dirty="0"/>
               <a:t>7</a:t>
             </a:r>
-            <a:endParaRPr lang="en-US" sz="1000" dirty="0"/>
           </a:p>
         </p:txBody>
       </p:sp>
@@ -5676,7 +5091,6 @@
               <a:rPr lang="en-US" sz="1000" dirty="0"/>
               <a:t>6</a:t>
             </a:r>
-            <a:endParaRPr lang="en-US" sz="1000" dirty="0"/>
           </a:p>
         </p:txBody>
       </p:sp>
@@ -5723,7 +5137,6 @@
               <a:rPr lang="en-US" sz="1000" dirty="0"/>
               <a:t>5</a:t>
             </a:r>
-            <a:endParaRPr lang="en-US" sz="1000" dirty="0"/>
           </a:p>
         </p:txBody>
       </p:sp>
@@ -5770,7 +5183,6 @@
               <a:rPr lang="en-US" sz="1000" dirty="0"/>
               <a:t>4</a:t>
             </a:r>
-            <a:endParaRPr lang="en-US" sz="1000" dirty="0"/>
           </a:p>
         </p:txBody>
       </p:sp>
@@ -5817,7 +5229,6 @@
               <a:rPr lang="en-US" sz="1000" dirty="0"/>
               <a:t>3</a:t>
             </a:r>
-            <a:endParaRPr lang="en-US" sz="1000" dirty="0"/>
           </a:p>
         </p:txBody>
       </p:sp>
@@ -5864,7 +5275,6 @@
               <a:rPr lang="en-US" sz="1000" dirty="0"/>
               <a:t>2</a:t>
             </a:r>
-            <a:endParaRPr lang="en-US" sz="1000" dirty="0"/>
           </a:p>
         </p:txBody>
       </p:sp>
@@ -6024,7 +5434,7 @@
 </p:sld>
 </file>
 
-<file path=ppt/slides/slide5.xml><?xml version="1.0" encoding="utf-8"?>
+<file path=ppt/slides/slide4.xml><?xml version="1.0" encoding="utf-8"?>
 <p:sld xmlns:a="http://schemas.openxmlformats.org/drawingml/2006/main" xmlns:r="http://schemas.openxmlformats.org/officeDocument/2006/relationships" xmlns:p="http://schemas.openxmlformats.org/presentationml/2006/main">
   <p:cSld>
     <p:spTree>
@@ -6058,11 +5468,7 @@
           <a:p>
             <a:r>
               <a:rPr lang="en-US" dirty="0" smtClean="0"/>
-              <a:t>Routing </a:t>
-            </a:r>
-            <a:r>
-              <a:rPr lang="en-US" dirty="0" smtClean="0"/>
-              <a:t>Service</a:t>
+              <a:t>Routing Service</a:t>
             </a:r>
             <a:endParaRPr lang="en-US" dirty="0"/>
           </a:p>
@@ -6081,35 +5487,20 @@
         <p:spPr/>
         <p:txBody>
           <a:bodyPr>
-            <a:normAutofit lnSpcReduction="10000"/>
+            <a:normAutofit/>
           </a:bodyPr>
           <a:lstStyle/>
           <a:p>
             <a:r>
               <a:rPr lang="en-US" dirty="0" smtClean="0"/>
-              <a:t>When users request work, this service </a:t>
-            </a:r>
-            <a:r>
-              <a:rPr lang="en-US" dirty="0" smtClean="0"/>
-              <a:t>assigns </a:t>
-            </a:r>
-            <a:r>
-              <a:rPr lang="en-US" dirty="0" smtClean="0"/>
-              <a:t>a request to the </a:t>
-            </a:r>
-            <a:r>
-              <a:rPr lang="en-US" dirty="0" smtClean="0"/>
-              <a:t>user</a:t>
-            </a:r>
-            <a:endParaRPr lang="en-US" dirty="0" smtClean="0"/>
-          </a:p>
-          <a:p>
-            <a:endParaRPr lang="en-US" dirty="0" smtClean="0"/>
-          </a:p>
-          <a:p>
-            <a:r>
-              <a:rPr lang="en-US" dirty="0" smtClean="0"/>
-              <a:t>Maintains database of routable requests based on whether request is decided or currently assigned </a:t>
+              <a:t>Maintains database of routable requests</a:t>
+            </a:r>
+          </a:p>
+          <a:p>
+            <a:pPr lvl="1"/>
+            <a:r>
+              <a:rPr lang="en-US" dirty="0" smtClean="0"/>
+              <a:t>Routable requests include anything not already decided and not assigned to another user</a:t>
             </a:r>
           </a:p>
           <a:p>
@@ -6126,7 +5517,7 @@
           <a:p>
             <a:r>
               <a:rPr lang="en-US" dirty="0" smtClean="0"/>
-              <a:t>For this workshop, we’re going to store requests in memory</a:t>
+              <a:t>For this workshop, we’re only going to store requests in memory</a:t>
             </a:r>
           </a:p>
           <a:p>
@@ -6165,7 +5556,7 @@
 </p:sld>
 </file>
 
-<file path=ppt/slides/slide6.xml><?xml version="1.0" encoding="utf-8"?>
+<file path=ppt/slides/slide5.xml><?xml version="1.0" encoding="utf-8"?>
 <p:sld xmlns:a="http://schemas.openxmlformats.org/drawingml/2006/main" xmlns:r="http://schemas.openxmlformats.org/officeDocument/2006/relationships" xmlns:p="http://schemas.openxmlformats.org/presentationml/2006/main">
   <p:cSld>
     <p:spTree>
@@ -6462,15 +5853,7 @@
                       </a:r>
                       <a:r>
                         <a:rPr lang="en-US" baseline="0" dirty="0" smtClean="0"/>
-                        <a:t>enerally </a:t>
-                      </a:r>
-                      <a:r>
-                        <a:rPr lang="en-US" baseline="0" dirty="0" smtClean="0"/>
-                        <a:t>10 minutes, but 230 seconds for HTTP </a:t>
-                      </a:r>
-                      <a:r>
-                        <a:rPr lang="en-US" baseline="0" dirty="0" smtClean="0"/>
-                        <a:t>triggers</a:t>
+                        <a:t>enerally 10 minutes, but 230 seconds for HTTP triggers</a:t>
                       </a:r>
                       <a:endParaRPr lang="en-US" dirty="0"/>
                     </a:p>
@@ -6738,6 +6121,108 @@
 </p:sld>
 </file>
 
+<file path=ppt/slides/slide6.xml><?xml version="1.0" encoding="utf-8"?>
+<p:sld xmlns:a="http://schemas.openxmlformats.org/drawingml/2006/main" xmlns:r="http://schemas.openxmlformats.org/officeDocument/2006/relationships" xmlns:p="http://schemas.openxmlformats.org/presentationml/2006/main">
+  <p:cSld>
+    <p:spTree>
+      <p:nvGrpSpPr>
+        <p:cNvPr id="1" name=""/>
+        <p:cNvGrpSpPr/>
+        <p:nvPr/>
+      </p:nvGrpSpPr>
+      <p:grpSpPr>
+        <a:xfrm>
+          <a:off x="0" y="0"/>
+          <a:ext cx="0" cy="0"/>
+          <a:chOff x="0" y="0"/>
+          <a:chExt cx="0" cy="0"/>
+        </a:xfrm>
+      </p:grpSpPr>
+      <p:sp>
+        <p:nvSpPr>
+          <p:cNvPr id="2" name="Title 1"/>
+          <p:cNvSpPr>
+            <a:spLocks noGrp="1"/>
+          </p:cNvSpPr>
+          <p:nvPr>
+            <p:ph type="title"/>
+          </p:nvPr>
+        </p:nvSpPr>
+        <p:spPr/>
+        <p:txBody>
+          <a:bodyPr/>
+          <a:lstStyle/>
+          <a:p>
+            <a:r>
+              <a:rPr lang="en-US" dirty="0" smtClean="0"/>
+              <a:t>User Interface</a:t>
+            </a:r>
+            <a:endParaRPr lang="en-US" dirty="0"/>
+          </a:p>
+        </p:txBody>
+      </p:sp>
+      <p:sp>
+        <p:nvSpPr>
+          <p:cNvPr id="3" name="Content Placeholder 2"/>
+          <p:cNvSpPr>
+            <a:spLocks noGrp="1"/>
+          </p:cNvSpPr>
+          <p:nvPr>
+            <p:ph idx="1"/>
+          </p:nvPr>
+        </p:nvSpPr>
+        <p:spPr/>
+        <p:txBody>
+          <a:bodyPr/>
+          <a:lstStyle/>
+          <a:p>
+            <a:r>
+              <a:rPr lang="en-US" dirty="0" smtClean="0"/>
+              <a:t>Could use almost any web technology since there is a JavaScript Event Hub Client SDK</a:t>
+            </a:r>
+          </a:p>
+          <a:p>
+            <a:endParaRPr lang="en-US" dirty="0"/>
+          </a:p>
+          <a:p>
+            <a:r>
+              <a:rPr lang="en-US" dirty="0" smtClean="0"/>
+              <a:t>Choosing ASP.NET </a:t>
+            </a:r>
+            <a:r>
+              <a:rPr lang="en-US" dirty="0" err="1" smtClean="0"/>
+              <a:t>Blazor</a:t>
+            </a:r>
+            <a:r>
+              <a:rPr lang="en-US" dirty="0" smtClean="0"/>
+              <a:t> to consolidate technologies for the </a:t>
+            </a:r>
+            <a:r>
+              <a:rPr lang="en-US" dirty="0" smtClean="0"/>
+              <a:t>workshop</a:t>
+            </a:r>
+          </a:p>
+          <a:p>
+            <a:pPr marL="0" indent="0">
+              <a:buNone/>
+            </a:pPr>
+            <a:endParaRPr lang="en-US" dirty="0"/>
+          </a:p>
+        </p:txBody>
+      </p:sp>
+    </p:spTree>
+    <p:extLst>
+      <p:ext uri="{BB962C8B-B14F-4D97-AF65-F5344CB8AC3E}">
+        <p14:creationId xmlns:p14="http://schemas.microsoft.com/office/powerpoint/2010/main" val="1274145071"/>
+      </p:ext>
+    </p:extLst>
+  </p:cSld>
+  <p:clrMapOvr>
+    <a:masterClrMapping/>
+  </p:clrMapOvr>
+</p:sld>
+</file>
+
 <file path=ppt/slides/slide7.xml><?xml version="1.0" encoding="utf-8"?>
 <p:sld xmlns:a="http://schemas.openxmlformats.org/drawingml/2006/main" xmlns:r="http://schemas.openxmlformats.org/officeDocument/2006/relationships" xmlns:p="http://schemas.openxmlformats.org/presentationml/2006/main">
   <p:cSld>
@@ -6772,7 +6257,7 @@
           <a:p>
             <a:r>
               <a:rPr lang="en-US" dirty="0" smtClean="0"/>
-              <a:t>User Interface</a:t>
+              <a:t>Approach</a:t>
             </a:r>
             <a:endParaRPr lang="en-US" dirty="0"/>
           </a:p>
@@ -6790,30 +6275,66 @@
         </p:nvSpPr>
         <p:spPr/>
         <p:txBody>
-          <a:bodyPr/>
-          <a:lstStyle/>
-          <a:p>
-            <a:r>
-              <a:rPr lang="en-US" dirty="0" smtClean="0"/>
-              <a:t>Could use almost any web technology since there is a JavaScript Event Hub Client SDK</a:t>
-            </a:r>
-          </a:p>
-          <a:p>
+          <a:bodyPr>
+            <a:normAutofit fontScale="92500"/>
+          </a:bodyPr>
+          <a:lstStyle/>
+          <a:p>
+            <a:r>
+              <a:rPr lang="en-US" dirty="0" smtClean="0"/>
+              <a:t>Routing Service provided and almost ready to deploy</a:t>
+            </a:r>
+          </a:p>
+          <a:p>
+            <a:pPr lvl="1"/>
+            <a:r>
+              <a:rPr lang="en-US" dirty="0" smtClean="0"/>
+              <a:t>Needs some configuration updates as defined in following tasks</a:t>
+            </a:r>
+          </a:p>
+          <a:p>
+            <a:pPr lvl="1"/>
+            <a:endParaRPr lang="en-US" dirty="0" smtClean="0"/>
+          </a:p>
+          <a:p>
+            <a:r>
+              <a:rPr lang="en-US" dirty="0"/>
+              <a:t>U</a:t>
+            </a:r>
+            <a:r>
+              <a:rPr lang="en-US" dirty="0" smtClean="0"/>
+              <a:t>se </a:t>
+            </a:r>
+            <a:r>
+              <a:rPr lang="en-US" dirty="0" smtClean="0"/>
+              <a:t>Azure Resource Manager (ARM) scripts to generate the new event hubs, shared access policies, and BLOB containers for hub offsets</a:t>
+            </a:r>
+          </a:p>
+          <a:p>
+            <a:pPr lvl="1"/>
             <a:endParaRPr lang="en-US" dirty="0"/>
           </a:p>
           <a:p>
             <a:r>
               <a:rPr lang="en-US" dirty="0" smtClean="0"/>
-              <a:t>Choosing ASP.NET </a:t>
-            </a:r>
-            <a:r>
-              <a:rPr lang="en-US" dirty="0" err="1" smtClean="0"/>
-              <a:t>Blazor</a:t>
-            </a:r>
-            <a:r>
-              <a:rPr lang="en-US" dirty="0" smtClean="0"/>
-              <a:t> to consolidate technologies for the workshop</a:t>
-            </a:r>
+              <a:t>Event Hub consumer code </a:t>
+            </a:r>
+            <a:r>
+              <a:rPr lang="en-US" dirty="0"/>
+              <a:t>slightly different than Function with Event Hub trigger</a:t>
+            </a:r>
+          </a:p>
+          <a:p>
+            <a:endParaRPr lang="en-US" dirty="0" smtClean="0"/>
+          </a:p>
+          <a:p>
+            <a:r>
+              <a:rPr lang="en-US" dirty="0" smtClean="0"/>
+              <a:t>We’ll just use the UI locally without deploying</a:t>
+            </a:r>
+            <a:endParaRPr lang="en-US" dirty="0"/>
+          </a:p>
+          <a:p>
             <a:endParaRPr lang="en-US" dirty="0"/>
           </a:p>
         </p:txBody>
@@ -6821,7 +6342,7 @@
     </p:spTree>
     <p:extLst>
       <p:ext uri="{BB962C8B-B14F-4D97-AF65-F5344CB8AC3E}">
-        <p14:creationId xmlns:p14="http://schemas.microsoft.com/office/powerpoint/2010/main" val="1274145071"/>
+        <p14:creationId xmlns:p14="http://schemas.microsoft.com/office/powerpoint/2010/main" val="2482624167"/>
       </p:ext>
     </p:extLst>
   </p:cSld>
@@ -6860,132 +6381,6 @@
         </p:nvSpPr>
         <p:spPr/>
         <p:txBody>
-          <a:bodyPr/>
-          <a:lstStyle/>
-          <a:p>
-            <a:r>
-              <a:rPr lang="en-US" dirty="0" smtClean="0"/>
-              <a:t>Approach</a:t>
-            </a:r>
-            <a:endParaRPr lang="en-US" dirty="0"/>
-          </a:p>
-        </p:txBody>
-      </p:sp>
-      <p:sp>
-        <p:nvSpPr>
-          <p:cNvPr id="3" name="Content Placeholder 2"/>
-          <p:cNvSpPr>
-            <a:spLocks noGrp="1"/>
-          </p:cNvSpPr>
-          <p:nvPr>
-            <p:ph idx="1"/>
-          </p:nvPr>
-        </p:nvSpPr>
-        <p:spPr/>
-        <p:txBody>
-          <a:bodyPr>
-            <a:normAutofit fontScale="92500" lnSpcReduction="20000"/>
-          </a:bodyPr>
-          <a:lstStyle/>
-          <a:p>
-            <a:r>
-              <a:rPr lang="en-US" dirty="0" smtClean="0"/>
-              <a:t>Routing Service provided and almost ready to deploy</a:t>
-            </a:r>
-          </a:p>
-          <a:p>
-            <a:pPr lvl="1"/>
-            <a:r>
-              <a:rPr lang="en-US" dirty="0" smtClean="0"/>
-              <a:t>Needs some configuration updates as defined in following tasks</a:t>
-            </a:r>
-          </a:p>
-          <a:p>
-            <a:pPr lvl="1"/>
-            <a:endParaRPr lang="en-US" dirty="0" smtClean="0"/>
-          </a:p>
-          <a:p>
-            <a:r>
-              <a:rPr lang="en-US" dirty="0" smtClean="0"/>
-              <a:t>We’ll use Azure Resource Manager (ARM) scripts to generate the new event hubs, shared access policies, and BLOB containers for hub offsets</a:t>
-            </a:r>
-          </a:p>
-          <a:p>
-            <a:pPr lvl="1"/>
-            <a:endParaRPr lang="en-US" dirty="0"/>
-          </a:p>
-          <a:p>
-            <a:r>
-              <a:rPr lang="en-US" dirty="0" smtClean="0"/>
-              <a:t>Using different consumers so each can manage streams independently</a:t>
-            </a:r>
-          </a:p>
-          <a:p>
-            <a:endParaRPr lang="en-US" dirty="0"/>
-          </a:p>
-          <a:p>
-            <a:r>
-              <a:rPr lang="en-US" dirty="0"/>
-              <a:t>Event Hub slightly different than Function with Event Hub trigger</a:t>
-            </a:r>
-          </a:p>
-          <a:p>
-            <a:endParaRPr lang="en-US" dirty="0" smtClean="0"/>
-          </a:p>
-          <a:p>
-            <a:r>
-              <a:rPr lang="en-US" dirty="0" smtClean="0"/>
-              <a:t>We’ll just use the UI locally without deploying</a:t>
-            </a:r>
-            <a:endParaRPr lang="en-US" dirty="0"/>
-          </a:p>
-          <a:p>
-            <a:endParaRPr lang="en-US" dirty="0"/>
-          </a:p>
-        </p:txBody>
-      </p:sp>
-    </p:spTree>
-    <p:extLst>
-      <p:ext uri="{BB962C8B-B14F-4D97-AF65-F5344CB8AC3E}">
-        <p14:creationId xmlns:p14="http://schemas.microsoft.com/office/powerpoint/2010/main" val="2482624167"/>
-      </p:ext>
-    </p:extLst>
-  </p:cSld>
-  <p:clrMapOvr>
-    <a:masterClrMapping/>
-  </p:clrMapOvr>
-</p:sld>
-</file>
-
-<file path=ppt/slides/slide9.xml><?xml version="1.0" encoding="utf-8"?>
-<p:sld xmlns:a="http://schemas.openxmlformats.org/drawingml/2006/main" xmlns:r="http://schemas.openxmlformats.org/officeDocument/2006/relationships" xmlns:p="http://schemas.openxmlformats.org/presentationml/2006/main">
-  <p:cSld>
-    <p:spTree>
-      <p:nvGrpSpPr>
-        <p:cNvPr id="1" name=""/>
-        <p:cNvGrpSpPr/>
-        <p:nvPr/>
-      </p:nvGrpSpPr>
-      <p:grpSpPr>
-        <a:xfrm>
-          <a:off x="0" y="0"/>
-          <a:ext cx="0" cy="0"/>
-          <a:chOff x="0" y="0"/>
-          <a:chExt cx="0" cy="0"/>
-        </a:xfrm>
-      </p:grpSpPr>
-      <p:sp>
-        <p:nvSpPr>
-          <p:cNvPr id="2" name="Title 1"/>
-          <p:cNvSpPr>
-            <a:spLocks noGrp="1"/>
-          </p:cNvSpPr>
-          <p:nvPr>
-            <p:ph type="title"/>
-          </p:nvPr>
-        </p:nvSpPr>
-        <p:spPr/>
-        <p:txBody>
           <a:bodyPr>
             <a:normAutofit/>
           </a:bodyPr>
@@ -7040,8 +6435,9 @@
             <a:pPr lvl="1"/>
             <a:r>
               <a:rPr lang="en-US" dirty="0" smtClean="0"/>
-              <a:t>??? Globally unique name???</a:t>
-            </a:r>
+              <a:t>Use the name of your Hub namespace</a:t>
+            </a:r>
+            <a:endParaRPr lang="en-US" dirty="0" smtClean="0"/>
           </a:p>
           <a:p>
             <a:endParaRPr lang="en-US" dirty="0" smtClean="0"/>
@@ -7191,6 +6587,188 @@
     <p:extLst>
       <p:ext uri="{BB962C8B-B14F-4D97-AF65-F5344CB8AC3E}">
         <p14:creationId xmlns:p14="http://schemas.microsoft.com/office/powerpoint/2010/main" val="792998524"/>
+      </p:ext>
+    </p:extLst>
+  </p:cSld>
+  <p:clrMapOvr>
+    <a:masterClrMapping/>
+  </p:clrMapOvr>
+</p:sld>
+</file>
+
+<file path=ppt/slides/slide9.xml><?xml version="1.0" encoding="utf-8"?>
+<p:sld xmlns:a="http://schemas.openxmlformats.org/drawingml/2006/main" xmlns:r="http://schemas.openxmlformats.org/officeDocument/2006/relationships" xmlns:p="http://schemas.openxmlformats.org/presentationml/2006/main">
+  <p:cSld>
+    <p:spTree>
+      <p:nvGrpSpPr>
+        <p:cNvPr id="1" name=""/>
+        <p:cNvGrpSpPr/>
+        <p:nvPr/>
+      </p:nvGrpSpPr>
+      <p:grpSpPr>
+        <a:xfrm>
+          <a:off x="0" y="0"/>
+          <a:ext cx="0" cy="0"/>
+          <a:chOff x="0" y="0"/>
+          <a:chExt cx="0" cy="0"/>
+        </a:xfrm>
+      </p:grpSpPr>
+      <p:sp>
+        <p:nvSpPr>
+          <p:cNvPr id="2" name="Title 1"/>
+          <p:cNvSpPr>
+            <a:spLocks noGrp="1"/>
+          </p:cNvSpPr>
+          <p:nvPr>
+            <p:ph type="title"/>
+          </p:nvPr>
+        </p:nvSpPr>
+        <p:spPr/>
+        <p:txBody>
+          <a:bodyPr/>
+          <a:lstStyle/>
+          <a:p>
+            <a:r>
+              <a:rPr lang="en-US" dirty="0" smtClean="0"/>
+              <a:t>Task 3-2: Deploy UI Messaging Items</a:t>
+            </a:r>
+            <a:endParaRPr lang="en-US" dirty="0"/>
+          </a:p>
+        </p:txBody>
+      </p:sp>
+      <p:sp>
+        <p:nvSpPr>
+          <p:cNvPr id="3" name="Content Placeholder 2"/>
+          <p:cNvSpPr>
+            <a:spLocks noGrp="1"/>
+          </p:cNvSpPr>
+          <p:nvPr>
+            <p:ph idx="1"/>
+          </p:nvPr>
+        </p:nvSpPr>
+        <p:spPr/>
+        <p:txBody>
+          <a:bodyPr>
+            <a:normAutofit lnSpcReduction="10000"/>
+          </a:bodyPr>
+          <a:lstStyle/>
+          <a:p>
+            <a:r>
+              <a:rPr lang="en-US" dirty="0"/>
+              <a:t>ARM template: </a:t>
+            </a:r>
+            <a:r>
+              <a:rPr lang="en-US" dirty="0" err="1" smtClean="0"/>
+              <a:t>ArmScripts</a:t>
+            </a:r>
+            <a:r>
+              <a:rPr lang="en-US" dirty="0" smtClean="0"/>
+              <a:t>\Sprint3_UIMessagingItems.json</a:t>
+            </a:r>
+            <a:endParaRPr lang="en-US" dirty="0"/>
+          </a:p>
+          <a:p>
+            <a:pPr lvl="1"/>
+            <a:r>
+              <a:rPr lang="en-US"/>
+              <a:t>Use the name of your Hub namespace</a:t>
+            </a:r>
+          </a:p>
+          <a:p>
+            <a:endParaRPr lang="en-US" dirty="0" smtClean="0"/>
+          </a:p>
+          <a:p>
+            <a:r>
+              <a:rPr lang="en-US" dirty="0" smtClean="0"/>
+              <a:t>Share Access Policies</a:t>
+            </a:r>
+          </a:p>
+          <a:p>
+            <a:pPr lvl="1"/>
+            <a:r>
+              <a:rPr lang="en-US" dirty="0" err="1" smtClean="0"/>
+              <a:t>getRequest</a:t>
+            </a:r>
+            <a:r>
+              <a:rPr lang="en-US" dirty="0" smtClean="0"/>
+              <a:t> sender</a:t>
+            </a:r>
+          </a:p>
+          <a:p>
+            <a:pPr lvl="1"/>
+            <a:r>
+              <a:rPr lang="en-US" dirty="0" err="1" smtClean="0"/>
+              <a:t>requestAssigned</a:t>
+            </a:r>
+            <a:r>
+              <a:rPr lang="en-US" dirty="0" smtClean="0"/>
+              <a:t> listener</a:t>
+            </a:r>
+          </a:p>
+          <a:p>
+            <a:pPr lvl="1"/>
+            <a:r>
+              <a:rPr lang="en-US" dirty="0" err="1" smtClean="0"/>
+              <a:t>decidedRequests</a:t>
+            </a:r>
+            <a:r>
+              <a:rPr lang="en-US" dirty="0" smtClean="0"/>
+              <a:t> sender</a:t>
+            </a:r>
+          </a:p>
+          <a:p>
+            <a:endParaRPr lang="en-US" dirty="0" smtClean="0"/>
+          </a:p>
+          <a:p>
+            <a:r>
+              <a:rPr lang="en-US" dirty="0" smtClean="0"/>
+              <a:t>Consumer Groups</a:t>
+            </a:r>
+          </a:p>
+          <a:p>
+            <a:pPr lvl="1"/>
+            <a:r>
+              <a:rPr lang="en-US" dirty="0" err="1"/>
+              <a:t>requestAssigned</a:t>
+            </a:r>
+            <a:endParaRPr lang="en-US" dirty="0"/>
+          </a:p>
+        </p:txBody>
+      </p:sp>
+      <p:pic>
+        <p:nvPicPr>
+          <p:cNvPr id="4" name="Picture 3"/>
+          <p:cNvPicPr>
+            <a:picLocks noChangeAspect="1"/>
+          </p:cNvPicPr>
+          <p:nvPr/>
+        </p:nvPicPr>
+        <p:blipFill>
+          <a:blip r:embed="rId2" cstate="print">
+            <a:extLst>
+              <a:ext uri="{28A0092B-C50C-407E-A947-70E740481C1C}">
+                <a14:useLocalDpi xmlns:a14="http://schemas.microsoft.com/office/drawing/2010/main" val="0"/>
+              </a:ext>
+            </a:extLst>
+          </a:blip>
+          <a:stretch>
+            <a:fillRect/>
+          </a:stretch>
+        </p:blipFill>
+        <p:spPr>
+          <a:xfrm>
+            <a:off x="9135291" y="274630"/>
+            <a:ext cx="2455817" cy="1381224"/>
+          </a:xfrm>
+          <a:prstGeom prst="rect">
+            <a:avLst/>
+          </a:prstGeom>
+        </p:spPr>
+      </p:pic>
+    </p:spTree>
+    <p:extLst>
+      <p:ext uri="{BB962C8B-B14F-4D97-AF65-F5344CB8AC3E}">
+        <p14:creationId xmlns:p14="http://schemas.microsoft.com/office/powerpoint/2010/main" val="2855987682"/>
       </p:ext>
     </p:extLst>
   </p:cSld>

--- a/Sprint3/EdaWorkshop_Sprint3.pptx
+++ b/Sprint3/EdaWorkshop_Sprint3.pptx
@@ -6670,7 +6670,7 @@
           <a:p>
             <a:pPr lvl="1"/>
             <a:r>
-              <a:rPr lang="en-US"/>
+              <a:rPr lang="en-US" dirty="0"/>
               <a:t>Use the name of your Hub namespace</a:t>
             </a:r>
           </a:p>
